--- a/Figure_5/output/Figure 5.pptx
+++ b/Figure_5/output/Figure 5.pptx
@@ -6,13 +6,12 @@
     <p:sldMasterId id="2147483660" r:id="rId2"/>
   </p:sldMasterIdLst>
   <p:notesMasterIdLst>
-    <p:notesMasterId r:id="rId5"/>
+    <p:notesMasterId r:id="rId4"/>
   </p:notesMasterIdLst>
   <p:sldIdLst>
     <p:sldId id="256" r:id="rId3"/>
-    <p:sldId id="261" r:id="rId4"/>
   </p:sldIdLst>
-  <p:sldSz cx="10972800" cy="10972800"/>
+  <p:sldSz cx="10972800" cy="18288000"/>
   <p:notesSz cx="6858000" cy="9144000"/>
   <p:defaultTextStyle>
     <a:defPPr marR="0" lvl="0" algn="l" rtl="0">
@@ -246,12 +245,12 @@
   <p:extLst>
     <p:ext uri="{EFAFB233-063F-42B5-8137-9DF3F51BA10A}">
       <p15:sldGuideLst xmlns:p15="http://schemas.microsoft.com/office/powerpoint/2012/main">
-        <p15:guide id="1" orient="horz" pos="3456">
+        <p15:guide id="1" orient="horz" pos="5760" userDrawn="1">
           <p15:clr>
             <a:srgbClr val="A4A3A4"/>
           </p15:clr>
         </p15:guide>
-        <p15:guide id="2" pos="3456">
+        <p15:guide id="2" pos="3456" userDrawn="1">
           <p15:clr>
             <a:srgbClr val="A4A3A4"/>
           </p15:clr>
@@ -259,7 +258,7 @@
       </p15:sldGuideLst>
     </p:ext>
     <p:ext uri="http://customooxmlschemas.google.com/">
-      <go:slidesCustomData xmlns:go="http://customooxmlschemas.google.com/" xmlns:ahyp="http://schemas.microsoft.com/office/drawing/2018/hyperlinkcolor" xmlns:p15="http://schemas.microsoft.com/office/powerpoint/2012/main" xmlns:p14="http://schemas.microsoft.com/office/powerpoint/2010/main" xmlns:com="http://schemas.openxmlformats.org/drawingml/2006/compatibility" xmlns:pvml="urn:schemas-microsoft-com:office:powerpoint" xmlns:v="urn:schemas-microsoft-com:vml" xmlns:o="urn:schemas-microsoft-com:office:office" xmlns:dgm="http://schemas.openxmlformats.org/drawingml/2006/diagram" xmlns:c="http://schemas.openxmlformats.org/drawingml/2006/chart" xmlns:mv="urn:schemas-microsoft-com:mac:vml" xmlns:mc="http://schemas.openxmlformats.org/markup-compatibility/2006" xmlns="" r:id="rId10" roundtripDataSignature="AMtx7mjRpAec7mz8K9/r3J5cOyI6w6YOIA=="/>
+      <go:slidesCustomData xmlns="" xmlns:mc="http://schemas.openxmlformats.org/markup-compatibility/2006" xmlns:mv="urn:schemas-microsoft-com:mac:vml" xmlns:c="http://schemas.openxmlformats.org/drawingml/2006/chart" xmlns:dgm="http://schemas.openxmlformats.org/drawingml/2006/diagram" xmlns:o="urn:schemas-microsoft-com:office:office" xmlns:v="urn:schemas-microsoft-com:vml" xmlns:pvml="urn:schemas-microsoft-com:office:powerpoint" xmlns:com="http://schemas.openxmlformats.org/drawingml/2006/compatibility" xmlns:p14="http://schemas.microsoft.com/office/powerpoint/2010/main" xmlns:p15="http://schemas.microsoft.com/office/powerpoint/2012/main" xmlns:ahyp="http://schemas.microsoft.com/office/drawing/2018/hyperlinkcolor" xmlns:go="http://customooxmlschemas.google.com/" r:id="rId10" roundtripDataSignature="AMtx7mjRpAec7mz8K9/r3J5cOyI6w6YOIA=="/>
     </p:ext>
   </p:extLst>
 </p:presentation>
@@ -302,8 +301,8 @@
         </p:nvSpPr>
         <p:spPr>
           <a:xfrm>
-            <a:off x="1714826" y="685800"/>
-            <a:ext cx="3429000" cy="3429000"/>
+            <a:off x="2400300" y="685800"/>
+            <a:ext cx="2057400" cy="3429000"/>
           </a:xfrm>
           <a:custGeom>
             <a:avLst/>
@@ -873,8 +872,8 @@
         </p:nvSpPr>
         <p:spPr>
           <a:xfrm>
-            <a:off x="1885950" y="1143000"/>
-            <a:ext cx="3086100" cy="3086100"/>
+            <a:off x="2503488" y="1143000"/>
+            <a:ext cx="1851025" cy="3086100"/>
           </a:xfrm>
           <a:custGeom>
             <a:avLst/>
@@ -1065,8 +1064,8 @@
         </p:nvSpPr>
         <p:spPr>
           <a:xfrm>
-            <a:off x="754381" y="10170162"/>
-            <a:ext cx="2469000" cy="584400"/>
+            <a:off x="754381" y="16950270"/>
+            <a:ext cx="2469000" cy="974000"/>
           </a:xfrm>
           <a:prstGeom prst="rect">
             <a:avLst/>
@@ -1225,8 +1224,8 @@
         </p:nvSpPr>
         <p:spPr>
           <a:xfrm>
-            <a:off x="3634743" y="10170162"/>
-            <a:ext cx="3703500" cy="584400"/>
+            <a:off x="3634743" y="16950270"/>
+            <a:ext cx="3703500" cy="974000"/>
           </a:xfrm>
           <a:prstGeom prst="rect">
             <a:avLst/>
@@ -1385,8 +1384,8 @@
         </p:nvSpPr>
         <p:spPr>
           <a:xfrm>
-            <a:off x="7749540" y="10170162"/>
-            <a:ext cx="2469000" cy="584400"/>
+            <a:off x="7749540" y="16950270"/>
+            <a:ext cx="2469000" cy="974000"/>
           </a:xfrm>
           <a:prstGeom prst="rect">
             <a:avLst/>
@@ -1637,20 +1636,12 @@
             </a:lvl9pPr>
           </a:lstStyle>
           <a:p>
-            <a:pPr marL="0" lvl="0" indent="0" algn="r" rtl="0">
-              <a:spcBef>
-                <a:spcPts val="0"/>
-              </a:spcBef>
-              <a:spcAft>
-                <a:spcPts val="0"/>
-              </a:spcAft>
-              <a:buNone/>
-            </a:pPr>
             <a:fld id="{00000000-1234-1234-1234-123412341234}" type="slidenum">
-              <a:rPr lang="en"/>
+              <a:rPr lang="en" smtClean="0"/>
+              <a:pPr/>
               <a:t>‹#›</a:t>
             </a:fld>
-            <a:endParaRPr/>
+            <a:endParaRPr lang="en"/>
           </a:p>
         </p:txBody>
       </p:sp>
@@ -1691,8 +1682,8 @@
         </p:nvSpPr>
         <p:spPr>
           <a:xfrm rot="5400000">
-            <a:off x="4386270" y="4050558"/>
-            <a:ext cx="9298500" cy="2365800"/>
+            <a:off x="1286770" y="7539530"/>
+            <a:ext cx="15497500" cy="2365800"/>
           </a:xfrm>
           <a:prstGeom prst="rect">
             <a:avLst/>
@@ -1854,8 +1845,8 @@
         </p:nvSpPr>
         <p:spPr>
           <a:xfrm rot="5400000">
-            <a:off x="-414449" y="1753008"/>
-            <a:ext cx="9298500" cy="6960900"/>
+            <a:off x="-3513949" y="5241980"/>
+            <a:ext cx="15497500" cy="6960900"/>
           </a:xfrm>
           <a:prstGeom prst="rect">
             <a:avLst/>
@@ -2041,8 +2032,8 @@
         </p:nvSpPr>
         <p:spPr>
           <a:xfrm>
-            <a:off x="754381" y="10170162"/>
-            <a:ext cx="2469000" cy="584400"/>
+            <a:off x="754381" y="16950270"/>
+            <a:ext cx="2469000" cy="974000"/>
           </a:xfrm>
           <a:prstGeom prst="rect">
             <a:avLst/>
@@ -2201,8 +2192,8 @@
         </p:nvSpPr>
         <p:spPr>
           <a:xfrm>
-            <a:off x="3634743" y="10170162"/>
-            <a:ext cx="3703500" cy="584400"/>
+            <a:off x="3634743" y="16950270"/>
+            <a:ext cx="3703500" cy="974000"/>
           </a:xfrm>
           <a:prstGeom prst="rect">
             <a:avLst/>
@@ -2361,8 +2352,8 @@
         </p:nvSpPr>
         <p:spPr>
           <a:xfrm>
-            <a:off x="7749540" y="10170162"/>
-            <a:ext cx="2469000" cy="584400"/>
+            <a:off x="7749540" y="16950270"/>
+            <a:ext cx="2469000" cy="974000"/>
           </a:xfrm>
           <a:prstGeom prst="rect">
             <a:avLst/>
@@ -2613,20 +2604,12 @@
             </a:lvl9pPr>
           </a:lstStyle>
           <a:p>
-            <a:pPr marL="0" lvl="0" indent="0" algn="r" rtl="0">
-              <a:spcBef>
-                <a:spcPts val="0"/>
-              </a:spcBef>
-              <a:spcAft>
-                <a:spcPts val="0"/>
-              </a:spcAft>
-              <a:buNone/>
-            </a:pPr>
             <a:fld id="{00000000-1234-1234-1234-123412341234}" type="slidenum">
-              <a:rPr lang="en"/>
+              <a:rPr lang="en" smtClean="0"/>
+              <a:pPr/>
               <a:t>‹#›</a:t>
             </a:fld>
-            <a:endParaRPr/>
+            <a:endParaRPr lang="en"/>
           </a:p>
         </p:txBody>
       </p:sp>
@@ -2667,8 +2650,8 @@
         </p:nvSpPr>
         <p:spPr>
           <a:xfrm>
-            <a:off x="374050" y="1588427"/>
-            <a:ext cx="10224600" cy="4378800"/>
+            <a:off x="374050" y="2647379"/>
+            <a:ext cx="10224600" cy="7298000"/>
           </a:xfrm>
           <a:prstGeom prst="rect">
             <a:avLst/>
@@ -2827,8 +2810,8 @@
         </p:nvSpPr>
         <p:spPr>
           <a:xfrm>
-            <a:off x="374040" y="6046133"/>
-            <a:ext cx="10224600" cy="1690800"/>
+            <a:off x="374040" y="10076889"/>
+            <a:ext cx="10224600" cy="2818000"/>
           </a:xfrm>
           <a:prstGeom prst="rect">
             <a:avLst/>
@@ -2987,8 +2970,8 @@
         </p:nvSpPr>
         <p:spPr>
           <a:xfrm>
-            <a:off x="10166949" y="9948196"/>
-            <a:ext cx="658200" cy="839700"/>
+            <a:off x="10166949" y="16580327"/>
+            <a:ext cx="658200" cy="1399500"/>
           </a:xfrm>
           <a:prstGeom prst="rect">
             <a:avLst/>
@@ -3239,20 +3222,12 @@
             </a:lvl9pPr>
           </a:lstStyle>
           <a:p>
-            <a:pPr marL="0" lvl="0" indent="0" algn="r" rtl="0">
-              <a:spcBef>
-                <a:spcPts val="0"/>
-              </a:spcBef>
-              <a:spcAft>
-                <a:spcPts val="0"/>
-              </a:spcAft>
-              <a:buNone/>
-            </a:pPr>
             <a:fld id="{00000000-1234-1234-1234-123412341234}" type="slidenum">
-              <a:rPr lang="en"/>
+              <a:rPr lang="en" smtClean="0"/>
+              <a:pPr/>
               <a:t>‹#›</a:t>
             </a:fld>
-            <a:endParaRPr/>
+            <a:endParaRPr lang="en"/>
           </a:p>
         </p:txBody>
       </p:sp>
@@ -3293,8 +3268,8 @@
         </p:nvSpPr>
         <p:spPr>
           <a:xfrm>
-            <a:off x="374040" y="4588480"/>
-            <a:ext cx="10224600" cy="1795800"/>
+            <a:off x="374040" y="7647467"/>
+            <a:ext cx="10224600" cy="2993000"/>
           </a:xfrm>
           <a:prstGeom prst="rect">
             <a:avLst/>
@@ -3453,8 +3428,8 @@
         </p:nvSpPr>
         <p:spPr>
           <a:xfrm>
-            <a:off x="10166949" y="9948196"/>
-            <a:ext cx="658200" cy="839700"/>
+            <a:off x="10166949" y="16580327"/>
+            <a:ext cx="658200" cy="1399500"/>
           </a:xfrm>
           <a:prstGeom prst="rect">
             <a:avLst/>
@@ -3705,20 +3680,12 @@
             </a:lvl9pPr>
           </a:lstStyle>
           <a:p>
-            <a:pPr marL="0" lvl="0" indent="0" algn="r" rtl="0">
-              <a:spcBef>
-                <a:spcPts val="0"/>
-              </a:spcBef>
-              <a:spcAft>
-                <a:spcPts val="0"/>
-              </a:spcAft>
-              <a:buNone/>
-            </a:pPr>
             <a:fld id="{00000000-1234-1234-1234-123412341234}" type="slidenum">
-              <a:rPr lang="en"/>
+              <a:rPr lang="en" smtClean="0"/>
+              <a:pPr/>
               <a:t>‹#›</a:t>
             </a:fld>
-            <a:endParaRPr/>
+            <a:endParaRPr lang="en"/>
           </a:p>
         </p:txBody>
       </p:sp>
@@ -3759,8 +3726,8 @@
         </p:nvSpPr>
         <p:spPr>
           <a:xfrm>
-            <a:off x="374040" y="949387"/>
-            <a:ext cx="10224600" cy="1221900"/>
+            <a:off x="374040" y="1582312"/>
+            <a:ext cx="10224600" cy="2036500"/>
           </a:xfrm>
           <a:prstGeom prst="rect">
             <a:avLst/>
@@ -3919,8 +3886,8 @@
         </p:nvSpPr>
         <p:spPr>
           <a:xfrm>
-            <a:off x="374040" y="2458613"/>
-            <a:ext cx="10224600" cy="7288200"/>
+            <a:off x="374040" y="4097689"/>
+            <a:ext cx="10224600" cy="12147000"/>
           </a:xfrm>
           <a:prstGeom prst="rect">
             <a:avLst/>
@@ -4079,8 +4046,8 @@
         </p:nvSpPr>
         <p:spPr>
           <a:xfrm>
-            <a:off x="10166949" y="9948196"/>
-            <a:ext cx="658200" cy="839700"/>
+            <a:off x="10166949" y="16580327"/>
+            <a:ext cx="658200" cy="1399500"/>
           </a:xfrm>
           <a:prstGeom prst="rect">
             <a:avLst/>
@@ -4331,20 +4298,12 @@
             </a:lvl9pPr>
           </a:lstStyle>
           <a:p>
-            <a:pPr marL="0" lvl="0" indent="0" algn="r" rtl="0">
-              <a:spcBef>
-                <a:spcPts val="0"/>
-              </a:spcBef>
-              <a:spcAft>
-                <a:spcPts val="0"/>
-              </a:spcAft>
-              <a:buNone/>
-            </a:pPr>
             <a:fld id="{00000000-1234-1234-1234-123412341234}" type="slidenum">
-              <a:rPr lang="en"/>
+              <a:rPr lang="en" smtClean="0"/>
+              <a:pPr/>
               <a:t>‹#›</a:t>
             </a:fld>
-            <a:endParaRPr/>
+            <a:endParaRPr lang="en"/>
           </a:p>
         </p:txBody>
       </p:sp>
@@ -4385,8 +4344,8 @@
         </p:nvSpPr>
         <p:spPr>
           <a:xfrm>
-            <a:off x="374040" y="949387"/>
-            <a:ext cx="10224600" cy="1221900"/>
+            <a:off x="374040" y="1582312"/>
+            <a:ext cx="10224600" cy="2036500"/>
           </a:xfrm>
           <a:prstGeom prst="rect">
             <a:avLst/>
@@ -4545,8 +4504,8 @@
         </p:nvSpPr>
         <p:spPr>
           <a:xfrm>
-            <a:off x="374040" y="2458613"/>
-            <a:ext cx="4799700" cy="7288200"/>
+            <a:off x="374040" y="4097689"/>
+            <a:ext cx="4799700" cy="12147000"/>
           </a:xfrm>
           <a:prstGeom prst="rect">
             <a:avLst/>
@@ -4705,8 +4664,8 @@
         </p:nvSpPr>
         <p:spPr>
           <a:xfrm>
-            <a:off x="5798880" y="2458613"/>
-            <a:ext cx="4799700" cy="7288200"/>
+            <a:off x="5798880" y="4097689"/>
+            <a:ext cx="4799700" cy="12147000"/>
           </a:xfrm>
           <a:prstGeom prst="rect">
             <a:avLst/>
@@ -4865,8 +4824,8 @@
         </p:nvSpPr>
         <p:spPr>
           <a:xfrm>
-            <a:off x="10166949" y="9948196"/>
-            <a:ext cx="658200" cy="839700"/>
+            <a:off x="10166949" y="16580327"/>
+            <a:ext cx="658200" cy="1399500"/>
           </a:xfrm>
           <a:prstGeom prst="rect">
             <a:avLst/>
@@ -5117,20 +5076,12 @@
             </a:lvl9pPr>
           </a:lstStyle>
           <a:p>
-            <a:pPr marL="0" lvl="0" indent="0" algn="r" rtl="0">
-              <a:spcBef>
-                <a:spcPts val="0"/>
-              </a:spcBef>
-              <a:spcAft>
-                <a:spcPts val="0"/>
-              </a:spcAft>
-              <a:buNone/>
-            </a:pPr>
             <a:fld id="{00000000-1234-1234-1234-123412341234}" type="slidenum">
-              <a:rPr lang="en"/>
+              <a:rPr lang="en" smtClean="0"/>
+              <a:pPr/>
               <a:t>‹#›</a:t>
             </a:fld>
-            <a:endParaRPr/>
+            <a:endParaRPr lang="en"/>
           </a:p>
         </p:txBody>
       </p:sp>
@@ -5171,8 +5122,8 @@
         </p:nvSpPr>
         <p:spPr>
           <a:xfrm>
-            <a:off x="374040" y="949387"/>
-            <a:ext cx="10224600" cy="1221900"/>
+            <a:off x="374040" y="1582312"/>
+            <a:ext cx="10224600" cy="2036500"/>
           </a:xfrm>
           <a:prstGeom prst="rect">
             <a:avLst/>
@@ -5331,8 +5282,8 @@
         </p:nvSpPr>
         <p:spPr>
           <a:xfrm>
-            <a:off x="10166949" y="9948196"/>
-            <a:ext cx="658200" cy="839700"/>
+            <a:off x="10166949" y="16580327"/>
+            <a:ext cx="658200" cy="1399500"/>
           </a:xfrm>
           <a:prstGeom prst="rect">
             <a:avLst/>
@@ -5583,20 +5534,12 @@
             </a:lvl9pPr>
           </a:lstStyle>
           <a:p>
-            <a:pPr marL="0" lvl="0" indent="0" algn="r" rtl="0">
-              <a:spcBef>
-                <a:spcPts val="0"/>
-              </a:spcBef>
-              <a:spcAft>
-                <a:spcPts val="0"/>
-              </a:spcAft>
-              <a:buNone/>
-            </a:pPr>
             <a:fld id="{00000000-1234-1234-1234-123412341234}" type="slidenum">
-              <a:rPr lang="en"/>
+              <a:rPr lang="en" smtClean="0"/>
+              <a:pPr/>
               <a:t>‹#›</a:t>
             </a:fld>
-            <a:endParaRPr/>
+            <a:endParaRPr lang="en"/>
           </a:p>
         </p:txBody>
       </p:sp>
@@ -5637,8 +5580,8 @@
         </p:nvSpPr>
         <p:spPr>
           <a:xfrm>
-            <a:off x="374040" y="1185280"/>
-            <a:ext cx="3369600" cy="1612200"/>
+            <a:off x="374040" y="1975467"/>
+            <a:ext cx="3369600" cy="2687000"/>
           </a:xfrm>
           <a:prstGeom prst="rect">
             <a:avLst/>
@@ -5797,8 +5740,8 @@
         </p:nvSpPr>
         <p:spPr>
           <a:xfrm>
-            <a:off x="374040" y="2964480"/>
-            <a:ext cx="3369600" cy="6782700"/>
+            <a:off x="374040" y="4940800"/>
+            <a:ext cx="3369600" cy="11304500"/>
           </a:xfrm>
           <a:prstGeom prst="rect">
             <a:avLst/>
@@ -5957,8 +5900,8 @@
         </p:nvSpPr>
         <p:spPr>
           <a:xfrm>
-            <a:off x="10166949" y="9948196"/>
-            <a:ext cx="658200" cy="839700"/>
+            <a:off x="10166949" y="16580327"/>
+            <a:ext cx="658200" cy="1399500"/>
           </a:xfrm>
           <a:prstGeom prst="rect">
             <a:avLst/>
@@ -6209,20 +6152,12 @@
             </a:lvl9pPr>
           </a:lstStyle>
           <a:p>
-            <a:pPr marL="0" lvl="0" indent="0" algn="r" rtl="0">
-              <a:spcBef>
-                <a:spcPts val="0"/>
-              </a:spcBef>
-              <a:spcAft>
-                <a:spcPts val="0"/>
-              </a:spcAft>
-              <a:buNone/>
-            </a:pPr>
             <a:fld id="{00000000-1234-1234-1234-123412341234}" type="slidenum">
-              <a:rPr lang="en"/>
+              <a:rPr lang="en" smtClean="0"/>
+              <a:pPr/>
               <a:t>‹#›</a:t>
             </a:fld>
-            <a:endParaRPr/>
+            <a:endParaRPr lang="en"/>
           </a:p>
         </p:txBody>
       </p:sp>
@@ -6263,8 +6198,8 @@
         </p:nvSpPr>
         <p:spPr>
           <a:xfrm>
-            <a:off x="588300" y="960320"/>
-            <a:ext cx="7641300" cy="8727000"/>
+            <a:off x="588300" y="1600533"/>
+            <a:ext cx="7641300" cy="14545000"/>
           </a:xfrm>
           <a:prstGeom prst="rect">
             <a:avLst/>
@@ -6423,8 +6358,8 @@
         </p:nvSpPr>
         <p:spPr>
           <a:xfrm>
-            <a:off x="10166949" y="9948196"/>
-            <a:ext cx="658200" cy="839700"/>
+            <a:off x="10166949" y="16580327"/>
+            <a:ext cx="658200" cy="1399500"/>
           </a:xfrm>
           <a:prstGeom prst="rect">
             <a:avLst/>
@@ -6675,20 +6610,12 @@
             </a:lvl9pPr>
           </a:lstStyle>
           <a:p>
-            <a:pPr marL="0" lvl="0" indent="0" algn="r" rtl="0">
-              <a:spcBef>
-                <a:spcPts val="0"/>
-              </a:spcBef>
-              <a:spcAft>
-                <a:spcPts val="0"/>
-              </a:spcAft>
-              <a:buNone/>
-            </a:pPr>
             <a:fld id="{00000000-1234-1234-1234-123412341234}" type="slidenum">
-              <a:rPr lang="en"/>
+              <a:rPr lang="en" smtClean="0"/>
+              <a:pPr/>
               <a:t>‹#›</a:t>
             </a:fld>
-            <a:endParaRPr/>
+            <a:endParaRPr lang="en"/>
           </a:p>
         </p:txBody>
       </p:sp>
@@ -6725,8 +6652,8 @@
         </p:nvSpPr>
         <p:spPr>
           <a:xfrm>
-            <a:off x="5486400" y="-267"/>
-            <a:ext cx="5486400" cy="10972800"/>
+            <a:off x="5486400" y="-446"/>
+            <a:ext cx="5486400" cy="18288000"/>
           </a:xfrm>
           <a:prstGeom prst="rect">
             <a:avLst/>
@@ -6785,8 +6712,8 @@
         </p:nvSpPr>
         <p:spPr>
           <a:xfrm>
-            <a:off x="318600" y="2630773"/>
-            <a:ext cx="4854300" cy="3162300"/>
+            <a:off x="318600" y="4384622"/>
+            <a:ext cx="4854300" cy="5270500"/>
           </a:xfrm>
           <a:prstGeom prst="rect">
             <a:avLst/>
@@ -6945,8 +6872,8 @@
         </p:nvSpPr>
         <p:spPr>
           <a:xfrm>
-            <a:off x="318600" y="5979893"/>
-            <a:ext cx="4854300" cy="2634900"/>
+            <a:off x="318600" y="9966489"/>
+            <a:ext cx="4854300" cy="4391500"/>
           </a:xfrm>
           <a:prstGeom prst="rect">
             <a:avLst/>
@@ -7105,8 +7032,8 @@
         </p:nvSpPr>
         <p:spPr>
           <a:xfrm>
-            <a:off x="5927400" y="1544693"/>
-            <a:ext cx="4604400" cy="7882800"/>
+            <a:off x="5927400" y="2574489"/>
+            <a:ext cx="4604400" cy="13138000"/>
           </a:xfrm>
           <a:prstGeom prst="rect">
             <a:avLst/>
@@ -7265,8 +7192,8 @@
         </p:nvSpPr>
         <p:spPr>
           <a:xfrm>
-            <a:off x="10166949" y="9948196"/>
-            <a:ext cx="658200" cy="839700"/>
+            <a:off x="10166949" y="16580327"/>
+            <a:ext cx="658200" cy="1399500"/>
           </a:xfrm>
           <a:prstGeom prst="rect">
             <a:avLst/>
@@ -7517,20 +7444,12 @@
             </a:lvl9pPr>
           </a:lstStyle>
           <a:p>
-            <a:pPr marL="0" lvl="0" indent="0" algn="r" rtl="0">
-              <a:spcBef>
-                <a:spcPts val="0"/>
-              </a:spcBef>
-              <a:spcAft>
-                <a:spcPts val="0"/>
-              </a:spcAft>
-              <a:buNone/>
-            </a:pPr>
             <a:fld id="{00000000-1234-1234-1234-123412341234}" type="slidenum">
-              <a:rPr lang="en"/>
+              <a:rPr lang="en" smtClean="0"/>
+              <a:pPr/>
               <a:t>‹#›</a:t>
             </a:fld>
-            <a:endParaRPr/>
+            <a:endParaRPr lang="en"/>
           </a:p>
         </p:txBody>
       </p:sp>
@@ -7571,8 +7490,8 @@
         </p:nvSpPr>
         <p:spPr>
           <a:xfrm>
-            <a:off x="374040" y="9025227"/>
-            <a:ext cx="7198500" cy="1290900"/>
+            <a:off x="374040" y="15042046"/>
+            <a:ext cx="7198500" cy="2151500"/>
           </a:xfrm>
           <a:prstGeom prst="rect">
             <a:avLst/>
@@ -7619,8 +7538,8 @@
         </p:nvSpPr>
         <p:spPr>
           <a:xfrm>
-            <a:off x="10166949" y="9948196"/>
-            <a:ext cx="658200" cy="839700"/>
+            <a:off x="10166949" y="16580327"/>
+            <a:ext cx="658200" cy="1399500"/>
           </a:xfrm>
           <a:prstGeom prst="rect">
             <a:avLst/>
@@ -7871,20 +7790,12 @@
             </a:lvl9pPr>
           </a:lstStyle>
           <a:p>
-            <a:pPr marL="0" lvl="0" indent="0" algn="r" rtl="0">
-              <a:spcBef>
-                <a:spcPts val="0"/>
-              </a:spcBef>
-              <a:spcAft>
-                <a:spcPts val="0"/>
-              </a:spcAft>
-              <a:buNone/>
-            </a:pPr>
             <a:fld id="{00000000-1234-1234-1234-123412341234}" type="slidenum">
-              <a:rPr lang="en"/>
+              <a:rPr lang="en" smtClean="0"/>
+              <a:pPr/>
               <a:t>‹#›</a:t>
             </a:fld>
-            <a:endParaRPr/>
+            <a:endParaRPr lang="en"/>
           </a:p>
         </p:txBody>
       </p:sp>
@@ -7925,8 +7836,8 @@
         </p:nvSpPr>
         <p:spPr>
           <a:xfrm>
-            <a:off x="754384" y="584210"/>
-            <a:ext cx="9464100" cy="2121000"/>
+            <a:off x="754384" y="973683"/>
+            <a:ext cx="9464100" cy="3535000"/>
           </a:xfrm>
           <a:prstGeom prst="rect">
             <a:avLst/>
@@ -8088,8 +7999,8 @@
         </p:nvSpPr>
         <p:spPr>
           <a:xfrm>
-            <a:off x="754384" y="2921001"/>
-            <a:ext cx="9464100" cy="6961800"/>
+            <a:off x="754384" y="4868336"/>
+            <a:ext cx="9464100" cy="11603000"/>
           </a:xfrm>
           <a:prstGeom prst="rect">
             <a:avLst/>
@@ -8275,8 +8186,8 @@
         </p:nvSpPr>
         <p:spPr>
           <a:xfrm>
-            <a:off x="754381" y="10170162"/>
-            <a:ext cx="2469000" cy="584400"/>
+            <a:off x="754381" y="16950270"/>
+            <a:ext cx="2469000" cy="974000"/>
           </a:xfrm>
           <a:prstGeom prst="rect">
             <a:avLst/>
@@ -8435,8 +8346,8 @@
         </p:nvSpPr>
         <p:spPr>
           <a:xfrm>
-            <a:off x="3634743" y="10170162"/>
-            <a:ext cx="3703500" cy="584400"/>
+            <a:off x="3634743" y="16950270"/>
+            <a:ext cx="3703500" cy="974000"/>
           </a:xfrm>
           <a:prstGeom prst="rect">
             <a:avLst/>
@@ -8595,8 +8506,8 @@
         </p:nvSpPr>
         <p:spPr>
           <a:xfrm>
-            <a:off x="7749540" y="10170162"/>
-            <a:ext cx="2469000" cy="584400"/>
+            <a:off x="7749540" y="16950270"/>
+            <a:ext cx="2469000" cy="974000"/>
           </a:xfrm>
           <a:prstGeom prst="rect">
             <a:avLst/>
@@ -8847,20 +8758,12 @@
             </a:lvl9pPr>
           </a:lstStyle>
           <a:p>
-            <a:pPr marL="0" lvl="0" indent="0" algn="r" rtl="0">
-              <a:spcBef>
-                <a:spcPts val="0"/>
-              </a:spcBef>
-              <a:spcAft>
-                <a:spcPts val="0"/>
-              </a:spcAft>
-              <a:buNone/>
-            </a:pPr>
             <a:fld id="{00000000-1234-1234-1234-123412341234}" type="slidenum">
-              <a:rPr lang="en"/>
+              <a:rPr lang="en" smtClean="0"/>
+              <a:pPr/>
               <a:t>‹#›</a:t>
             </a:fld>
-            <a:endParaRPr/>
+            <a:endParaRPr lang="en"/>
           </a:p>
         </p:txBody>
       </p:sp>
@@ -8901,8 +8804,8 @@
         </p:nvSpPr>
         <p:spPr>
           <a:xfrm>
-            <a:off x="374040" y="2359733"/>
-            <a:ext cx="10224600" cy="4188900"/>
+            <a:off x="374040" y="3932889"/>
+            <a:ext cx="10224600" cy="6981500"/>
           </a:xfrm>
           <a:prstGeom prst="rect">
             <a:avLst/>
@@ -9063,8 +8966,8 @@
         </p:nvSpPr>
         <p:spPr>
           <a:xfrm>
-            <a:off x="374040" y="6724747"/>
-            <a:ext cx="10224600" cy="2775000"/>
+            <a:off x="374040" y="11207912"/>
+            <a:ext cx="10224600" cy="4625000"/>
           </a:xfrm>
           <a:prstGeom prst="rect">
             <a:avLst/>
@@ -9223,8 +9126,8 @@
         </p:nvSpPr>
         <p:spPr>
           <a:xfrm>
-            <a:off x="10166949" y="9948196"/>
-            <a:ext cx="658200" cy="839700"/>
+            <a:off x="10166949" y="16580327"/>
+            <a:ext cx="658200" cy="1399500"/>
           </a:xfrm>
           <a:prstGeom prst="rect">
             <a:avLst/>
@@ -9475,20 +9378,12 @@
             </a:lvl9pPr>
           </a:lstStyle>
           <a:p>
-            <a:pPr marL="0" lvl="0" indent="0" algn="r" rtl="0">
-              <a:spcBef>
-                <a:spcPts val="0"/>
-              </a:spcBef>
-              <a:spcAft>
-                <a:spcPts val="0"/>
-              </a:spcAft>
-              <a:buNone/>
-            </a:pPr>
             <a:fld id="{00000000-1234-1234-1234-123412341234}" type="slidenum">
-              <a:rPr lang="en"/>
+              <a:rPr lang="en" smtClean="0"/>
+              <a:pPr/>
               <a:t>‹#›</a:t>
             </a:fld>
-            <a:endParaRPr/>
+            <a:endParaRPr lang="en"/>
           </a:p>
         </p:txBody>
       </p:sp>
@@ -9529,8 +9424,8 @@
         </p:nvSpPr>
         <p:spPr>
           <a:xfrm>
-            <a:off x="10166949" y="9948196"/>
-            <a:ext cx="658200" cy="839700"/>
+            <a:off x="10166949" y="16580327"/>
+            <a:ext cx="658200" cy="1399500"/>
           </a:xfrm>
           <a:prstGeom prst="rect">
             <a:avLst/>
@@ -9781,20 +9676,12 @@
             </a:lvl9pPr>
           </a:lstStyle>
           <a:p>
-            <a:pPr marL="0" lvl="0" indent="0" algn="r" rtl="0">
-              <a:spcBef>
-                <a:spcPts val="0"/>
-              </a:spcBef>
-              <a:spcAft>
-                <a:spcPts val="0"/>
-              </a:spcAft>
-              <a:buNone/>
-            </a:pPr>
             <a:fld id="{00000000-1234-1234-1234-123412341234}" type="slidenum">
-              <a:rPr lang="en"/>
+              <a:rPr lang="en" smtClean="0"/>
+              <a:pPr/>
               <a:t>‹#›</a:t>
             </a:fld>
-            <a:endParaRPr/>
+            <a:endParaRPr lang="en"/>
           </a:p>
         </p:txBody>
       </p:sp>
@@ -9835,8 +9722,8 @@
         </p:nvSpPr>
         <p:spPr>
           <a:xfrm>
-            <a:off x="822960" y="1795781"/>
-            <a:ext cx="9327000" cy="3820200"/>
+            <a:off x="822960" y="2992969"/>
+            <a:ext cx="9327000" cy="6367000"/>
           </a:xfrm>
           <a:prstGeom prst="rect">
             <a:avLst/>
@@ -9999,8 +9886,8 @@
         </p:nvSpPr>
         <p:spPr>
           <a:xfrm>
-            <a:off x="1371600" y="5763262"/>
-            <a:ext cx="8229600" cy="2649600"/>
+            <a:off x="1371600" y="9605437"/>
+            <a:ext cx="8229600" cy="4416000"/>
           </a:xfrm>
           <a:prstGeom prst="rect">
             <a:avLst/>
@@ -10186,8 +10073,8 @@
         </p:nvSpPr>
         <p:spPr>
           <a:xfrm>
-            <a:off x="754381" y="10170162"/>
-            <a:ext cx="2469000" cy="584400"/>
+            <a:off x="754381" y="16950270"/>
+            <a:ext cx="2469000" cy="974000"/>
           </a:xfrm>
           <a:prstGeom prst="rect">
             <a:avLst/>
@@ -10346,8 +10233,8 @@
         </p:nvSpPr>
         <p:spPr>
           <a:xfrm>
-            <a:off x="3634743" y="10170162"/>
-            <a:ext cx="3703500" cy="584400"/>
+            <a:off x="3634743" y="16950270"/>
+            <a:ext cx="3703500" cy="974000"/>
           </a:xfrm>
           <a:prstGeom prst="rect">
             <a:avLst/>
@@ -10506,8 +10393,8 @@
         </p:nvSpPr>
         <p:spPr>
           <a:xfrm>
-            <a:off x="7749540" y="10170162"/>
-            <a:ext cx="2469000" cy="584400"/>
+            <a:off x="7749540" y="16950270"/>
+            <a:ext cx="2469000" cy="974000"/>
           </a:xfrm>
           <a:prstGeom prst="rect">
             <a:avLst/>
@@ -10758,20 +10645,12 @@
             </a:lvl9pPr>
           </a:lstStyle>
           <a:p>
-            <a:pPr marL="0" lvl="0" indent="0" algn="r" rtl="0">
-              <a:spcBef>
-                <a:spcPts val="0"/>
-              </a:spcBef>
-              <a:spcAft>
-                <a:spcPts val="0"/>
-              </a:spcAft>
-              <a:buNone/>
-            </a:pPr>
             <a:fld id="{00000000-1234-1234-1234-123412341234}" type="slidenum">
-              <a:rPr lang="en"/>
+              <a:rPr lang="en" smtClean="0"/>
+              <a:pPr/>
               <a:t>‹#›</a:t>
             </a:fld>
-            <a:endParaRPr/>
+            <a:endParaRPr lang="en"/>
           </a:p>
         </p:txBody>
       </p:sp>
@@ -10812,8 +10691,8 @@
         </p:nvSpPr>
         <p:spPr>
           <a:xfrm>
-            <a:off x="748669" y="2735591"/>
-            <a:ext cx="9464100" cy="4564500"/>
+            <a:off x="748669" y="4559319"/>
+            <a:ext cx="9464100" cy="7607500"/>
           </a:xfrm>
           <a:prstGeom prst="rect">
             <a:avLst/>
@@ -10976,8 +10855,8 @@
         </p:nvSpPr>
         <p:spPr>
           <a:xfrm>
-            <a:off x="748669" y="7343151"/>
-            <a:ext cx="9464100" cy="2400000"/>
+            <a:off x="748669" y="12238586"/>
+            <a:ext cx="9464100" cy="4000000"/>
           </a:xfrm>
           <a:prstGeom prst="rect">
             <a:avLst/>
@@ -11199,8 +11078,8 @@
         </p:nvSpPr>
         <p:spPr>
           <a:xfrm>
-            <a:off x="754381" y="10170162"/>
-            <a:ext cx="2469000" cy="584400"/>
+            <a:off x="754381" y="16950270"/>
+            <a:ext cx="2469000" cy="974000"/>
           </a:xfrm>
           <a:prstGeom prst="rect">
             <a:avLst/>
@@ -11359,8 +11238,8 @@
         </p:nvSpPr>
         <p:spPr>
           <a:xfrm>
-            <a:off x="3634743" y="10170162"/>
-            <a:ext cx="3703500" cy="584400"/>
+            <a:off x="3634743" y="16950270"/>
+            <a:ext cx="3703500" cy="974000"/>
           </a:xfrm>
           <a:prstGeom prst="rect">
             <a:avLst/>
@@ -11519,8 +11398,8 @@
         </p:nvSpPr>
         <p:spPr>
           <a:xfrm>
-            <a:off x="7749540" y="10170162"/>
-            <a:ext cx="2469000" cy="584400"/>
+            <a:off x="7749540" y="16950270"/>
+            <a:ext cx="2469000" cy="974000"/>
           </a:xfrm>
           <a:prstGeom prst="rect">
             <a:avLst/>
@@ -11771,20 +11650,12 @@
             </a:lvl9pPr>
           </a:lstStyle>
           <a:p>
-            <a:pPr marL="0" lvl="0" indent="0" algn="r" rtl="0">
-              <a:spcBef>
-                <a:spcPts val="0"/>
-              </a:spcBef>
-              <a:spcAft>
-                <a:spcPts val="0"/>
-              </a:spcAft>
-              <a:buNone/>
-            </a:pPr>
             <a:fld id="{00000000-1234-1234-1234-123412341234}" type="slidenum">
-              <a:rPr lang="en"/>
+              <a:rPr lang="en" smtClean="0"/>
+              <a:pPr/>
               <a:t>‹#›</a:t>
             </a:fld>
-            <a:endParaRPr/>
+            <a:endParaRPr lang="en"/>
           </a:p>
         </p:txBody>
       </p:sp>
@@ -11825,8 +11696,8 @@
         </p:nvSpPr>
         <p:spPr>
           <a:xfrm>
-            <a:off x="754384" y="584210"/>
-            <a:ext cx="9464100" cy="2121000"/>
+            <a:off x="754384" y="973683"/>
+            <a:ext cx="9464100" cy="3535000"/>
           </a:xfrm>
           <a:prstGeom prst="rect">
             <a:avLst/>
@@ -11988,8 +11859,8 @@
         </p:nvSpPr>
         <p:spPr>
           <a:xfrm>
-            <a:off x="754381" y="2921001"/>
-            <a:ext cx="4663500" cy="6961800"/>
+            <a:off x="754381" y="4868336"/>
+            <a:ext cx="4663500" cy="11603000"/>
           </a:xfrm>
           <a:prstGeom prst="rect">
             <a:avLst/>
@@ -12175,8 +12046,8 @@
         </p:nvSpPr>
         <p:spPr>
           <a:xfrm>
-            <a:off x="5554981" y="2921001"/>
-            <a:ext cx="4663500" cy="6961800"/>
+            <a:off x="5554981" y="4868336"/>
+            <a:ext cx="4663500" cy="11603000"/>
           </a:xfrm>
           <a:prstGeom prst="rect">
             <a:avLst/>
@@ -12362,8 +12233,8 @@
         </p:nvSpPr>
         <p:spPr>
           <a:xfrm>
-            <a:off x="754381" y="10170162"/>
-            <a:ext cx="2469000" cy="584400"/>
+            <a:off x="754381" y="16950270"/>
+            <a:ext cx="2469000" cy="974000"/>
           </a:xfrm>
           <a:prstGeom prst="rect">
             <a:avLst/>
@@ -12522,8 +12393,8 @@
         </p:nvSpPr>
         <p:spPr>
           <a:xfrm>
-            <a:off x="3634743" y="10170162"/>
-            <a:ext cx="3703500" cy="584400"/>
+            <a:off x="3634743" y="16950270"/>
+            <a:ext cx="3703500" cy="974000"/>
           </a:xfrm>
           <a:prstGeom prst="rect">
             <a:avLst/>
@@ -12682,8 +12553,8 @@
         </p:nvSpPr>
         <p:spPr>
           <a:xfrm>
-            <a:off x="7749540" y="10170162"/>
-            <a:ext cx="2469000" cy="584400"/>
+            <a:off x="7749540" y="16950270"/>
+            <a:ext cx="2469000" cy="974000"/>
           </a:xfrm>
           <a:prstGeom prst="rect">
             <a:avLst/>
@@ -12934,20 +12805,12 @@
             </a:lvl9pPr>
           </a:lstStyle>
           <a:p>
-            <a:pPr marL="0" lvl="0" indent="0" algn="r" rtl="0">
-              <a:spcBef>
-                <a:spcPts val="0"/>
-              </a:spcBef>
-              <a:spcAft>
-                <a:spcPts val="0"/>
-              </a:spcAft>
-              <a:buNone/>
-            </a:pPr>
             <a:fld id="{00000000-1234-1234-1234-123412341234}" type="slidenum">
-              <a:rPr lang="en"/>
+              <a:rPr lang="en" smtClean="0"/>
+              <a:pPr/>
               <a:t>‹#›</a:t>
             </a:fld>
-            <a:endParaRPr/>
+            <a:endParaRPr lang="en"/>
           </a:p>
         </p:txBody>
       </p:sp>
@@ -12988,8 +12851,8 @@
         </p:nvSpPr>
         <p:spPr>
           <a:xfrm>
-            <a:off x="755811" y="584210"/>
-            <a:ext cx="9464100" cy="2121000"/>
+            <a:off x="755811" y="973683"/>
+            <a:ext cx="9464100" cy="3535000"/>
           </a:xfrm>
           <a:prstGeom prst="rect">
             <a:avLst/>
@@ -13151,8 +13014,8 @@
         </p:nvSpPr>
         <p:spPr>
           <a:xfrm>
-            <a:off x="755816" y="2689863"/>
-            <a:ext cx="4641900" cy="1318500"/>
+            <a:off x="755816" y="4483106"/>
+            <a:ext cx="4641900" cy="2197500"/>
           </a:xfrm>
           <a:prstGeom prst="rect">
             <a:avLst/>
@@ -13338,8 +13201,8 @@
         </p:nvSpPr>
         <p:spPr>
           <a:xfrm>
-            <a:off x="755816" y="4008128"/>
-            <a:ext cx="4641900" cy="5895000"/>
+            <a:off x="755816" y="6680213"/>
+            <a:ext cx="4641900" cy="9825000"/>
           </a:xfrm>
           <a:prstGeom prst="rect">
             <a:avLst/>
@@ -13525,8 +13388,8 @@
         </p:nvSpPr>
         <p:spPr>
           <a:xfrm>
-            <a:off x="5554981" y="2689863"/>
-            <a:ext cx="4665000" cy="1318500"/>
+            <a:off x="5554981" y="4483106"/>
+            <a:ext cx="4665000" cy="2197500"/>
           </a:xfrm>
           <a:prstGeom prst="rect">
             <a:avLst/>
@@ -13712,8 +13575,8 @@
         </p:nvSpPr>
         <p:spPr>
           <a:xfrm>
-            <a:off x="5554981" y="4008128"/>
-            <a:ext cx="4665000" cy="5895000"/>
+            <a:off x="5554981" y="6680213"/>
+            <a:ext cx="4665000" cy="9825000"/>
           </a:xfrm>
           <a:prstGeom prst="rect">
             <a:avLst/>
@@ -13899,8 +13762,8 @@
         </p:nvSpPr>
         <p:spPr>
           <a:xfrm>
-            <a:off x="754381" y="10170162"/>
-            <a:ext cx="2469000" cy="584400"/>
+            <a:off x="754381" y="16950270"/>
+            <a:ext cx="2469000" cy="974000"/>
           </a:xfrm>
           <a:prstGeom prst="rect">
             <a:avLst/>
@@ -14059,8 +13922,8 @@
         </p:nvSpPr>
         <p:spPr>
           <a:xfrm>
-            <a:off x="3634743" y="10170162"/>
-            <a:ext cx="3703500" cy="584400"/>
+            <a:off x="3634743" y="16950270"/>
+            <a:ext cx="3703500" cy="974000"/>
           </a:xfrm>
           <a:prstGeom prst="rect">
             <a:avLst/>
@@ -14219,8 +14082,8 @@
         </p:nvSpPr>
         <p:spPr>
           <a:xfrm>
-            <a:off x="7749540" y="10170162"/>
-            <a:ext cx="2469000" cy="584400"/>
+            <a:off x="7749540" y="16950270"/>
+            <a:ext cx="2469000" cy="974000"/>
           </a:xfrm>
           <a:prstGeom prst="rect">
             <a:avLst/>
@@ -14471,20 +14334,12 @@
             </a:lvl9pPr>
           </a:lstStyle>
           <a:p>
-            <a:pPr marL="0" lvl="0" indent="0" algn="r" rtl="0">
-              <a:spcBef>
-                <a:spcPts val="0"/>
-              </a:spcBef>
-              <a:spcAft>
-                <a:spcPts val="0"/>
-              </a:spcAft>
-              <a:buNone/>
-            </a:pPr>
             <a:fld id="{00000000-1234-1234-1234-123412341234}" type="slidenum">
-              <a:rPr lang="en"/>
+              <a:rPr lang="en" smtClean="0"/>
+              <a:pPr/>
               <a:t>‹#›</a:t>
             </a:fld>
-            <a:endParaRPr/>
+            <a:endParaRPr lang="en"/>
           </a:p>
         </p:txBody>
       </p:sp>
@@ -14525,8 +14380,8 @@
         </p:nvSpPr>
         <p:spPr>
           <a:xfrm>
-            <a:off x="755814" y="731520"/>
-            <a:ext cx="3539400" cy="2559900"/>
+            <a:off x="755814" y="1219200"/>
+            <a:ext cx="3539400" cy="4266500"/>
           </a:xfrm>
           <a:prstGeom prst="rect">
             <a:avLst/>
@@ -14689,8 +14544,8 @@
         </p:nvSpPr>
         <p:spPr>
           <a:xfrm>
-            <a:off x="4664869" y="1579882"/>
-            <a:ext cx="5555400" cy="7797900"/>
+            <a:off x="4664869" y="2633137"/>
+            <a:ext cx="5555400" cy="12996500"/>
           </a:xfrm>
           <a:prstGeom prst="rect">
             <a:avLst/>
@@ -14876,8 +14731,8 @@
         </p:nvSpPr>
         <p:spPr>
           <a:xfrm>
-            <a:off x="755814" y="3291840"/>
-            <a:ext cx="3539400" cy="6098700"/>
+            <a:off x="755814" y="5486400"/>
+            <a:ext cx="3539400" cy="10164500"/>
           </a:xfrm>
           <a:prstGeom prst="rect">
             <a:avLst/>
@@ -15063,8 +14918,8 @@
         </p:nvSpPr>
         <p:spPr>
           <a:xfrm>
-            <a:off x="754381" y="10170162"/>
-            <a:ext cx="2469000" cy="584400"/>
+            <a:off x="754381" y="16950270"/>
+            <a:ext cx="2469000" cy="974000"/>
           </a:xfrm>
           <a:prstGeom prst="rect">
             <a:avLst/>
@@ -15223,8 +15078,8 @@
         </p:nvSpPr>
         <p:spPr>
           <a:xfrm>
-            <a:off x="3634743" y="10170162"/>
-            <a:ext cx="3703500" cy="584400"/>
+            <a:off x="3634743" y="16950270"/>
+            <a:ext cx="3703500" cy="974000"/>
           </a:xfrm>
           <a:prstGeom prst="rect">
             <a:avLst/>
@@ -15383,8 +15238,8 @@
         </p:nvSpPr>
         <p:spPr>
           <a:xfrm>
-            <a:off x="7749540" y="10170162"/>
-            <a:ext cx="2469000" cy="584400"/>
+            <a:off x="7749540" y="16950270"/>
+            <a:ext cx="2469000" cy="974000"/>
           </a:xfrm>
           <a:prstGeom prst="rect">
             <a:avLst/>
@@ -15635,20 +15490,12 @@
             </a:lvl9pPr>
           </a:lstStyle>
           <a:p>
-            <a:pPr marL="0" lvl="0" indent="0" algn="r" rtl="0">
-              <a:spcBef>
-                <a:spcPts val="0"/>
-              </a:spcBef>
-              <a:spcAft>
-                <a:spcPts val="0"/>
-              </a:spcAft>
-              <a:buNone/>
-            </a:pPr>
             <a:fld id="{00000000-1234-1234-1234-123412341234}" type="slidenum">
-              <a:rPr lang="en"/>
+              <a:rPr lang="en" smtClean="0"/>
+              <a:pPr/>
               <a:t>‹#›</a:t>
             </a:fld>
-            <a:endParaRPr/>
+            <a:endParaRPr lang="en"/>
           </a:p>
         </p:txBody>
       </p:sp>
@@ -15689,8 +15536,8 @@
         </p:nvSpPr>
         <p:spPr>
           <a:xfrm>
-            <a:off x="755814" y="731520"/>
-            <a:ext cx="3539400" cy="2559900"/>
+            <a:off x="755814" y="1219200"/>
+            <a:ext cx="3539400" cy="4266500"/>
           </a:xfrm>
           <a:prstGeom prst="rect">
             <a:avLst/>
@@ -15853,8 +15700,8 @@
         </p:nvSpPr>
         <p:spPr>
           <a:xfrm>
-            <a:off x="4664869" y="1579882"/>
-            <a:ext cx="5555400" cy="7797900"/>
+            <a:off x="4664869" y="2633137"/>
+            <a:ext cx="5555400" cy="12996500"/>
           </a:xfrm>
           <a:prstGeom prst="rect">
             <a:avLst/>
@@ -15877,8 +15724,8 @@
         </p:nvSpPr>
         <p:spPr>
           <a:xfrm>
-            <a:off x="755814" y="3291840"/>
-            <a:ext cx="3539400" cy="6098700"/>
+            <a:off x="755814" y="5486400"/>
+            <a:ext cx="3539400" cy="10164500"/>
           </a:xfrm>
           <a:prstGeom prst="rect">
             <a:avLst/>
@@ -16064,8 +15911,8 @@
         </p:nvSpPr>
         <p:spPr>
           <a:xfrm>
-            <a:off x="754381" y="10170162"/>
-            <a:ext cx="2469000" cy="584400"/>
+            <a:off x="754381" y="16950270"/>
+            <a:ext cx="2469000" cy="974000"/>
           </a:xfrm>
           <a:prstGeom prst="rect">
             <a:avLst/>
@@ -16224,8 +16071,8 @@
         </p:nvSpPr>
         <p:spPr>
           <a:xfrm>
-            <a:off x="3634743" y="10170162"/>
-            <a:ext cx="3703500" cy="584400"/>
+            <a:off x="3634743" y="16950270"/>
+            <a:ext cx="3703500" cy="974000"/>
           </a:xfrm>
           <a:prstGeom prst="rect">
             <a:avLst/>
@@ -16384,8 +16231,8 @@
         </p:nvSpPr>
         <p:spPr>
           <a:xfrm>
-            <a:off x="7749540" y="10170162"/>
-            <a:ext cx="2469000" cy="584400"/>
+            <a:off x="7749540" y="16950270"/>
+            <a:ext cx="2469000" cy="974000"/>
           </a:xfrm>
           <a:prstGeom prst="rect">
             <a:avLst/>
@@ -16636,20 +16483,12 @@
             </a:lvl9pPr>
           </a:lstStyle>
           <a:p>
-            <a:pPr marL="0" lvl="0" indent="0" algn="r" rtl="0">
-              <a:spcBef>
-                <a:spcPts val="0"/>
-              </a:spcBef>
-              <a:spcAft>
-                <a:spcPts val="0"/>
-              </a:spcAft>
-              <a:buNone/>
-            </a:pPr>
             <a:fld id="{00000000-1234-1234-1234-123412341234}" type="slidenum">
-              <a:rPr lang="en"/>
+              <a:rPr lang="en" smtClean="0"/>
+              <a:pPr/>
               <a:t>‹#›</a:t>
             </a:fld>
-            <a:endParaRPr/>
+            <a:endParaRPr lang="en"/>
           </a:p>
         </p:txBody>
       </p:sp>
@@ -16690,8 +16529,8 @@
         </p:nvSpPr>
         <p:spPr>
           <a:xfrm>
-            <a:off x="754384" y="584210"/>
-            <a:ext cx="9464100" cy="2121000"/>
+            <a:off x="754384" y="973683"/>
+            <a:ext cx="9464100" cy="3535000"/>
           </a:xfrm>
           <a:prstGeom prst="rect">
             <a:avLst/>
@@ -16853,8 +16692,8 @@
         </p:nvSpPr>
         <p:spPr>
           <a:xfrm rot="5400000">
-            <a:off x="2005624" y="1670001"/>
-            <a:ext cx="6961800" cy="9463800"/>
+            <a:off x="-314976" y="5937936"/>
+            <a:ext cx="11603000" cy="9463800"/>
           </a:xfrm>
           <a:prstGeom prst="rect">
             <a:avLst/>
@@ -17040,8 +16879,8 @@
         </p:nvSpPr>
         <p:spPr>
           <a:xfrm>
-            <a:off x="754381" y="10170162"/>
-            <a:ext cx="2469000" cy="584400"/>
+            <a:off x="754381" y="16950270"/>
+            <a:ext cx="2469000" cy="974000"/>
           </a:xfrm>
           <a:prstGeom prst="rect">
             <a:avLst/>
@@ -17200,8 +17039,8 @@
         </p:nvSpPr>
         <p:spPr>
           <a:xfrm>
-            <a:off x="3634743" y="10170162"/>
-            <a:ext cx="3703500" cy="584400"/>
+            <a:off x="3634743" y="16950270"/>
+            <a:ext cx="3703500" cy="974000"/>
           </a:xfrm>
           <a:prstGeom prst="rect">
             <a:avLst/>
@@ -17360,8 +17199,8 @@
         </p:nvSpPr>
         <p:spPr>
           <a:xfrm>
-            <a:off x="7749540" y="10170162"/>
-            <a:ext cx="2469000" cy="584400"/>
+            <a:off x="7749540" y="16950270"/>
+            <a:ext cx="2469000" cy="974000"/>
           </a:xfrm>
           <a:prstGeom prst="rect">
             <a:avLst/>
@@ -17612,20 +17451,12 @@
             </a:lvl9pPr>
           </a:lstStyle>
           <a:p>
-            <a:pPr marL="0" lvl="0" indent="0" algn="r" rtl="0">
-              <a:spcBef>
-                <a:spcPts val="0"/>
-              </a:spcBef>
-              <a:spcAft>
-                <a:spcPts val="0"/>
-              </a:spcAft>
-              <a:buNone/>
-            </a:pPr>
             <a:fld id="{00000000-1234-1234-1234-123412341234}" type="slidenum">
-              <a:rPr lang="en"/>
+              <a:rPr lang="en" smtClean="0"/>
+              <a:pPr/>
               <a:t>‹#›</a:t>
             </a:fld>
-            <a:endParaRPr/>
+            <a:endParaRPr lang="en"/>
           </a:p>
         </p:txBody>
       </p:sp>
@@ -17674,8 +17505,8 @@
         </p:nvSpPr>
         <p:spPr>
           <a:xfrm>
-            <a:off x="754384" y="584210"/>
-            <a:ext cx="9464100" cy="2121000"/>
+            <a:off x="754384" y="973683"/>
+            <a:ext cx="9464100" cy="3535000"/>
           </a:xfrm>
           <a:prstGeom prst="rect">
             <a:avLst/>
@@ -17942,8 +17773,8 @@
         </p:nvSpPr>
         <p:spPr>
           <a:xfrm>
-            <a:off x="754384" y="2921001"/>
-            <a:ext cx="9464100" cy="6961800"/>
+            <a:off x="754384" y="4868336"/>
+            <a:ext cx="9464100" cy="11603000"/>
           </a:xfrm>
           <a:prstGeom prst="rect">
             <a:avLst/>
@@ -18210,8 +18041,8 @@
         </p:nvSpPr>
         <p:spPr>
           <a:xfrm>
-            <a:off x="754381" y="10170162"/>
-            <a:ext cx="2469000" cy="584400"/>
+            <a:off x="754381" y="16950270"/>
+            <a:ext cx="2469000" cy="974000"/>
           </a:xfrm>
           <a:prstGeom prst="rect">
             <a:avLst/>
@@ -18478,8 +18309,8 @@
         </p:nvSpPr>
         <p:spPr>
           <a:xfrm>
-            <a:off x="3634743" y="10170162"/>
-            <a:ext cx="3703500" cy="584400"/>
+            <a:off x="3634743" y="16950270"/>
+            <a:ext cx="3703500" cy="974000"/>
           </a:xfrm>
           <a:prstGeom prst="rect">
             <a:avLst/>
@@ -18746,8 +18577,8 @@
         </p:nvSpPr>
         <p:spPr>
           <a:xfrm>
-            <a:off x="7749540" y="10170162"/>
-            <a:ext cx="2469000" cy="584400"/>
+            <a:off x="7749540" y="16950270"/>
+            <a:ext cx="2469000" cy="974000"/>
           </a:xfrm>
           <a:prstGeom prst="rect">
             <a:avLst/>
@@ -18998,20 +18829,12 @@
             </a:lvl9pPr>
           </a:lstStyle>
           <a:p>
-            <a:pPr marL="0" lvl="0" indent="0" algn="r" rtl="0">
-              <a:spcBef>
-                <a:spcPts val="0"/>
-              </a:spcBef>
-              <a:spcAft>
-                <a:spcPts val="0"/>
-              </a:spcAft>
-              <a:buNone/>
-            </a:pPr>
             <a:fld id="{00000000-1234-1234-1234-123412341234}" type="slidenum">
-              <a:rPr lang="en"/>
+              <a:rPr lang="en" smtClean="0"/>
+              <a:pPr/>
               <a:t>‹#›</a:t>
             </a:fld>
-            <a:endParaRPr/>
+            <a:endParaRPr lang="en"/>
           </a:p>
         </p:txBody>
       </p:sp>
@@ -19760,8 +19583,8 @@
         </p:nvSpPr>
         <p:spPr>
           <a:xfrm>
-            <a:off x="374040" y="949387"/>
-            <a:ext cx="10224600" cy="1221900"/>
+            <a:off x="374040" y="1582312"/>
+            <a:ext cx="10224600" cy="2036500"/>
           </a:xfrm>
           <a:prstGeom prst="rect">
             <a:avLst/>
@@ -20028,8 +19851,8 @@
         </p:nvSpPr>
         <p:spPr>
           <a:xfrm>
-            <a:off x="374040" y="2458613"/>
-            <a:ext cx="10224600" cy="7288200"/>
+            <a:off x="374040" y="4097689"/>
+            <a:ext cx="10224600" cy="12147000"/>
           </a:xfrm>
           <a:prstGeom prst="rect">
             <a:avLst/>
@@ -20296,8 +20119,8 @@
         </p:nvSpPr>
         <p:spPr>
           <a:xfrm>
-            <a:off x="10166949" y="9948196"/>
-            <a:ext cx="658200" cy="839700"/>
+            <a:off x="10166949" y="16580327"/>
+            <a:ext cx="658200" cy="1399500"/>
           </a:xfrm>
           <a:prstGeom prst="rect">
             <a:avLst/>
@@ -20548,20 +20371,12 @@
             </a:lvl9pPr>
           </a:lstStyle>
           <a:p>
-            <a:pPr marL="0" lvl="0" indent="0" algn="r" rtl="0">
-              <a:spcBef>
-                <a:spcPts val="0"/>
-              </a:spcBef>
-              <a:spcAft>
-                <a:spcPts val="0"/>
-              </a:spcAft>
-              <a:buNone/>
-            </a:pPr>
             <a:fld id="{00000000-1234-1234-1234-123412341234}" type="slidenum">
-              <a:rPr lang="en"/>
+              <a:rPr lang="en" smtClean="0"/>
+              <a:pPr/>
               <a:t>‹#›</a:t>
             </a:fld>
-            <a:endParaRPr/>
+            <a:endParaRPr lang="en"/>
           </a:p>
         </p:txBody>
       </p:sp>
@@ -21291,6 +21106,1178 @@
           <a:chExt cx="0" cy="0"/>
         </a:xfrm>
       </p:grpSpPr>
+      <p:pic>
+        <p:nvPicPr>
+          <p:cNvPr id="10" name="Picture 9" descr="Timeline&#10;&#10;Description automatically generated">
+            <a:extLst>
+              <a:ext uri="{FF2B5EF4-FFF2-40B4-BE49-F238E27FC236}">
+                <a16:creationId xmlns:a16="http://schemas.microsoft.com/office/drawing/2014/main" id="{527EDBC7-48D5-4740-9A0B-9CB4285D8118}"/>
+              </a:ext>
+            </a:extLst>
+          </p:cNvPr>
+          <p:cNvPicPr>
+            <a:picLocks noChangeAspect="1"/>
+          </p:cNvPicPr>
+          <p:nvPr/>
+        </p:nvPicPr>
+        <p:blipFill rotWithShape="1">
+          <a:blip r:embed="rId3"/>
+          <a:srcRect l="10359" b="35692"/>
+          <a:stretch/>
+        </p:blipFill>
+        <p:spPr>
+          <a:xfrm>
+            <a:off x="4068801" y="819420"/>
+            <a:ext cx="6563551" cy="1749629"/>
+          </a:xfrm>
+          <a:prstGeom prst="rect">
+            <a:avLst/>
+          </a:prstGeom>
+          <a:ln w="28575">
+            <a:solidFill>
+              <a:schemeClr val="tx1"/>
+            </a:solidFill>
+          </a:ln>
+        </p:spPr>
+      </p:pic>
+      <p:grpSp>
+        <p:nvGrpSpPr>
+          <p:cNvPr id="6" name="Group 5">
+            <a:extLst>
+              <a:ext uri="{FF2B5EF4-FFF2-40B4-BE49-F238E27FC236}">
+                <a16:creationId xmlns:a16="http://schemas.microsoft.com/office/drawing/2014/main" id="{95E824D0-1FB7-4F3E-92E3-E37BF953FF15}"/>
+              </a:ext>
+            </a:extLst>
+          </p:cNvPr>
+          <p:cNvGrpSpPr/>
+          <p:nvPr/>
+        </p:nvGrpSpPr>
+        <p:grpSpPr>
+          <a:xfrm>
+            <a:off x="3540272" y="85501"/>
+            <a:ext cx="7109328" cy="5938666"/>
+            <a:chOff x="3240291" y="-237553"/>
+            <a:chExt cx="7109328" cy="5938666"/>
+          </a:xfrm>
+        </p:grpSpPr>
+        <p:grpSp>
+          <p:nvGrpSpPr>
+            <p:cNvPr id="160" name="Google Shape;160;p1"/>
+            <p:cNvGrpSpPr/>
+            <p:nvPr/>
+          </p:nvGrpSpPr>
+          <p:grpSpPr>
+            <a:xfrm>
+              <a:off x="3240291" y="-237553"/>
+              <a:ext cx="5026307" cy="3242111"/>
+              <a:chOff x="6241004" y="-175385"/>
+              <a:chExt cx="5026307" cy="3242111"/>
+            </a:xfrm>
+          </p:grpSpPr>
+          <p:sp>
+            <p:nvSpPr>
+              <p:cNvPr id="161" name="Google Shape;161;p1"/>
+              <p:cNvSpPr txBox="1"/>
+              <p:nvPr/>
+            </p:nvSpPr>
+            <p:spPr>
+              <a:xfrm>
+                <a:off x="6241004" y="-175385"/>
+                <a:ext cx="606600" cy="481719"/>
+              </a:xfrm>
+              <a:prstGeom prst="rect">
+                <a:avLst/>
+              </a:prstGeom>
+              <a:noFill/>
+              <a:ln>
+                <a:noFill/>
+              </a:ln>
+            </p:spPr>
+            <p:txBody>
+              <a:bodyPr spcFirstLastPara="1" wrap="square" lIns="111350" tIns="55650" rIns="111350" bIns="55650" anchor="t" anchorCtr="0">
+                <a:spAutoFit/>
+              </a:bodyPr>
+              <a:lstStyle/>
+              <a:p>
+                <a:pPr>
+                  <a:buSzPts val="1700"/>
+                </a:pPr>
+                <a:r>
+                  <a:rPr lang="en" sz="2400" b="1" dirty="0"/>
+                  <a:t>C</a:t>
+                </a:r>
+                <a:endParaRPr sz="2400" dirty="0"/>
+              </a:p>
+            </p:txBody>
+          </p:sp>
+          <p:grpSp>
+            <p:nvGrpSpPr>
+              <p:cNvPr id="164" name="Google Shape;164;p1"/>
+              <p:cNvGrpSpPr/>
+              <p:nvPr/>
+            </p:nvGrpSpPr>
+            <p:grpSpPr>
+              <a:xfrm>
+                <a:off x="6708198" y="52492"/>
+                <a:ext cx="4559113" cy="3014234"/>
+                <a:chOff x="3925071" y="28192"/>
+                <a:chExt cx="4559113" cy="3014234"/>
+              </a:xfrm>
+            </p:grpSpPr>
+            <p:sp>
+              <p:nvSpPr>
+                <p:cNvPr id="165" name="Google Shape;165;p1"/>
+                <p:cNvSpPr txBox="1"/>
+                <p:nvPr/>
+              </p:nvSpPr>
+              <p:spPr>
+                <a:xfrm>
+                  <a:off x="3925071" y="28192"/>
+                  <a:ext cx="2981111" cy="557273"/>
+                </a:xfrm>
+                <a:prstGeom prst="rect">
+                  <a:avLst/>
+                </a:prstGeom>
+                <a:noFill/>
+                <a:ln>
+                  <a:noFill/>
+                </a:ln>
+              </p:spPr>
+              <p:txBody>
+                <a:bodyPr spcFirstLastPara="1" wrap="square" lIns="111350" tIns="111350" rIns="111350" bIns="111350" anchor="t" anchorCtr="0">
+                  <a:spAutoFit/>
+                </a:bodyPr>
+                <a:lstStyle/>
+                <a:p>
+                  <a:pPr>
+                    <a:lnSpc>
+                      <a:spcPct val="90000"/>
+                    </a:lnSpc>
+                    <a:buSzPts val="1900"/>
+                  </a:pPr>
+                  <a:r>
+                    <a:rPr lang="en" sz="2400" dirty="0">
+                      <a:solidFill>
+                        <a:schemeClr val="dk1"/>
+                      </a:solidFill>
+                    </a:rPr>
+                    <a:t>Huang</a:t>
+                  </a:r>
+                  <a:endParaRPr sz="2400" dirty="0"/>
+                </a:p>
+              </p:txBody>
+            </p:sp>
+            <p:sp>
+              <p:nvSpPr>
+                <p:cNvPr id="167" name="Google Shape;167;p1"/>
+                <p:cNvSpPr txBox="1"/>
+                <p:nvPr/>
+              </p:nvSpPr>
+              <p:spPr>
+                <a:xfrm>
+                  <a:off x="3940288" y="2485153"/>
+                  <a:ext cx="4543896" cy="557273"/>
+                </a:xfrm>
+                <a:prstGeom prst="rect">
+                  <a:avLst/>
+                </a:prstGeom>
+                <a:noFill/>
+                <a:ln>
+                  <a:noFill/>
+                </a:ln>
+              </p:spPr>
+              <p:txBody>
+                <a:bodyPr spcFirstLastPara="1" wrap="square" lIns="111350" tIns="111350" rIns="111350" bIns="111350" anchor="t" anchorCtr="0">
+                  <a:spAutoFit/>
+                </a:bodyPr>
+                <a:lstStyle/>
+                <a:p>
+                  <a:pPr>
+                    <a:lnSpc>
+                      <a:spcPct val="90000"/>
+                    </a:lnSpc>
+                    <a:buSzPts val="1900"/>
+                  </a:pPr>
+                  <a:r>
+                    <a:rPr lang="en" sz="2400" dirty="0">
+                      <a:solidFill>
+                        <a:schemeClr val="dk1"/>
+                      </a:solidFill>
+                    </a:rPr>
+                    <a:t>Mitochondrial RNA BS-seq</a:t>
+                  </a:r>
+                  <a:endParaRPr sz="2400" dirty="0"/>
+                </a:p>
+              </p:txBody>
+            </p:sp>
+          </p:grpSp>
+        </p:grpSp>
+        <p:pic>
+          <p:nvPicPr>
+            <p:cNvPr id="5" name="Picture 4" descr="Timeline&#10;&#10;Description automatically generated">
+              <a:extLst>
+                <a:ext uri="{FF2B5EF4-FFF2-40B4-BE49-F238E27FC236}">
+                  <a16:creationId xmlns:a16="http://schemas.microsoft.com/office/drawing/2014/main" id="{770AF87F-A323-4CA0-B452-E87C186FC90A}"/>
+                </a:ext>
+              </a:extLst>
+            </p:cNvPr>
+            <p:cNvPicPr>
+              <a:picLocks noChangeAspect="1"/>
+            </p:cNvPicPr>
+            <p:nvPr/>
+          </p:nvPicPr>
+          <p:blipFill rotWithShape="1">
+            <a:blip r:embed="rId4"/>
+            <a:srcRect l="10649" b="35660"/>
+            <a:stretch/>
+          </p:blipFill>
+          <p:spPr>
+            <a:xfrm>
+              <a:off x="3800375" y="2942273"/>
+              <a:ext cx="6549244" cy="1752328"/>
+            </a:xfrm>
+            <a:prstGeom prst="rect">
+              <a:avLst/>
+            </a:prstGeom>
+            <a:ln w="28575">
+              <a:solidFill>
+                <a:schemeClr val="tx1"/>
+              </a:solidFill>
+            </a:ln>
+          </p:spPr>
+        </p:pic>
+        <p:pic>
+          <p:nvPicPr>
+            <p:cNvPr id="101" name="Picture 100" descr="Timeline&#10;&#10;Description automatically generated">
+              <a:extLst>
+                <a:ext uri="{FF2B5EF4-FFF2-40B4-BE49-F238E27FC236}">
+                  <a16:creationId xmlns:a16="http://schemas.microsoft.com/office/drawing/2014/main" id="{F0D0A268-D6E5-43EA-87AE-99DC61B9620E}"/>
+                </a:ext>
+              </a:extLst>
+            </p:cNvPr>
+            <p:cNvPicPr>
+              <a:picLocks noChangeAspect="1"/>
+            </p:cNvPicPr>
+            <p:nvPr/>
+          </p:nvPicPr>
+          <p:blipFill rotWithShape="1">
+            <a:blip r:embed="rId4"/>
+            <a:srcRect l="10647" t="63956"/>
+            <a:stretch/>
+          </p:blipFill>
+          <p:spPr>
+            <a:xfrm>
+              <a:off x="3800375" y="4719448"/>
+              <a:ext cx="6549244" cy="981665"/>
+            </a:xfrm>
+            <a:prstGeom prst="rect">
+              <a:avLst/>
+            </a:prstGeom>
+            <a:ln w="28575">
+              <a:solidFill>
+                <a:schemeClr val="tx1"/>
+              </a:solidFill>
+            </a:ln>
+          </p:spPr>
+        </p:pic>
+      </p:grpSp>
+      <p:grpSp>
+        <p:nvGrpSpPr>
+          <p:cNvPr id="130" name="Google Shape;130;p1"/>
+          <p:cNvGrpSpPr/>
+          <p:nvPr/>
+        </p:nvGrpSpPr>
+        <p:grpSpPr>
+          <a:xfrm>
+            <a:off x="156754" y="0"/>
+            <a:ext cx="3084880" cy="2539880"/>
+            <a:chOff x="1915014" y="-180361"/>
+            <a:chExt cx="3084880" cy="2539880"/>
+          </a:xfrm>
+        </p:grpSpPr>
+        <p:sp>
+          <p:nvSpPr>
+            <p:cNvPr id="131" name="Google Shape;131;p1"/>
+            <p:cNvSpPr txBox="1"/>
+            <p:nvPr/>
+          </p:nvSpPr>
+          <p:spPr>
+            <a:xfrm>
+              <a:off x="1915014" y="-94860"/>
+              <a:ext cx="606600" cy="481719"/>
+            </a:xfrm>
+            <a:prstGeom prst="rect">
+              <a:avLst/>
+            </a:prstGeom>
+            <a:noFill/>
+            <a:ln>
+              <a:noFill/>
+            </a:ln>
+          </p:spPr>
+          <p:txBody>
+            <a:bodyPr spcFirstLastPara="1" wrap="square" lIns="111350" tIns="55650" rIns="111350" bIns="55650" anchor="t" anchorCtr="0">
+              <a:spAutoFit/>
+            </a:bodyPr>
+            <a:lstStyle/>
+            <a:p>
+              <a:pPr>
+                <a:buSzPts val="1700"/>
+              </a:pPr>
+              <a:r>
+                <a:rPr lang="en" sz="2400" b="1" dirty="0">
+                  <a:latin typeface="+mn-lt"/>
+                </a:rPr>
+                <a:t>A</a:t>
+              </a:r>
+              <a:endParaRPr sz="2400" dirty="0">
+                <a:latin typeface="+mn-lt"/>
+              </a:endParaRPr>
+            </a:p>
+          </p:txBody>
+        </p:sp>
+        <p:grpSp>
+          <p:nvGrpSpPr>
+            <p:cNvPr id="132" name="Google Shape;132;p1"/>
+            <p:cNvGrpSpPr/>
+            <p:nvPr/>
+          </p:nvGrpSpPr>
+          <p:grpSpPr>
+            <a:xfrm>
+              <a:off x="2318597" y="-180361"/>
+              <a:ext cx="2681297" cy="2539880"/>
+              <a:chOff x="4204648" y="536696"/>
+              <a:chExt cx="2681297" cy="2539626"/>
+            </a:xfrm>
+          </p:grpSpPr>
+          <p:pic>
+            <p:nvPicPr>
+              <p:cNvPr id="133" name="Google Shape;133;p1"/>
+              <p:cNvPicPr preferRelativeResize="0"/>
+              <p:nvPr/>
+            </p:nvPicPr>
+            <p:blipFill rotWithShape="1">
+              <a:blip r:embed="rId5">
+                <a:alphaModFix/>
+              </a:blip>
+              <a:srcRect l="41582" t="57769" r="41962" b="31229"/>
+              <a:stretch/>
+            </p:blipFill>
+            <p:spPr>
+              <a:xfrm>
+                <a:off x="5346620" y="2206023"/>
+                <a:ext cx="584201" cy="299720"/>
+              </a:xfrm>
+              <a:prstGeom prst="rect">
+                <a:avLst/>
+              </a:prstGeom>
+              <a:noFill/>
+              <a:ln>
+                <a:noFill/>
+              </a:ln>
+            </p:spPr>
+          </p:pic>
+          <p:pic>
+            <p:nvPicPr>
+              <p:cNvPr id="134" name="Google Shape;134;p1"/>
+              <p:cNvPicPr preferRelativeResize="0"/>
+              <p:nvPr/>
+            </p:nvPicPr>
+            <p:blipFill rotWithShape="1">
+              <a:blip r:embed="rId6">
+                <a:alphaModFix/>
+              </a:blip>
+              <a:srcRect l="43023" t="62283" r="41781" b="25697"/>
+              <a:stretch/>
+            </p:blipFill>
+            <p:spPr>
+              <a:xfrm>
+                <a:off x="5402500" y="2713827"/>
+                <a:ext cx="528320" cy="314961"/>
+              </a:xfrm>
+              <a:prstGeom prst="rect">
+                <a:avLst/>
+              </a:prstGeom>
+              <a:noFill/>
+              <a:ln>
+                <a:noFill/>
+              </a:ln>
+            </p:spPr>
+          </p:pic>
+          <p:sp>
+            <p:nvSpPr>
+              <p:cNvPr id="135" name="Google Shape;135;p1"/>
+              <p:cNvSpPr txBox="1"/>
+              <p:nvPr/>
+            </p:nvSpPr>
+            <p:spPr>
+              <a:xfrm>
+                <a:off x="4229503" y="2656201"/>
+                <a:ext cx="1160048" cy="420121"/>
+              </a:xfrm>
+              <a:prstGeom prst="rect">
+                <a:avLst/>
+              </a:prstGeom>
+              <a:noFill/>
+              <a:ln>
+                <a:noFill/>
+              </a:ln>
+            </p:spPr>
+            <p:txBody>
+              <a:bodyPr spcFirstLastPara="1" wrap="square" lIns="111350" tIns="55650" rIns="111350" bIns="55650" anchor="t" anchorCtr="0">
+                <a:spAutoFit/>
+              </a:bodyPr>
+              <a:lstStyle/>
+              <a:p>
+                <a:pPr>
+                  <a:buSzPts val="1700"/>
+                </a:pPr>
+                <a:r>
+                  <a:rPr lang="en" sz="2000">
+                    <a:latin typeface="+mn-lt"/>
+                    <a:ea typeface="Calibri"/>
+                    <a:cs typeface="Calibri"/>
+                    <a:sym typeface="Calibri"/>
+                  </a:rPr>
+                  <a:t>COX IV</a:t>
+                </a:r>
+                <a:endParaRPr sz="2000">
+                  <a:latin typeface="+mn-lt"/>
+                </a:endParaRPr>
+              </a:p>
+            </p:txBody>
+          </p:sp>
+          <p:sp>
+            <p:nvSpPr>
+              <p:cNvPr id="136" name="Google Shape;136;p1"/>
+              <p:cNvSpPr txBox="1"/>
+              <p:nvPr/>
+            </p:nvSpPr>
+            <p:spPr>
+              <a:xfrm>
+                <a:off x="4204648" y="2177354"/>
+                <a:ext cx="1232829" cy="420121"/>
+              </a:xfrm>
+              <a:prstGeom prst="rect">
+                <a:avLst/>
+              </a:prstGeom>
+              <a:noFill/>
+              <a:ln>
+                <a:noFill/>
+              </a:ln>
+            </p:spPr>
+            <p:txBody>
+              <a:bodyPr spcFirstLastPara="1" wrap="square" lIns="111350" tIns="55650" rIns="111350" bIns="55650" anchor="t" anchorCtr="0">
+                <a:spAutoFit/>
+              </a:bodyPr>
+              <a:lstStyle/>
+              <a:p>
+                <a:pPr>
+                  <a:buSzPts val="1700"/>
+                </a:pPr>
+                <a:r>
+                  <a:rPr lang="en" sz="2000" dirty="0">
+                    <a:latin typeface="+mn-lt"/>
+                    <a:ea typeface="Calibri"/>
+                    <a:cs typeface="Calibri"/>
+                    <a:sym typeface="Calibri"/>
+                  </a:rPr>
+                  <a:t>GAPDH</a:t>
+                </a:r>
+                <a:endParaRPr sz="2000" dirty="0">
+                  <a:latin typeface="+mn-lt"/>
+                </a:endParaRPr>
+              </a:p>
+            </p:txBody>
+          </p:sp>
+          <p:pic>
+            <p:nvPicPr>
+              <p:cNvPr id="137" name="Google Shape;137;p1"/>
+              <p:cNvPicPr preferRelativeResize="0"/>
+              <p:nvPr/>
+            </p:nvPicPr>
+            <p:blipFill rotWithShape="1">
+              <a:blip r:embed="rId7">
+                <a:alphaModFix/>
+              </a:blip>
+              <a:srcRect l="63863" t="58092" r="18681" b="31651"/>
+              <a:stretch/>
+            </p:blipFill>
+            <p:spPr>
+              <a:xfrm>
+                <a:off x="6023723" y="2212100"/>
+                <a:ext cx="619761" cy="279401"/>
+              </a:xfrm>
+              <a:prstGeom prst="rect">
+                <a:avLst/>
+              </a:prstGeom>
+              <a:noFill/>
+              <a:ln>
+                <a:noFill/>
+              </a:ln>
+            </p:spPr>
+          </p:pic>
+          <p:pic>
+            <p:nvPicPr>
+              <p:cNvPr id="138" name="Google Shape;138;p1"/>
+              <p:cNvPicPr preferRelativeResize="0"/>
+              <p:nvPr/>
+            </p:nvPicPr>
+            <p:blipFill rotWithShape="1">
+              <a:blip r:embed="rId8">
+                <a:alphaModFix/>
+              </a:blip>
+              <a:srcRect l="65655" t="62331" r="18419" b="26424"/>
+              <a:stretch/>
+            </p:blipFill>
+            <p:spPr>
+              <a:xfrm>
+                <a:off x="6056743" y="2717560"/>
+                <a:ext cx="553719" cy="294641"/>
+              </a:xfrm>
+              <a:prstGeom prst="rect">
+                <a:avLst/>
+              </a:prstGeom>
+              <a:noFill/>
+              <a:ln>
+                <a:noFill/>
+              </a:ln>
+            </p:spPr>
+          </p:pic>
+          <p:sp>
+            <p:nvSpPr>
+              <p:cNvPr id="139" name="Google Shape;139;p1"/>
+              <p:cNvSpPr txBox="1"/>
+              <p:nvPr/>
+            </p:nvSpPr>
+            <p:spPr>
+              <a:xfrm rot="17175831">
+                <a:off x="4851806" y="1180479"/>
+                <a:ext cx="1707730" cy="420163"/>
+              </a:xfrm>
+              <a:prstGeom prst="rect">
+                <a:avLst/>
+              </a:prstGeom>
+              <a:noFill/>
+              <a:ln>
+                <a:noFill/>
+              </a:ln>
+            </p:spPr>
+            <p:txBody>
+              <a:bodyPr spcFirstLastPara="1" wrap="square" lIns="111350" tIns="55650" rIns="111350" bIns="55650" anchor="t" anchorCtr="0">
+                <a:spAutoFit/>
+              </a:bodyPr>
+              <a:lstStyle/>
+              <a:p>
+                <a:pPr>
+                  <a:buSzPts val="1700"/>
+                </a:pPr>
+                <a:r>
+                  <a:rPr lang="en" sz="2000">
+                    <a:latin typeface="+mn-lt"/>
+                    <a:ea typeface="Calibri"/>
+                    <a:cs typeface="Calibri"/>
+                    <a:sym typeface="Calibri"/>
+                  </a:rPr>
+                  <a:t>Cyto rep1</a:t>
+                </a:r>
+                <a:endParaRPr sz="2000">
+                  <a:latin typeface="+mn-lt"/>
+                </a:endParaRPr>
+              </a:p>
+            </p:txBody>
+          </p:sp>
+          <p:sp>
+            <p:nvSpPr>
+              <p:cNvPr id="140" name="Google Shape;140;p1"/>
+              <p:cNvSpPr txBox="1"/>
+              <p:nvPr/>
+            </p:nvSpPr>
+            <p:spPr>
+              <a:xfrm rot="17175882">
+                <a:off x="5252403" y="1346616"/>
+                <a:ext cx="1387461" cy="420163"/>
+              </a:xfrm>
+              <a:prstGeom prst="rect">
+                <a:avLst/>
+              </a:prstGeom>
+              <a:noFill/>
+              <a:ln>
+                <a:noFill/>
+              </a:ln>
+            </p:spPr>
+            <p:txBody>
+              <a:bodyPr spcFirstLastPara="1" wrap="square" lIns="111350" tIns="55650" rIns="111350" bIns="55650" anchor="t" anchorCtr="0">
+                <a:spAutoFit/>
+              </a:bodyPr>
+              <a:lstStyle/>
+              <a:p>
+                <a:pPr>
+                  <a:buSzPts val="1700"/>
+                </a:pPr>
+                <a:r>
+                  <a:rPr lang="en" sz="2000">
+                    <a:latin typeface="+mn-lt"/>
+                    <a:ea typeface="Calibri"/>
+                    <a:cs typeface="Calibri"/>
+                    <a:sym typeface="Calibri"/>
+                  </a:rPr>
+                  <a:t>MT rep1</a:t>
+                </a:r>
+                <a:endParaRPr sz="2000">
+                  <a:latin typeface="+mn-lt"/>
+                </a:endParaRPr>
+              </a:p>
+            </p:txBody>
+          </p:sp>
+          <p:sp>
+            <p:nvSpPr>
+              <p:cNvPr id="141" name="Google Shape;141;p1"/>
+              <p:cNvSpPr txBox="1"/>
+              <p:nvPr/>
+            </p:nvSpPr>
+            <p:spPr>
+              <a:xfrm rot="17174999">
+                <a:off x="5589770" y="1211405"/>
+                <a:ext cx="1655043" cy="420163"/>
+              </a:xfrm>
+              <a:prstGeom prst="rect">
+                <a:avLst/>
+              </a:prstGeom>
+              <a:noFill/>
+              <a:ln>
+                <a:noFill/>
+              </a:ln>
+            </p:spPr>
+            <p:txBody>
+              <a:bodyPr spcFirstLastPara="1" wrap="square" lIns="111350" tIns="55650" rIns="111350" bIns="55650" anchor="t" anchorCtr="0">
+                <a:spAutoFit/>
+              </a:bodyPr>
+              <a:lstStyle/>
+              <a:p>
+                <a:pPr>
+                  <a:buSzPts val="1700"/>
+                </a:pPr>
+                <a:r>
+                  <a:rPr lang="en" sz="2000">
+                    <a:latin typeface="+mn-lt"/>
+                    <a:ea typeface="Calibri"/>
+                    <a:cs typeface="Calibri"/>
+                    <a:sym typeface="Calibri"/>
+                  </a:rPr>
+                  <a:t>Cyto rep2</a:t>
+                </a:r>
+                <a:endParaRPr sz="2000">
+                  <a:latin typeface="+mn-lt"/>
+                </a:endParaRPr>
+              </a:p>
+            </p:txBody>
+          </p:sp>
+          <p:sp>
+            <p:nvSpPr>
+              <p:cNvPr id="142" name="Google Shape;142;p1"/>
+              <p:cNvSpPr txBox="1"/>
+              <p:nvPr/>
+            </p:nvSpPr>
+            <p:spPr>
+              <a:xfrm rot="17175650">
+                <a:off x="5959097" y="1331114"/>
+                <a:ext cx="1433533" cy="420163"/>
+              </a:xfrm>
+              <a:prstGeom prst="rect">
+                <a:avLst/>
+              </a:prstGeom>
+              <a:noFill/>
+              <a:ln>
+                <a:noFill/>
+              </a:ln>
+            </p:spPr>
+            <p:txBody>
+              <a:bodyPr spcFirstLastPara="1" wrap="square" lIns="111350" tIns="55650" rIns="111350" bIns="55650" anchor="t" anchorCtr="0">
+                <a:spAutoFit/>
+              </a:bodyPr>
+              <a:lstStyle/>
+              <a:p>
+                <a:pPr>
+                  <a:buSzPts val="1700"/>
+                </a:pPr>
+                <a:r>
+                  <a:rPr lang="en" sz="2000">
+                    <a:latin typeface="+mn-lt"/>
+                    <a:ea typeface="Calibri"/>
+                    <a:cs typeface="Calibri"/>
+                    <a:sym typeface="Calibri"/>
+                  </a:rPr>
+                  <a:t>MT rep2 </a:t>
+                </a:r>
+                <a:endParaRPr sz="2000">
+                  <a:latin typeface="+mn-lt"/>
+                </a:endParaRPr>
+              </a:p>
+            </p:txBody>
+          </p:sp>
+          <p:cxnSp>
+            <p:nvCxnSpPr>
+              <p:cNvPr id="143" name="Google Shape;143;p1"/>
+              <p:cNvCxnSpPr/>
+              <p:nvPr/>
+            </p:nvCxnSpPr>
+            <p:spPr>
+              <a:xfrm>
+                <a:off x="5402500" y="2209800"/>
+                <a:ext cx="1208100" cy="0"/>
+              </a:xfrm>
+              <a:prstGeom prst="straightConnector1">
+                <a:avLst/>
+              </a:prstGeom>
+              <a:noFill/>
+              <a:ln w="15875" cap="flat" cmpd="sng">
+                <a:solidFill>
+                  <a:srgbClr val="000000"/>
+                </a:solidFill>
+                <a:prstDash val="solid"/>
+                <a:round/>
+                <a:headEnd type="none" w="sm" len="sm"/>
+                <a:tailEnd type="none" w="sm" len="sm"/>
+              </a:ln>
+            </p:spPr>
+          </p:cxnSp>
+        </p:grpSp>
+      </p:grpSp>
+      <p:grpSp>
+        <p:nvGrpSpPr>
+          <p:cNvPr id="144" name="Google Shape;144;p1"/>
+          <p:cNvGrpSpPr/>
+          <p:nvPr/>
+        </p:nvGrpSpPr>
+        <p:grpSpPr>
+          <a:xfrm>
+            <a:off x="156754" y="2933819"/>
+            <a:ext cx="3602158" cy="3367536"/>
+            <a:chOff x="2013675" y="2530265"/>
+            <a:chExt cx="3602158" cy="3367536"/>
+          </a:xfrm>
+        </p:grpSpPr>
+        <p:grpSp>
+          <p:nvGrpSpPr>
+            <p:cNvPr id="145" name="Google Shape;145;p1"/>
+            <p:cNvGrpSpPr/>
+            <p:nvPr/>
+          </p:nvGrpSpPr>
+          <p:grpSpPr>
+            <a:xfrm>
+              <a:off x="2671734" y="2953755"/>
+              <a:ext cx="2944099" cy="2944046"/>
+              <a:chOff x="3663338" y="4654059"/>
+              <a:chExt cx="2944099" cy="2943752"/>
+            </a:xfrm>
+          </p:grpSpPr>
+          <p:pic>
+            <p:nvPicPr>
+              <p:cNvPr id="146" name="Google Shape;146;p1"/>
+              <p:cNvPicPr preferRelativeResize="0"/>
+              <p:nvPr/>
+            </p:nvPicPr>
+            <p:blipFill rotWithShape="1">
+              <a:blip r:embed="rId9">
+                <a:alphaModFix/>
+              </a:blip>
+              <a:srcRect l="25991" t="12547" b="23688"/>
+              <a:stretch/>
+            </p:blipFill>
+            <p:spPr>
+              <a:xfrm>
+                <a:off x="4322434" y="4690336"/>
+                <a:ext cx="2265588" cy="2224284"/>
+              </a:xfrm>
+              <a:prstGeom prst="rect">
+                <a:avLst/>
+              </a:prstGeom>
+              <a:noFill/>
+              <a:ln>
+                <a:noFill/>
+              </a:ln>
+            </p:spPr>
+          </p:pic>
+          <p:cxnSp>
+            <p:nvCxnSpPr>
+              <p:cNvPr id="147" name="Google Shape;147;p1"/>
+              <p:cNvCxnSpPr/>
+              <p:nvPr/>
+            </p:nvCxnSpPr>
+            <p:spPr>
+              <a:xfrm>
+                <a:off x="4659413" y="5023400"/>
+                <a:ext cx="1371600" cy="0"/>
+              </a:xfrm>
+              <a:prstGeom prst="straightConnector1">
+                <a:avLst/>
+              </a:prstGeom>
+              <a:noFill/>
+              <a:ln w="19050" cap="flat" cmpd="sng">
+                <a:solidFill>
+                  <a:srgbClr val="000000"/>
+                </a:solidFill>
+                <a:prstDash val="solid"/>
+                <a:round/>
+                <a:headEnd type="none" w="sm" len="sm"/>
+                <a:tailEnd type="none" w="sm" len="sm"/>
+              </a:ln>
+            </p:spPr>
+          </p:cxnSp>
+          <p:sp>
+            <p:nvSpPr>
+              <p:cNvPr id="148" name="Google Shape;148;p1"/>
+              <p:cNvSpPr txBox="1"/>
+              <p:nvPr/>
+            </p:nvSpPr>
+            <p:spPr>
+              <a:xfrm>
+                <a:off x="5040413" y="4654059"/>
+                <a:ext cx="771900" cy="450900"/>
+              </a:xfrm>
+              <a:prstGeom prst="rect">
+                <a:avLst/>
+              </a:prstGeom>
+              <a:noFill/>
+              <a:ln>
+                <a:noFill/>
+              </a:ln>
+            </p:spPr>
+            <p:txBody>
+              <a:bodyPr spcFirstLastPara="1" wrap="square" lIns="111350" tIns="55650" rIns="111350" bIns="55650" anchor="t" anchorCtr="0">
+                <a:spAutoFit/>
+              </a:bodyPr>
+              <a:lstStyle/>
+              <a:p>
+                <a:pPr>
+                  <a:buSzPts val="2200"/>
+                </a:pPr>
+                <a:r>
+                  <a:rPr lang="en" sz="2200" dirty="0">
+                    <a:latin typeface="Calibri"/>
+                    <a:ea typeface="Calibri"/>
+                    <a:cs typeface="Calibri"/>
+                    <a:sym typeface="Calibri"/>
+                  </a:rPr>
+                  <a:t>n.s.</a:t>
+                </a:r>
+                <a:endParaRPr sz="2200" dirty="0">
+                  <a:latin typeface="Calibri"/>
+                  <a:ea typeface="Calibri"/>
+                  <a:cs typeface="Calibri"/>
+                  <a:sym typeface="Calibri"/>
+                </a:endParaRPr>
+              </a:p>
+            </p:txBody>
+          </p:sp>
+          <p:sp>
+            <p:nvSpPr>
+              <p:cNvPr id="149" name="Google Shape;149;p1"/>
+              <p:cNvSpPr txBox="1"/>
+              <p:nvPr/>
+            </p:nvSpPr>
+            <p:spPr>
+              <a:xfrm>
+                <a:off x="4237130" y="6864857"/>
+                <a:ext cx="1371599" cy="727867"/>
+              </a:xfrm>
+              <a:prstGeom prst="rect">
+                <a:avLst/>
+              </a:prstGeom>
+              <a:noFill/>
+              <a:ln>
+                <a:noFill/>
+              </a:ln>
+            </p:spPr>
+            <p:txBody>
+              <a:bodyPr spcFirstLastPara="1" wrap="square" lIns="111350" tIns="55650" rIns="111350" bIns="55650" anchor="t" anchorCtr="0">
+                <a:spAutoFit/>
+              </a:bodyPr>
+              <a:lstStyle/>
+              <a:p>
+                <a:pPr algn="ctr">
+                  <a:buSzPts val="1700"/>
+                </a:pPr>
+                <a:r>
+                  <a:rPr lang="en" sz="2000" dirty="0"/>
+                  <a:t>MT </a:t>
+                </a:r>
+              </a:p>
+              <a:p>
+                <a:pPr algn="ctr">
+                  <a:buSzPts val="1700"/>
+                </a:pPr>
+                <a:r>
+                  <a:rPr lang="en" sz="2000" dirty="0"/>
+                  <a:t>rep1</a:t>
+                </a:r>
+                <a:endParaRPr sz="2000" dirty="0"/>
+              </a:p>
+            </p:txBody>
+          </p:sp>
+          <p:sp>
+            <p:nvSpPr>
+              <p:cNvPr id="151" name="Google Shape;151;p1"/>
+              <p:cNvSpPr txBox="1"/>
+              <p:nvPr/>
+            </p:nvSpPr>
+            <p:spPr>
+              <a:xfrm>
+                <a:off x="5235838" y="6869944"/>
+                <a:ext cx="1371599" cy="727867"/>
+              </a:xfrm>
+              <a:prstGeom prst="rect">
+                <a:avLst/>
+              </a:prstGeom>
+              <a:noFill/>
+              <a:ln>
+                <a:noFill/>
+              </a:ln>
+            </p:spPr>
+            <p:txBody>
+              <a:bodyPr spcFirstLastPara="1" wrap="square" lIns="111350" tIns="55650" rIns="111350" bIns="55650" anchor="t" anchorCtr="0">
+                <a:spAutoFit/>
+              </a:bodyPr>
+              <a:lstStyle/>
+              <a:p>
+                <a:pPr algn="ctr">
+                  <a:buSzPts val="1700"/>
+                </a:pPr>
+                <a:r>
+                  <a:rPr lang="en" sz="2000" dirty="0"/>
+                  <a:t>MT </a:t>
+                </a:r>
+              </a:p>
+              <a:p>
+                <a:pPr algn="ctr">
+                  <a:buSzPts val="1700"/>
+                </a:pPr>
+                <a:r>
+                  <a:rPr lang="en" sz="2000" dirty="0"/>
+                  <a:t>rep2</a:t>
+                </a:r>
+                <a:endParaRPr sz="2000" dirty="0"/>
+              </a:p>
+            </p:txBody>
+          </p:sp>
+          <p:sp>
+            <p:nvSpPr>
+              <p:cNvPr id="152" name="Google Shape;152;p1"/>
+              <p:cNvSpPr txBox="1"/>
+              <p:nvPr/>
+            </p:nvSpPr>
+            <p:spPr>
+              <a:xfrm>
+                <a:off x="3663338" y="4658094"/>
+                <a:ext cx="695700" cy="389347"/>
+              </a:xfrm>
+              <a:prstGeom prst="rect">
+                <a:avLst/>
+              </a:prstGeom>
+              <a:noFill/>
+              <a:ln>
+                <a:noFill/>
+              </a:ln>
+            </p:spPr>
+            <p:txBody>
+              <a:bodyPr spcFirstLastPara="1" wrap="square" lIns="111350" tIns="55650" rIns="111350" bIns="55650" anchor="t" anchorCtr="0">
+                <a:spAutoFit/>
+              </a:bodyPr>
+              <a:lstStyle/>
+              <a:p>
+                <a:pPr algn="r">
+                  <a:buSzPts val="1700"/>
+                </a:pPr>
+                <a:r>
+                  <a:rPr lang="en" sz="1800" dirty="0"/>
+                  <a:t>120</a:t>
+                </a:r>
+                <a:endParaRPr sz="1800" dirty="0"/>
+              </a:p>
+            </p:txBody>
+          </p:sp>
+          <p:sp>
+            <p:nvSpPr>
+              <p:cNvPr id="153" name="Google Shape;153;p1"/>
+              <p:cNvSpPr txBox="1"/>
+              <p:nvPr/>
+            </p:nvSpPr>
+            <p:spPr>
+              <a:xfrm>
+                <a:off x="3782876" y="5117829"/>
+                <a:ext cx="557400" cy="389347"/>
+              </a:xfrm>
+              <a:prstGeom prst="rect">
+                <a:avLst/>
+              </a:prstGeom>
+              <a:noFill/>
+              <a:ln>
+                <a:noFill/>
+              </a:ln>
+            </p:spPr>
+            <p:txBody>
+              <a:bodyPr spcFirstLastPara="1" wrap="square" lIns="111350" tIns="55650" rIns="111350" bIns="55650" anchor="t" anchorCtr="0">
+                <a:spAutoFit/>
+              </a:bodyPr>
+              <a:lstStyle/>
+              <a:p>
+                <a:pPr algn="r">
+                  <a:buSzPts val="1700"/>
+                </a:pPr>
+                <a:r>
+                  <a:rPr lang="en" sz="1800" dirty="0"/>
+                  <a:t>90</a:t>
+                </a:r>
+                <a:endParaRPr sz="1800" dirty="0"/>
+              </a:p>
+            </p:txBody>
+          </p:sp>
+          <p:sp>
+            <p:nvSpPr>
+              <p:cNvPr id="154" name="Google Shape;154;p1"/>
+              <p:cNvSpPr txBox="1"/>
+              <p:nvPr/>
+            </p:nvSpPr>
+            <p:spPr>
+              <a:xfrm>
+                <a:off x="3736568" y="5596809"/>
+                <a:ext cx="606600" cy="389347"/>
+              </a:xfrm>
+              <a:prstGeom prst="rect">
+                <a:avLst/>
+              </a:prstGeom>
+              <a:noFill/>
+              <a:ln>
+                <a:noFill/>
+              </a:ln>
+            </p:spPr>
+            <p:txBody>
+              <a:bodyPr spcFirstLastPara="1" wrap="square" lIns="111350" tIns="55650" rIns="111350" bIns="55650" anchor="t" anchorCtr="0">
+                <a:spAutoFit/>
+              </a:bodyPr>
+              <a:lstStyle/>
+              <a:p>
+                <a:pPr algn="r">
+                  <a:buSzPts val="1700"/>
+                </a:pPr>
+                <a:r>
+                  <a:rPr lang="en" sz="1800" dirty="0"/>
+                  <a:t>60</a:t>
+                </a:r>
+                <a:endParaRPr sz="1800" dirty="0"/>
+              </a:p>
+            </p:txBody>
+          </p:sp>
+          <p:sp>
+            <p:nvSpPr>
+              <p:cNvPr id="155" name="Google Shape;155;p1"/>
+              <p:cNvSpPr txBox="1"/>
+              <p:nvPr/>
+            </p:nvSpPr>
+            <p:spPr>
+              <a:xfrm>
+                <a:off x="3778258" y="6090938"/>
+                <a:ext cx="557400" cy="389347"/>
+              </a:xfrm>
+              <a:prstGeom prst="rect">
+                <a:avLst/>
+              </a:prstGeom>
+              <a:noFill/>
+              <a:ln>
+                <a:noFill/>
+              </a:ln>
+            </p:spPr>
+            <p:txBody>
+              <a:bodyPr spcFirstLastPara="1" wrap="square" lIns="111350" tIns="55650" rIns="111350" bIns="55650" anchor="t" anchorCtr="0">
+                <a:spAutoFit/>
+              </a:bodyPr>
+              <a:lstStyle/>
+              <a:p>
+                <a:pPr algn="r">
+                  <a:buSzPts val="1700"/>
+                </a:pPr>
+                <a:r>
+                  <a:rPr lang="en" sz="1800" dirty="0"/>
+                  <a:t>30</a:t>
+                </a:r>
+                <a:endParaRPr sz="1800" dirty="0"/>
+              </a:p>
+            </p:txBody>
+          </p:sp>
+          <p:sp>
+            <p:nvSpPr>
+              <p:cNvPr id="156" name="Google Shape;156;p1"/>
+              <p:cNvSpPr txBox="1"/>
+              <p:nvPr/>
+            </p:nvSpPr>
+            <p:spPr>
+              <a:xfrm>
+                <a:off x="3953433" y="6555357"/>
+                <a:ext cx="230100" cy="389347"/>
+              </a:xfrm>
+              <a:prstGeom prst="rect">
+                <a:avLst/>
+              </a:prstGeom>
+              <a:noFill/>
+              <a:ln>
+                <a:noFill/>
+              </a:ln>
+            </p:spPr>
+            <p:txBody>
+              <a:bodyPr spcFirstLastPara="1" wrap="square" lIns="111350" tIns="55650" rIns="111350" bIns="55650" anchor="t" anchorCtr="0">
+                <a:spAutoFit/>
+              </a:bodyPr>
+              <a:lstStyle/>
+              <a:p>
+                <a:pPr algn="r">
+                  <a:buSzPts val="1700"/>
+                </a:pPr>
+                <a:r>
+                  <a:rPr lang="en" sz="1800" dirty="0"/>
+                  <a:t>0</a:t>
+                </a:r>
+                <a:endParaRPr sz="1800" dirty="0"/>
+              </a:p>
+            </p:txBody>
+          </p:sp>
+        </p:grpSp>
+        <p:sp>
+          <p:nvSpPr>
+            <p:cNvPr id="157" name="Google Shape;157;p1"/>
+            <p:cNvSpPr txBox="1"/>
+            <p:nvPr/>
+          </p:nvSpPr>
+          <p:spPr>
+            <a:xfrm>
+              <a:off x="2013675" y="2530265"/>
+              <a:ext cx="606600" cy="481719"/>
+            </a:xfrm>
+            <a:prstGeom prst="rect">
+              <a:avLst/>
+            </a:prstGeom>
+            <a:noFill/>
+            <a:ln>
+              <a:noFill/>
+            </a:ln>
+          </p:spPr>
+          <p:txBody>
+            <a:bodyPr spcFirstLastPara="1" wrap="square" lIns="111350" tIns="55650" rIns="111350" bIns="55650" anchor="t" anchorCtr="0">
+              <a:spAutoFit/>
+            </a:bodyPr>
+            <a:lstStyle/>
+            <a:p>
+              <a:pPr>
+                <a:buSzPts val="1700"/>
+              </a:pPr>
+              <a:r>
+                <a:rPr lang="en" sz="2400" b="1" dirty="0"/>
+                <a:t>B</a:t>
+              </a:r>
+              <a:endParaRPr sz="2400" dirty="0"/>
+            </a:p>
+          </p:txBody>
+        </p:sp>
+      </p:grpSp>
       <p:grpSp>
         <p:nvGrpSpPr>
           <p:cNvPr id="2" name="Group 1">
@@ -21305,22 +22292,22 @@
         </p:nvGrpSpPr>
         <p:grpSpPr>
           <a:xfrm>
-            <a:off x="81880" y="637179"/>
-            <a:ext cx="5766461" cy="5395309"/>
-            <a:chOff x="239019" y="5652301"/>
-            <a:chExt cx="5992277" cy="5395309"/>
+            <a:off x="195313" y="6251081"/>
+            <a:ext cx="5714537" cy="5734435"/>
+            <a:chOff x="115565" y="5293484"/>
+            <a:chExt cx="5938319" cy="5734435"/>
           </a:xfrm>
         </p:grpSpPr>
         <p:sp>
           <p:nvSpPr>
-            <p:cNvPr id="170" name="Google Shape;170;p1"/>
+            <p:cNvPr id="172" name="Google Shape;172;p1"/>
             <p:cNvSpPr txBox="1"/>
             <p:nvPr/>
           </p:nvSpPr>
           <p:spPr>
-            <a:xfrm rot="-3189997">
-              <a:off x="2980561" y="9717545"/>
-              <a:ext cx="2165340" cy="471240"/>
+            <a:xfrm rot="18410003">
+              <a:off x="2422081" y="9700477"/>
+              <a:ext cx="2165340" cy="489544"/>
             </a:xfrm>
             <a:prstGeom prst="rect">
               <a:avLst/>
@@ -21336,176 +22323,14 @@
             </a:bodyPr>
             <a:lstStyle/>
             <a:p>
-              <a:pPr marL="0" marR="0" lvl="0" indent="0" algn="r" rtl="0">
-                <a:lnSpc>
-                  <a:spcPct val="100000"/>
-                </a:lnSpc>
-                <a:spcBef>
-                  <a:spcPts val="0"/>
-                </a:spcBef>
-                <a:spcAft>
-                  <a:spcPts val="0"/>
-                </a:spcAft>
-                <a:buClr>
-                  <a:srgbClr val="000000"/>
-                </a:buClr>
+              <a:pPr algn="r">
                 <a:buSzPts val="1700"/>
-                <a:buFont typeface="Arial"/>
-                <a:buNone/>
               </a:pPr>
               <a:r>
-                <a:rPr lang="en" sz="1600" b="0" i="0" u="none" strike="noStrike" cap="none" dirty="0">
-                  <a:solidFill>
-                    <a:srgbClr val="000000"/>
-                  </a:solidFill>
-                  <a:latin typeface="Arial"/>
-                  <a:ea typeface="Arial"/>
-                  <a:cs typeface="Arial"/>
-                  <a:sym typeface="Arial"/>
-                </a:rPr>
-                <a:t>Total RNA BS-seq</a:t>
-              </a:r>
-              <a:endParaRPr sz="1600" b="0" i="0" u="none" strike="noStrike" cap="none" dirty="0">
-                <a:solidFill>
-                  <a:srgbClr val="000000"/>
-                </a:solidFill>
-                <a:latin typeface="Arial"/>
-                <a:ea typeface="Arial"/>
-                <a:cs typeface="Arial"/>
-                <a:sym typeface="Arial"/>
-              </a:endParaRPr>
-            </a:p>
-          </p:txBody>
-        </p:sp>
-        <p:sp>
-          <p:nvSpPr>
-            <p:cNvPr id="171" name="Google Shape;171;p1"/>
-            <p:cNvSpPr txBox="1"/>
-            <p:nvPr/>
-          </p:nvSpPr>
-          <p:spPr>
-            <a:xfrm rot="-3189997">
-              <a:off x="3880524" y="9729320"/>
-              <a:ext cx="2165340" cy="471240"/>
-            </a:xfrm>
-            <a:prstGeom prst="rect">
-              <a:avLst/>
-            </a:prstGeom>
-            <a:noFill/>
-            <a:ln>
-              <a:noFill/>
-            </a:ln>
-          </p:spPr>
-          <p:txBody>
-            <a:bodyPr spcFirstLastPara="1" wrap="square" lIns="111350" tIns="111350" rIns="111350" bIns="111350" anchor="t" anchorCtr="0">
-              <a:spAutoFit/>
-            </a:bodyPr>
-            <a:lstStyle/>
-            <a:p>
-              <a:pPr marL="0" marR="0" lvl="0" indent="0" algn="r" rtl="0">
-                <a:lnSpc>
-                  <a:spcPct val="100000"/>
-                </a:lnSpc>
-                <a:spcBef>
-                  <a:spcPts val="0"/>
-                </a:spcBef>
-                <a:spcAft>
-                  <a:spcPts val="0"/>
-                </a:spcAft>
-                <a:buClr>
-                  <a:srgbClr val="000000"/>
-                </a:buClr>
-                <a:buSzPts val="1700"/>
-                <a:buFont typeface="Arial"/>
-                <a:buNone/>
-              </a:pPr>
-              <a:r>
-                <a:rPr lang="en" sz="1600" b="0" i="0" u="none" strike="noStrike" cap="none">
-                  <a:solidFill>
-                    <a:srgbClr val="000000"/>
-                  </a:solidFill>
-                  <a:latin typeface="Arial"/>
-                  <a:ea typeface="Arial"/>
-                  <a:cs typeface="Arial"/>
-                  <a:sym typeface="Arial"/>
-                </a:rPr>
-                <a:t>Poly RNA BS-seq</a:t>
-              </a:r>
-              <a:endParaRPr sz="1600" b="0" i="0" u="none" strike="noStrike" cap="none">
-                <a:solidFill>
-                  <a:srgbClr val="000000"/>
-                </a:solidFill>
-                <a:latin typeface="Arial"/>
-                <a:ea typeface="Arial"/>
-                <a:cs typeface="Arial"/>
-                <a:sym typeface="Arial"/>
-              </a:endParaRPr>
-            </a:p>
-          </p:txBody>
-        </p:sp>
-        <p:sp>
-          <p:nvSpPr>
-            <p:cNvPr id="172" name="Google Shape;172;p1"/>
-            <p:cNvSpPr txBox="1"/>
-            <p:nvPr/>
-          </p:nvSpPr>
-          <p:spPr>
-            <a:xfrm rot="-3189997">
-              <a:off x="4336677" y="9729211"/>
-              <a:ext cx="2165340" cy="471240"/>
-            </a:xfrm>
-            <a:prstGeom prst="rect">
-              <a:avLst/>
-            </a:prstGeom>
-            <a:noFill/>
-            <a:ln>
-              <a:noFill/>
-            </a:ln>
-          </p:spPr>
-          <p:txBody>
-            <a:bodyPr spcFirstLastPara="1" wrap="square" lIns="111350" tIns="111350" rIns="111350" bIns="111350" anchor="t" anchorCtr="0">
-              <a:spAutoFit/>
-            </a:bodyPr>
-            <a:lstStyle/>
-            <a:p>
-              <a:pPr marL="0" marR="0" lvl="0" indent="0" algn="r" rtl="0">
-                <a:lnSpc>
-                  <a:spcPct val="100000"/>
-                </a:lnSpc>
-                <a:spcBef>
-                  <a:spcPts val="0"/>
-                </a:spcBef>
-                <a:spcAft>
-                  <a:spcPts val="0"/>
-                </a:spcAft>
-                <a:buClr>
-                  <a:srgbClr val="000000"/>
-                </a:buClr>
-                <a:buSzPts val="1700"/>
-                <a:buFont typeface="Arial"/>
-                <a:buNone/>
-              </a:pPr>
-              <a:r>
-                <a:rPr lang="en" sz="1600" b="0" i="0" u="none" strike="noStrike" cap="none">
-                  <a:solidFill>
-                    <a:srgbClr val="000000"/>
-                  </a:solidFill>
-                  <a:latin typeface="Arial"/>
-                  <a:ea typeface="Arial"/>
-                  <a:cs typeface="Arial"/>
-                  <a:sym typeface="Arial"/>
-                </a:rPr>
+                <a:rPr lang="en" sz="1600" dirty="0"/>
                 <a:t>Huang</a:t>
               </a:r>
-              <a:endParaRPr sz="1600" b="0" i="0" u="none" strike="noStrike" cap="none">
-                <a:solidFill>
-                  <a:srgbClr val="000000"/>
-                </a:solidFill>
-                <a:latin typeface="Arial"/>
-                <a:ea typeface="Arial"/>
-                <a:cs typeface="Arial"/>
-                <a:sym typeface="Arial"/>
-              </a:endParaRPr>
+              <a:endParaRPr sz="1600" dirty="0"/>
             </a:p>
           </p:txBody>
         </p:sp>
@@ -21518,9 +22343,9 @@
           <p:grpSpPr>
             <a:xfrm>
               <a:off x="1509460" y="6231455"/>
-              <a:ext cx="4721836" cy="2848303"/>
-              <a:chOff x="6507957" y="3260753"/>
-              <a:chExt cx="8877300" cy="5848672"/>
+              <a:ext cx="2353098" cy="2848303"/>
+              <a:chOff x="6507958" y="3260753"/>
+              <a:chExt cx="4423948" cy="5848672"/>
             </a:xfrm>
           </p:grpSpPr>
           <p:pic>
@@ -21530,16 +22355,16 @@
               <p:nvPr/>
             </p:nvPicPr>
             <p:blipFill rotWithShape="1">
-              <a:blip r:embed="rId3">
+              <a:blip r:embed="rId10">
                 <a:alphaModFix/>
               </a:blip>
-              <a:srcRect l="8332" b="23336"/>
+              <a:srcRect l="8332" r="45986" b="23336"/>
               <a:stretch/>
             </p:blipFill>
             <p:spPr>
               <a:xfrm>
-                <a:off x="6519862" y="6163313"/>
-                <a:ext cx="8853488" cy="2946112"/>
+                <a:off x="6519862" y="6163314"/>
+                <a:ext cx="4412044" cy="2946111"/>
               </a:xfrm>
               <a:prstGeom prst="rect">
                 <a:avLst/>
@@ -21557,16 +22382,16 @@
               <p:nvPr/>
             </p:nvPicPr>
             <p:blipFill rotWithShape="1">
-              <a:blip r:embed="rId4">
+              <a:blip r:embed="rId11">
                 <a:alphaModFix/>
               </a:blip>
-              <a:srcRect l="6498" b="33114"/>
+              <a:srcRect l="6498" r="67666" b="33114"/>
               <a:stretch/>
             </p:blipFill>
             <p:spPr>
               <a:xfrm>
-                <a:off x="6507957" y="3260753"/>
-                <a:ext cx="8877300" cy="2604688"/>
+                <a:off x="6507958" y="3260753"/>
+                <a:ext cx="2452922" cy="2604688"/>
               </a:xfrm>
               <a:prstGeom prst="rect">
                 <a:avLst/>
@@ -21585,14 +22410,14 @@
             <p:nvPr>
               <p:extLst>
                 <p:ext uri="{D42A27DB-BD31-4B8C-83A1-F6EECF244321}">
-                  <p14:modId xmlns:p14="http://schemas.microsoft.com/office/powerpoint/2010/main" val="2448891205"/>
+                  <p14:modId xmlns:p14="http://schemas.microsoft.com/office/powerpoint/2010/main" val="4122691016"/>
                 </p:ext>
               </p:extLst>
             </p:nvPr>
           </p:nvGraphicFramePr>
           <p:xfrm>
-            <a:off x="857071" y="6088419"/>
-            <a:ext cx="769082" cy="3749810"/>
+            <a:off x="671288" y="6041010"/>
+            <a:ext cx="916857" cy="3661445"/>
           </p:xfrm>
           <a:graphic>
             <a:graphicData uri="http://schemas.openxmlformats.org/drawingml/2006/table">
@@ -21602,7 +22427,7 @@
                   <a:tableStyleId>{C0D0F8B6-4201-43B7-A145-68A774C9EF46}</a:tableStyleId>
                 </a:tblPr>
                 <a:tblGrid>
-                  <a:gridCol w="740100">
+                  <a:gridCol w="882306">
                     <a:extLst>
                       <a:ext uri="{9D8B030D-6E8A-4147-A177-3AD203B41FA5}">
                         <a16:colId xmlns:a16="http://schemas.microsoft.com/office/drawing/2014/main" val="20000"/>
@@ -21610,7 +22435,7 @@
                     </a:extLst>
                   </a:gridCol>
                 </a:tblGrid>
-                <a:tr h="358500">
+                <a:tr h="485214">
                   <a:tc>
                     <a:txBody>
                       <a:bodyPr/>
@@ -21634,10 +22459,10 @@
                           <a:buNone/>
                         </a:pPr>
                         <a:r>
-                          <a:rPr lang="en" sz="1400" u="none" strike="noStrike" cap="none"/>
+                          <a:rPr lang="en" sz="1800" u="none" strike="noStrike" cap="none"/>
                           <a:t>50%</a:t>
                         </a:r>
-                        <a:endParaRPr sz="1400" u="none" strike="noStrike" cap="none"/>
+                        <a:endParaRPr sz="1800" u="none" strike="noStrike" cap="none"/>
                       </a:p>
                     </a:txBody>
                     <a:tcPr marL="114300" marR="114300" marT="91425" marB="91425">
@@ -21693,7 +22518,7 @@
                     </a:ext>
                   </a:extLst>
                 </a:tr>
-                <a:tr h="683600">
+                <a:tr h="636843">
                   <a:tc>
                     <a:txBody>
                       <a:bodyPr/>
@@ -21717,10 +22542,10 @@
                           <a:buNone/>
                         </a:pPr>
                         <a:r>
-                          <a:rPr lang="en" sz="1400" u="none" strike="noStrike" cap="none"/>
+                          <a:rPr lang="en" sz="1800" u="none" strike="noStrike" cap="none" dirty="0"/>
                           <a:t>30%</a:t>
                         </a:r>
-                        <a:endParaRPr sz="1400" u="none" strike="noStrike" cap="none"/>
+                        <a:endParaRPr sz="1800" u="none" strike="noStrike" cap="none" dirty="0"/>
                       </a:p>
                     </a:txBody>
                     <a:tcPr marL="114300" marR="114300" marT="91425" marB="91425" anchor="ctr">
@@ -21776,7 +22601,7 @@
                     </a:ext>
                   </a:extLst>
                 </a:tr>
-                <a:tr h="480250">
+                <a:tr h="485214">
                   <a:tc>
                     <a:txBody>
                       <a:bodyPr/>
@@ -21800,10 +22625,10 @@
                           <a:buNone/>
                         </a:pPr>
                         <a:r>
-                          <a:rPr lang="en" sz="1400" u="none" strike="noStrike" cap="none"/>
+                          <a:rPr lang="en" sz="1800" u="none" strike="noStrike" cap="none"/>
                           <a:t>10%</a:t>
                         </a:r>
-                        <a:endParaRPr sz="1400" u="none" strike="noStrike" cap="none"/>
+                        <a:endParaRPr sz="1800" u="none" strike="noStrike" cap="none"/>
                       </a:p>
                     </a:txBody>
                     <a:tcPr marL="114300" marR="114300" marT="91425" marB="91425">
@@ -21859,7 +22684,7 @@
                     </a:ext>
                   </a:extLst>
                 </a:tr>
-                <a:tr h="505600">
+                <a:tr h="485214">
                   <a:tc>
                     <a:txBody>
                       <a:bodyPr/>
@@ -21882,7 +22707,7 @@
                           <a:buFont typeface="Arial"/>
                           <a:buNone/>
                         </a:pPr>
-                        <a:endParaRPr sz="1400" u="none" strike="noStrike" cap="none"/>
+                        <a:endParaRPr sz="1800" u="none" strike="noStrike" cap="none"/>
                       </a:p>
                     </a:txBody>
                     <a:tcPr marL="114300" marR="114300" marT="91425" marB="91425">
@@ -21938,7 +22763,7 @@
                     </a:ext>
                   </a:extLst>
                 </a:tr>
-                <a:tr h="704850">
+                <a:tr h="656641">
                   <a:tc>
                     <a:txBody>
                       <a:bodyPr/>
@@ -21962,10 +22787,10 @@
                           <a:buNone/>
                         </a:pPr>
                         <a:r>
-                          <a:rPr lang="en" sz="1400" u="none" strike="noStrike" cap="none"/>
+                          <a:rPr lang="en" sz="1800" u="none" strike="noStrike" cap="none"/>
                           <a:t>2.5% </a:t>
                         </a:r>
-                        <a:endParaRPr sz="1400" u="none" strike="noStrike" cap="none"/>
+                        <a:endParaRPr sz="1800" u="none" strike="noStrike" cap="none"/>
                       </a:p>
                     </a:txBody>
                     <a:tcPr marL="114300" marR="114300" marT="91425" marB="91425">
@@ -22021,7 +22846,7 @@
                     </a:ext>
                   </a:extLst>
                 </a:tr>
-                <a:tr h="979300">
+                <a:tr h="912319">
                   <a:tc>
                     <a:txBody>
                       <a:bodyPr/>
@@ -22045,10 +22870,10 @@
                           <a:buNone/>
                         </a:pPr>
                         <a:r>
-                          <a:rPr lang="en" sz="1400" u="none" strike="noStrike" cap="none"/>
+                          <a:rPr lang="en" sz="1800" u="none" strike="noStrike" cap="none" dirty="0"/>
                           <a:t>0%</a:t>
                         </a:r>
-                        <a:endParaRPr sz="1400" u="none" strike="noStrike" cap="none"/>
+                        <a:endParaRPr sz="1800" u="none" strike="noStrike" cap="none" dirty="0"/>
                       </a:p>
                     </a:txBody>
                     <a:tcPr marL="114300" marR="114300" marT="91425" marB="91425">
@@ -22115,9 +22940,9 @@
             <p:nvPr/>
           </p:nvSpPr>
           <p:spPr>
-            <a:xfrm rot="-5400000">
-              <a:off x="-953636" y="7409375"/>
-              <a:ext cx="3431148" cy="695773"/>
+            <a:xfrm rot="16200000">
+              <a:off x="-1060342" y="7068316"/>
+              <a:ext cx="3352670" cy="809374"/>
             </a:xfrm>
             <a:prstGeom prst="rect">
               <a:avLst/>
@@ -22133,84 +22958,17 @@
             </a:bodyPr>
             <a:lstStyle/>
             <a:p>
-              <a:pPr marL="0" marR="0" lvl="0" indent="0" algn="ctr" rtl="0">
+              <a:pPr algn="ctr">
                 <a:lnSpc>
                   <a:spcPct val="90000"/>
                 </a:lnSpc>
-                <a:spcBef>
-                  <a:spcPts val="0"/>
-                </a:spcBef>
-                <a:spcAft>
-                  <a:spcPts val="0"/>
-                </a:spcAft>
-                <a:buClr>
-                  <a:srgbClr val="000000"/>
-                </a:buClr>
                 <a:buSzPts val="2400"/>
-                <a:buFont typeface="Arial"/>
-                <a:buNone/>
               </a:pPr>
               <a:r>
-                <a:rPr lang="en" sz="1700" b="0" i="0" u="none" strike="noStrike" cap="none" dirty="0">
-                  <a:solidFill>
-                    <a:srgbClr val="000000"/>
-                  </a:solidFill>
-                  <a:latin typeface="Arial"/>
-                  <a:ea typeface="Arial"/>
-                  <a:cs typeface="Arial"/>
-                  <a:sym typeface="Arial"/>
-                </a:rPr>
-                <a:t>Mitochondrial chromosome</a:t>
+                <a:rPr lang="en-US" sz="2000" dirty="0"/>
+                <a:t>Reads mapped to MT chromosome</a:t>
               </a:r>
-              <a:endParaRPr sz="1400" b="0" i="0" u="none" strike="noStrike" cap="none" dirty="0">
-                <a:solidFill>
-                  <a:srgbClr val="000000"/>
-                </a:solidFill>
-                <a:latin typeface="Arial"/>
-                <a:ea typeface="Arial"/>
-                <a:cs typeface="Arial"/>
-                <a:sym typeface="Arial"/>
-              </a:endParaRPr>
-            </a:p>
-            <a:p>
-              <a:pPr marL="0" marR="0" lvl="0" indent="0" algn="ctr" rtl="0">
-                <a:lnSpc>
-                  <a:spcPct val="90000"/>
-                </a:lnSpc>
-                <a:spcBef>
-                  <a:spcPts val="0"/>
-                </a:spcBef>
-                <a:spcAft>
-                  <a:spcPts val="0"/>
-                </a:spcAft>
-                <a:buClr>
-                  <a:srgbClr val="000000"/>
-                </a:buClr>
-                <a:buSzPts val="2400"/>
-                <a:buFont typeface="Arial"/>
-                <a:buNone/>
-              </a:pPr>
-              <a:r>
-                <a:rPr lang="en" sz="1700" b="0" i="0" u="none" strike="noStrike" cap="none" dirty="0">
-                  <a:solidFill>
-                    <a:srgbClr val="000000"/>
-                  </a:solidFill>
-                  <a:latin typeface="Arial"/>
-                  <a:ea typeface="Arial"/>
-                  <a:cs typeface="Arial"/>
-                  <a:sym typeface="Arial"/>
-                </a:rPr>
-                <a:t>mapped reads</a:t>
-              </a:r>
-              <a:endParaRPr sz="1700" b="0" i="0" u="none" strike="noStrike" cap="none" dirty="0">
-                <a:solidFill>
-                  <a:srgbClr val="000000"/>
-                </a:solidFill>
-                <a:latin typeface="Arial"/>
-                <a:ea typeface="Arial"/>
-                <a:cs typeface="Arial"/>
-                <a:sym typeface="Arial"/>
-              </a:endParaRPr>
+              <a:endParaRPr sz="2000" dirty="0"/>
             </a:p>
           </p:txBody>
         </p:sp>
@@ -22221,9 +22979,9 @@
             <p:nvPr/>
           </p:nvSpPr>
           <p:spPr>
-            <a:xfrm rot="-3190130">
-              <a:off x="1594049" y="9253090"/>
-              <a:ext cx="976380" cy="471060"/>
+            <a:xfrm rot="18409870">
+              <a:off x="1594049" y="9243848"/>
+              <a:ext cx="976380" cy="489544"/>
             </a:xfrm>
             <a:prstGeom prst="rect">
               <a:avLst/>
@@ -22239,44 +22997,14 @@
             </a:bodyPr>
             <a:lstStyle/>
             <a:p>
-              <a:pPr marL="0" marR="0" lvl="0" indent="0" algn="r" rtl="0">
-                <a:lnSpc>
-                  <a:spcPct val="100000"/>
-                </a:lnSpc>
-                <a:spcBef>
-                  <a:spcPts val="0"/>
-                </a:spcBef>
-                <a:spcAft>
-                  <a:spcPts val="0"/>
-                </a:spcAft>
-                <a:buClr>
-                  <a:srgbClr val="000000"/>
-                </a:buClr>
+              <a:pPr algn="r">
                 <a:buSzPts val="1700"/>
-                <a:buFont typeface="Arial"/>
-                <a:buNone/>
               </a:pPr>
               <a:r>
-                <a:rPr lang="en" sz="1600" b="0" i="0" u="none" strike="noStrike" cap="none">
-                  <a:solidFill>
-                    <a:srgbClr val="000000"/>
-                  </a:solidFill>
-                  <a:latin typeface="Arial"/>
-                  <a:ea typeface="Arial"/>
-                  <a:cs typeface="Arial"/>
-                  <a:sym typeface="Arial"/>
-                </a:rPr>
+                <a:rPr lang="en" sz="1600"/>
                 <a:t>MT-A</a:t>
               </a:r>
-              <a:endParaRPr sz="1600" b="0" i="0" u="none" strike="noStrike" cap="none">
-                <a:solidFill>
-                  <a:srgbClr val="000000"/>
-                </a:solidFill>
-                <a:latin typeface="Arial"/>
-                <a:ea typeface="Arial"/>
-                <a:cs typeface="Arial"/>
-                <a:sym typeface="Arial"/>
-              </a:endParaRPr>
+              <a:endParaRPr sz="1600"/>
             </a:p>
           </p:txBody>
         </p:sp>
@@ -22287,9 +23015,9 @@
             <p:nvPr/>
           </p:nvSpPr>
           <p:spPr>
-            <a:xfrm rot="-3190130">
-              <a:off x="2078146" y="9273543"/>
-              <a:ext cx="976380" cy="471060"/>
+            <a:xfrm rot="18409870">
+              <a:off x="2078146" y="9264301"/>
+              <a:ext cx="976380" cy="489544"/>
             </a:xfrm>
             <a:prstGeom prst="rect">
               <a:avLst/>
@@ -22305,44 +23033,14 @@
             </a:bodyPr>
             <a:lstStyle/>
             <a:p>
-              <a:pPr marL="0" marR="0" lvl="0" indent="0" algn="r" rtl="0">
-                <a:lnSpc>
-                  <a:spcPct val="100000"/>
-                </a:lnSpc>
-                <a:spcBef>
-                  <a:spcPts val="0"/>
-                </a:spcBef>
-                <a:spcAft>
-                  <a:spcPts val="0"/>
-                </a:spcAft>
-                <a:buClr>
-                  <a:srgbClr val="000000"/>
-                </a:buClr>
+              <a:pPr algn="r">
                 <a:buSzPts val="1700"/>
-                <a:buFont typeface="Arial"/>
-                <a:buNone/>
               </a:pPr>
               <a:r>
-                <a:rPr lang="en" sz="1600" b="0" i="0" u="none" strike="noStrike" cap="none">
-                  <a:solidFill>
-                    <a:srgbClr val="000000"/>
-                  </a:solidFill>
-                  <a:latin typeface="Arial"/>
-                  <a:ea typeface="Arial"/>
-                  <a:cs typeface="Arial"/>
-                  <a:sym typeface="Arial"/>
-                </a:rPr>
+                <a:rPr lang="en" sz="1600"/>
                 <a:t>MT-B</a:t>
               </a:r>
-              <a:endParaRPr sz="1600" b="0" i="0" u="none" strike="noStrike" cap="none">
-                <a:solidFill>
-                  <a:srgbClr val="000000"/>
-                </a:solidFill>
-                <a:latin typeface="Arial"/>
-                <a:ea typeface="Arial"/>
-                <a:cs typeface="Arial"/>
-                <a:sym typeface="Arial"/>
-              </a:endParaRPr>
+              <a:endParaRPr sz="1600"/>
             </a:p>
           </p:txBody>
         </p:sp>
@@ -22353,9 +23051,9 @@
             <p:nvPr/>
           </p:nvSpPr>
           <p:spPr>
-            <a:xfrm rot="-3327913">
-              <a:off x="2270462" y="9405410"/>
-              <a:ext cx="1281164" cy="471326"/>
+            <a:xfrm rot="18272087">
+              <a:off x="2270462" y="9396301"/>
+              <a:ext cx="1281164" cy="489544"/>
             </a:xfrm>
             <a:prstGeom prst="rect">
               <a:avLst/>
@@ -22371,44 +23069,14 @@
             </a:bodyPr>
             <a:lstStyle/>
             <a:p>
-              <a:pPr marL="0" marR="0" lvl="0" indent="0" algn="r" rtl="0">
-                <a:lnSpc>
-                  <a:spcPct val="100000"/>
-                </a:lnSpc>
-                <a:spcBef>
-                  <a:spcPts val="0"/>
-                </a:spcBef>
-                <a:spcAft>
-                  <a:spcPts val="0"/>
-                </a:spcAft>
-                <a:buClr>
-                  <a:srgbClr val="000000"/>
-                </a:buClr>
+              <a:pPr algn="r">
                 <a:buSzPts val="1700"/>
-                <a:buFont typeface="Arial"/>
-                <a:buNone/>
               </a:pPr>
               <a:r>
-                <a:rPr lang="en" sz="1600" b="0" i="0" u="none" strike="noStrike" cap="none" dirty="0">
-                  <a:solidFill>
-                    <a:srgbClr val="000000"/>
-                  </a:solidFill>
-                  <a:latin typeface="Arial"/>
-                  <a:ea typeface="Arial"/>
-                  <a:cs typeface="Arial"/>
-                  <a:sym typeface="Arial"/>
-                </a:rPr>
+                <a:rPr lang="en" sz="1600" dirty="0"/>
                 <a:t>MT-C</a:t>
               </a:r>
-              <a:endParaRPr sz="1600" b="0" i="0" u="none" strike="noStrike" cap="none" dirty="0">
-                <a:solidFill>
-                  <a:srgbClr val="000000"/>
-                </a:solidFill>
-                <a:latin typeface="Arial"/>
-                <a:ea typeface="Arial"/>
-                <a:cs typeface="Arial"/>
-                <a:sym typeface="Arial"/>
-              </a:endParaRPr>
+              <a:endParaRPr sz="1600" dirty="0"/>
             </a:p>
           </p:txBody>
         </p:sp>
@@ -22419,9 +23087,9 @@
             <p:nvPr/>
           </p:nvSpPr>
           <p:spPr>
-            <a:xfrm rot="-3327913">
-              <a:off x="2739530" y="9405410"/>
-              <a:ext cx="1281164" cy="471326"/>
+            <a:xfrm rot="18272087">
+              <a:off x="2739530" y="9396301"/>
+              <a:ext cx="1281164" cy="489544"/>
             </a:xfrm>
             <a:prstGeom prst="rect">
               <a:avLst/>
@@ -22437,44 +23105,14 @@
             </a:bodyPr>
             <a:lstStyle/>
             <a:p>
-              <a:pPr marL="0" marR="0" lvl="0" indent="0" algn="r" rtl="0">
-                <a:lnSpc>
-                  <a:spcPct val="100000"/>
-                </a:lnSpc>
-                <a:spcBef>
-                  <a:spcPts val="0"/>
-                </a:spcBef>
-                <a:spcAft>
-                  <a:spcPts val="0"/>
-                </a:spcAft>
-                <a:buClr>
-                  <a:srgbClr val="000000"/>
-                </a:buClr>
+              <a:pPr algn="r">
                 <a:buSzPts val="1700"/>
-                <a:buFont typeface="Arial"/>
-                <a:buNone/>
               </a:pPr>
               <a:r>
-                <a:rPr lang="en" sz="1600" b="0" i="0" u="none" strike="noStrike" cap="none">
-                  <a:solidFill>
-                    <a:srgbClr val="000000"/>
-                  </a:solidFill>
-                  <a:latin typeface="Arial"/>
-                  <a:ea typeface="Arial"/>
-                  <a:cs typeface="Arial"/>
-                  <a:sym typeface="Arial"/>
-                </a:rPr>
+                <a:rPr lang="en" sz="1600" dirty="0"/>
                 <a:t>MT-D</a:t>
               </a:r>
-              <a:endParaRPr sz="1600" b="0" i="0" u="none" strike="noStrike" cap="none">
-                <a:solidFill>
-                  <a:srgbClr val="000000"/>
-                </a:solidFill>
-                <a:latin typeface="Arial"/>
-                <a:ea typeface="Arial"/>
-                <a:cs typeface="Arial"/>
-                <a:sym typeface="Arial"/>
-              </a:endParaRPr>
+              <a:endParaRPr sz="1600" dirty="0"/>
             </a:p>
           </p:txBody>
         </p:sp>
@@ -22485,9 +23123,9 @@
             <p:nvPr/>
           </p:nvSpPr>
           <p:spPr>
-            <a:xfrm rot="-3189978">
-              <a:off x="226847" y="9689960"/>
-              <a:ext cx="2089260" cy="471060"/>
+            <a:xfrm rot="18410022">
+              <a:off x="226847" y="9680718"/>
+              <a:ext cx="2089260" cy="489544"/>
             </a:xfrm>
             <a:prstGeom prst="rect">
               <a:avLst/>
@@ -22503,176 +23141,14 @@
             </a:bodyPr>
             <a:lstStyle/>
             <a:p>
-              <a:pPr marL="0" marR="0" lvl="0" indent="0" algn="r" rtl="0">
-                <a:lnSpc>
-                  <a:spcPct val="100000"/>
-                </a:lnSpc>
-                <a:spcBef>
-                  <a:spcPts val="0"/>
-                </a:spcBef>
-                <a:spcAft>
-                  <a:spcPts val="0"/>
-                </a:spcAft>
-                <a:buClr>
-                  <a:srgbClr val="000000"/>
-                </a:buClr>
+              <a:pPr algn="r">
                 <a:buSzPts val="1700"/>
-                <a:buFont typeface="Arial"/>
-                <a:buNone/>
               </a:pPr>
               <a:r>
-                <a:rPr lang="en" sz="1600" b="0" i="0" u="none" strike="noStrike" cap="none" dirty="0">
-                  <a:solidFill>
-                    <a:srgbClr val="000000"/>
-                  </a:solidFill>
-                  <a:latin typeface="Arial"/>
-                  <a:ea typeface="Arial"/>
-                  <a:cs typeface="Arial"/>
-                  <a:sym typeface="Arial"/>
-                </a:rPr>
+                <a:rPr lang="en" sz="1600" dirty="0"/>
                 <a:t>MT RNAseq</a:t>
               </a:r>
-              <a:endParaRPr sz="1600" b="0" i="0" u="none" strike="noStrike" cap="none" dirty="0">
-                <a:solidFill>
-                  <a:srgbClr val="000000"/>
-                </a:solidFill>
-                <a:latin typeface="Arial"/>
-                <a:ea typeface="Arial"/>
-                <a:cs typeface="Arial"/>
-                <a:sym typeface="Arial"/>
-              </a:endParaRPr>
-            </a:p>
-          </p:txBody>
-        </p:sp>
-        <p:sp>
-          <p:nvSpPr>
-            <p:cNvPr id="183" name="Google Shape;183;p1"/>
-            <p:cNvSpPr txBox="1"/>
-            <p:nvPr/>
-          </p:nvSpPr>
-          <p:spPr>
-            <a:xfrm rot="-3190002">
-              <a:off x="2473956" y="9696106"/>
-              <a:ext cx="2160840" cy="471240"/>
-            </a:xfrm>
-            <a:prstGeom prst="rect">
-              <a:avLst/>
-            </a:prstGeom>
-            <a:noFill/>
-            <a:ln>
-              <a:noFill/>
-            </a:ln>
-          </p:spPr>
-          <p:txBody>
-            <a:bodyPr spcFirstLastPara="1" wrap="square" lIns="111350" tIns="111350" rIns="111350" bIns="111350" anchor="t" anchorCtr="0">
-              <a:spAutoFit/>
-            </a:bodyPr>
-            <a:lstStyle/>
-            <a:p>
-              <a:pPr marL="0" marR="0" lvl="0" indent="0" algn="r" rtl="0">
-                <a:lnSpc>
-                  <a:spcPct val="100000"/>
-                </a:lnSpc>
-                <a:spcBef>
-                  <a:spcPts val="0"/>
-                </a:spcBef>
-                <a:spcAft>
-                  <a:spcPts val="0"/>
-                </a:spcAft>
-                <a:buClr>
-                  <a:srgbClr val="000000"/>
-                </a:buClr>
-                <a:buSzPts val="1700"/>
-                <a:buFont typeface="Arial"/>
-                <a:buNone/>
-              </a:pPr>
-              <a:r>
-                <a:rPr lang="en" sz="1600" b="0" i="0" u="none" strike="noStrike" cap="none">
-                  <a:solidFill>
-                    <a:srgbClr val="000000"/>
-                  </a:solidFill>
-                  <a:latin typeface="Arial"/>
-                  <a:ea typeface="Arial"/>
-                  <a:cs typeface="Arial"/>
-                  <a:sym typeface="Arial"/>
-                </a:rPr>
-                <a:t>Total RNAseq</a:t>
-              </a:r>
-              <a:endParaRPr sz="1600" b="0" i="0" u="none" strike="noStrike" cap="none">
-                <a:solidFill>
-                  <a:srgbClr val="000000"/>
-                </a:solidFill>
-                <a:latin typeface="Arial"/>
-                <a:ea typeface="Arial"/>
-                <a:cs typeface="Arial"/>
-                <a:sym typeface="Arial"/>
-              </a:endParaRPr>
-            </a:p>
-          </p:txBody>
-        </p:sp>
-        <p:sp>
-          <p:nvSpPr>
-            <p:cNvPr id="184" name="Google Shape;184;p1"/>
-            <p:cNvSpPr txBox="1"/>
-            <p:nvPr/>
-          </p:nvSpPr>
-          <p:spPr>
-            <a:xfrm rot="-3190002">
-              <a:off x="3380068" y="9704278"/>
-              <a:ext cx="2160840" cy="471240"/>
-            </a:xfrm>
-            <a:prstGeom prst="rect">
-              <a:avLst/>
-            </a:prstGeom>
-            <a:noFill/>
-            <a:ln>
-              <a:noFill/>
-            </a:ln>
-          </p:spPr>
-          <p:txBody>
-            <a:bodyPr spcFirstLastPara="1" wrap="square" lIns="111350" tIns="111350" rIns="111350" bIns="111350" anchor="t" anchorCtr="0">
-              <a:spAutoFit/>
-            </a:bodyPr>
-            <a:lstStyle/>
-            <a:p>
-              <a:pPr marL="0" marR="0" lvl="0" indent="0" algn="r" rtl="0">
-                <a:lnSpc>
-                  <a:spcPct val="100000"/>
-                </a:lnSpc>
-                <a:spcBef>
-                  <a:spcPts val="0"/>
-                </a:spcBef>
-                <a:spcAft>
-                  <a:spcPts val="0"/>
-                </a:spcAft>
-                <a:buClr>
-                  <a:srgbClr val="000000"/>
-                </a:buClr>
-                <a:buSzPts val="1700"/>
-                <a:buFont typeface="Arial"/>
-                <a:buNone/>
-              </a:pPr>
-              <a:r>
-                <a:rPr lang="en" sz="1600" b="0" i="0" u="none" strike="noStrike" cap="none">
-                  <a:solidFill>
-                    <a:srgbClr val="000000"/>
-                  </a:solidFill>
-                  <a:latin typeface="Arial"/>
-                  <a:ea typeface="Arial"/>
-                  <a:cs typeface="Arial"/>
-                  <a:sym typeface="Arial"/>
-                </a:rPr>
-                <a:t>Poly RNAseq</a:t>
-              </a:r>
-              <a:endParaRPr sz="1600" b="0" i="0" u="none" strike="noStrike" cap="none">
-                <a:solidFill>
-                  <a:srgbClr val="000000"/>
-                </a:solidFill>
-                <a:latin typeface="Arial"/>
-                <a:ea typeface="Arial"/>
-                <a:cs typeface="Arial"/>
-                <a:sym typeface="Arial"/>
-              </a:endParaRPr>
+              <a:endParaRPr sz="1600" dirty="0"/>
             </a:p>
           </p:txBody>
         </p:sp>
@@ -22709,31 +23185,13 @@
             </a:bodyPr>
             <a:lstStyle/>
             <a:p>
-              <a:pPr marL="0" marR="0" lvl="0" indent="0" algn="ctr" rtl="0">
-                <a:lnSpc>
-                  <a:spcPct val="100000"/>
-                </a:lnSpc>
-                <a:spcBef>
-                  <a:spcPts val="0"/>
-                </a:spcBef>
-                <a:spcAft>
-                  <a:spcPts val="0"/>
-                </a:spcAft>
-                <a:buClr>
-                  <a:srgbClr val="000000"/>
-                </a:buClr>
+              <a:pPr algn="ctr">
                 <a:buSzPts val="1400"/>
-                <a:buFont typeface="Arial"/>
-                <a:buNone/>
               </a:pPr>
-              <a:endParaRPr sz="1400" b="0" i="0" u="none" strike="noStrike" cap="none">
+              <a:endParaRPr>
                 <a:solidFill>
                   <a:srgbClr val="FFFFFF"/>
                 </a:solidFill>
-                <a:latin typeface="Arial"/>
-                <a:ea typeface="Arial"/>
-                <a:cs typeface="Arial"/>
-                <a:sym typeface="Arial"/>
               </a:endParaRPr>
             </a:p>
           </p:txBody>
@@ -22746,10 +23204,10 @@
           </p:nvGrpSpPr>
           <p:grpSpPr>
             <a:xfrm>
-              <a:off x="2160525" y="6284286"/>
-              <a:ext cx="2462713" cy="706630"/>
-              <a:chOff x="12278067" y="1588583"/>
-              <a:chExt cx="2462713" cy="581158"/>
+              <a:off x="1606519" y="5618112"/>
+              <a:ext cx="3575411" cy="1372806"/>
+              <a:chOff x="11724061" y="1040697"/>
+              <a:chExt cx="3575411" cy="1129046"/>
             </a:xfrm>
           </p:grpSpPr>
           <p:grpSp>
@@ -22760,10 +23218,10 @@
             </p:nvGrpSpPr>
             <p:grpSpPr>
               <a:xfrm>
-                <a:off x="12278067" y="1588583"/>
-                <a:ext cx="1536547" cy="581158"/>
-                <a:chOff x="3852300" y="6642625"/>
-                <a:chExt cx="1477875" cy="581100"/>
+                <a:off x="11724061" y="1120392"/>
+                <a:ext cx="2090556" cy="1049351"/>
+                <a:chOff x="3319447" y="6174479"/>
+                <a:chExt cx="2010728" cy="1049246"/>
               </a:xfrm>
             </p:grpSpPr>
             <p:sp>
@@ -22799,32 +23257,10 @@
                 </a:bodyPr>
                 <a:lstStyle/>
                 <a:p>
-                  <a:pPr marL="0" marR="0" lvl="0" indent="0" algn="l" rtl="0">
-                    <a:lnSpc>
-                      <a:spcPct val="100000"/>
-                    </a:lnSpc>
-                    <a:spcBef>
-                      <a:spcPts val="0"/>
-                    </a:spcBef>
-                    <a:spcAft>
-                      <a:spcPts val="0"/>
-                    </a:spcAft>
-                    <a:buClr>
-                      <a:srgbClr val="000000"/>
-                    </a:buClr>
+                  <a:pPr>
                     <a:buSzPts val="1400"/>
-                    <a:buFont typeface="Arial"/>
-                    <a:buNone/>
                   </a:pPr>
-                  <a:endParaRPr sz="1400" b="0" i="0" u="none" strike="noStrike" cap="none">
-                    <a:solidFill>
-                      <a:srgbClr val="000000"/>
-                    </a:solidFill>
-                    <a:latin typeface="Arial"/>
-                    <a:ea typeface="Arial"/>
-                    <a:cs typeface="Arial"/>
-                    <a:sym typeface="Arial"/>
-                  </a:endParaRPr>
+                  <a:endParaRPr/>
                 </a:p>
               </p:txBody>
             </p:sp>
@@ -22835,7 +23271,7 @@
                 <p:nvPr/>
               </p:nvPicPr>
               <p:blipFill rotWithShape="1">
-                <a:blip r:embed="rId5">
+                <a:blip r:embed="rId12">
                   <a:alphaModFix/>
                 </a:blip>
                 <a:srcRect l="10241" t="7753" r="83743" b="83353"/>
@@ -22843,7 +23279,7 @@
               </p:blipFill>
               <p:spPr>
                 <a:xfrm>
-                  <a:off x="3852300" y="6742854"/>
+                  <a:off x="3319447" y="6174479"/>
                   <a:ext cx="524918" cy="473825"/>
                 </a:xfrm>
                 <a:prstGeom prst="rect">
@@ -22864,8 +23300,8 @@
             </p:nvSpPr>
             <p:spPr>
               <a:xfrm>
-                <a:off x="12765582" y="1610589"/>
-                <a:ext cx="1962000" cy="315300"/>
+                <a:off x="12181920" y="1040697"/>
+                <a:ext cx="3104356" cy="391125"/>
               </a:xfrm>
               <a:prstGeom prst="rect">
                 <a:avLst/>
@@ -22881,28 +23317,11 @@
               </a:bodyPr>
               <a:lstStyle/>
               <a:p>
-                <a:pPr marL="0" marR="0" lvl="0" indent="0" algn="l" rtl="0">
-                  <a:lnSpc>
-                    <a:spcPct val="100000"/>
-                  </a:lnSpc>
-                  <a:spcBef>
-                    <a:spcPts val="0"/>
-                  </a:spcBef>
-                  <a:spcAft>
-                    <a:spcPts val="0"/>
-                  </a:spcAft>
-                  <a:buClr>
-                    <a:srgbClr val="000000"/>
-                  </a:buClr>
+                <a:pPr>
                   <a:buSzPts val="900"/>
-                  <a:buFont typeface="Arial"/>
-                  <a:buNone/>
                 </a:pPr>
                 <a:r>
-                  <a:rPr lang="en" sz="1200" b="0" i="0" u="none" strike="noStrike" cap="none">
-                    <a:solidFill>
-                      <a:srgbClr val="000000"/>
-                    </a:solidFill>
+                  <a:rPr lang="en" sz="1800" dirty="0">
                     <a:latin typeface="Calibri"/>
                     <a:ea typeface="Calibri"/>
                     <a:cs typeface="Calibri"/>
@@ -22910,10 +23329,7 @@
                   </a:rPr>
                   <a:t>meRanGh (Genome)</a:t>
                 </a:r>
-                <a:endParaRPr sz="1200" b="0" i="0" u="none" strike="noStrike" cap="none">
-                  <a:solidFill>
-                    <a:srgbClr val="000000"/>
-                  </a:solidFill>
+                <a:endParaRPr sz="1800" dirty="0">
                   <a:latin typeface="Calibri"/>
                   <a:ea typeface="Calibri"/>
                   <a:cs typeface="Calibri"/>
@@ -22930,8 +23346,8 @@
             </p:nvSpPr>
             <p:spPr>
               <a:xfrm>
-                <a:off x="12778780" y="1846074"/>
-                <a:ext cx="1962000" cy="315300"/>
+                <a:off x="12195116" y="1276180"/>
+                <a:ext cx="3104356" cy="391125"/>
               </a:xfrm>
               <a:prstGeom prst="rect">
                 <a:avLst/>
@@ -22947,28 +23363,11 @@
               </a:bodyPr>
               <a:lstStyle/>
               <a:p>
-                <a:pPr marL="0" marR="0" lvl="0" indent="0" algn="l" rtl="0">
-                  <a:lnSpc>
-                    <a:spcPct val="100000"/>
-                  </a:lnSpc>
-                  <a:spcBef>
-                    <a:spcPts val="0"/>
-                  </a:spcBef>
-                  <a:spcAft>
-                    <a:spcPts val="0"/>
-                  </a:spcAft>
-                  <a:buClr>
-                    <a:srgbClr val="000000"/>
-                  </a:buClr>
+                <a:pPr>
                   <a:buSzPts val="900"/>
-                  <a:buFont typeface="Arial"/>
-                  <a:buNone/>
                 </a:pPr>
                 <a:r>
-                  <a:rPr lang="en" sz="1200" b="0" i="0" u="none" strike="noStrike" cap="none">
-                    <a:solidFill>
-                      <a:srgbClr val="000000"/>
-                    </a:solidFill>
+                  <a:rPr lang="en" sz="1800" dirty="0">
                     <a:latin typeface="Calibri"/>
                     <a:ea typeface="Calibri"/>
                     <a:cs typeface="Calibri"/>
@@ -22976,10 +23375,7 @@
                   </a:rPr>
                   <a:t>meRanT (Transcriptome)</a:t>
                 </a:r>
-                <a:endParaRPr sz="1200" b="0" i="0" u="none" strike="noStrike" cap="none">
-                  <a:solidFill>
-                    <a:srgbClr val="000000"/>
-                  </a:solidFill>
+                <a:endParaRPr sz="1800" dirty="0">
                   <a:latin typeface="Calibri"/>
                   <a:ea typeface="Calibri"/>
                   <a:cs typeface="Calibri"/>
@@ -23063,7 +23459,7 @@
             <p:nvPr/>
           </p:nvPicPr>
           <p:blipFill rotWithShape="1">
-            <a:blip r:embed="rId4">
+            <a:blip r:embed="rId11">
               <a:alphaModFix/>
             </a:blip>
             <a:srcRect l="57436" t="56078" r="38084" b="40068"/>
@@ -23091,8 +23487,8 @@
           </p:nvSpPr>
           <p:spPr>
             <a:xfrm>
-              <a:off x="239019" y="5652301"/>
-              <a:ext cx="606600" cy="389386"/>
+              <a:off x="115565" y="5293484"/>
+              <a:ext cx="606600" cy="481719"/>
             </a:xfrm>
             <a:prstGeom prst="rect">
               <a:avLst/>
@@ -23108,36 +23504,14 @@
             </a:bodyPr>
             <a:lstStyle/>
             <a:p>
-              <a:pPr marL="0" marR="0" lvl="0" indent="0" algn="l" rtl="0">
-                <a:lnSpc>
-                  <a:spcPct val="100000"/>
-                </a:lnSpc>
-                <a:spcBef>
-                  <a:spcPts val="0"/>
-                </a:spcBef>
-                <a:spcAft>
-                  <a:spcPts val="0"/>
-                </a:spcAft>
-                <a:buClr>
-                  <a:srgbClr val="000000"/>
-                </a:buClr>
+              <a:pPr>
                 <a:buSzPts val="1700"/>
-                <a:buFont typeface="Arial"/>
-                <a:buNone/>
               </a:pPr>
               <a:r>
-                <a:rPr lang="en" sz="1800" b="1" dirty="0"/>
+                <a:rPr lang="en" sz="2400" b="1" dirty="0"/>
                 <a:t>D</a:t>
               </a:r>
-              <a:endParaRPr sz="1800" b="0" i="0" u="none" strike="noStrike" cap="none" dirty="0">
-                <a:solidFill>
-                  <a:srgbClr val="000000"/>
-                </a:solidFill>
-                <a:latin typeface="Arial"/>
-                <a:ea typeface="Arial"/>
-                <a:cs typeface="Arial"/>
-                <a:sym typeface="Arial"/>
-              </a:endParaRPr>
+              <a:endParaRPr sz="2400" dirty="0"/>
             </a:p>
           </p:txBody>
         </p:sp>
@@ -23156,10 +23530,10 @@
         </p:nvGrpSpPr>
         <p:grpSpPr>
           <a:xfrm>
-            <a:off x="5572333" y="380200"/>
-            <a:ext cx="5400467" cy="4075075"/>
-            <a:chOff x="271364" y="40736"/>
-            <a:chExt cx="6555509" cy="5169992"/>
+            <a:off x="4469486" y="6246937"/>
+            <a:ext cx="6818765" cy="4141923"/>
+            <a:chOff x="570733" y="-22382"/>
+            <a:chExt cx="8277148" cy="5254801"/>
           </a:xfrm>
         </p:grpSpPr>
         <p:sp>
@@ -23176,8 +23550,8 @@
           </p:nvSpPr>
           <p:spPr>
             <a:xfrm>
-              <a:off x="271364" y="392336"/>
-              <a:ext cx="606600" cy="389386"/>
+              <a:off x="570733" y="-22382"/>
+              <a:ext cx="606600" cy="611150"/>
             </a:xfrm>
             <a:prstGeom prst="rect">
               <a:avLst/>
@@ -23193,36 +23567,14 @@
             </a:bodyPr>
             <a:lstStyle/>
             <a:p>
-              <a:pPr marL="0" marR="0" lvl="0" indent="0" algn="l" rtl="0">
-                <a:lnSpc>
-                  <a:spcPct val="100000"/>
-                </a:lnSpc>
-                <a:spcBef>
-                  <a:spcPts val="0"/>
-                </a:spcBef>
-                <a:spcAft>
-                  <a:spcPts val="0"/>
-                </a:spcAft>
-                <a:buClr>
-                  <a:srgbClr val="000000"/>
-                </a:buClr>
+              <a:pPr>
                 <a:buSzPts val="1700"/>
-                <a:buFont typeface="Arial"/>
-                <a:buNone/>
               </a:pPr>
               <a:r>
-                <a:rPr lang="en" sz="1800" b="1" dirty="0"/>
+                <a:rPr lang="en" sz="2400" b="1" dirty="0"/>
                 <a:t>E</a:t>
               </a:r>
-              <a:endParaRPr sz="1800" b="0" i="0" u="none" strike="noStrike" cap="none" dirty="0">
-                <a:solidFill>
-                  <a:srgbClr val="000000"/>
-                </a:solidFill>
-                <a:latin typeface="Arial"/>
-                <a:ea typeface="Arial"/>
-                <a:cs typeface="Arial"/>
-                <a:sym typeface="Arial"/>
-              </a:endParaRPr>
+              <a:endParaRPr sz="2400" dirty="0"/>
             </a:p>
           </p:txBody>
         </p:sp>
@@ -23240,10 +23592,10 @@
           </p:nvGrpSpPr>
           <p:grpSpPr>
             <a:xfrm>
-              <a:off x="522098" y="128088"/>
-              <a:ext cx="5733951" cy="5082640"/>
-              <a:chOff x="372381" y="4939567"/>
-              <a:chExt cx="5733951" cy="5082640"/>
+              <a:off x="896625" y="283236"/>
+              <a:ext cx="5819627" cy="4949183"/>
+              <a:chOff x="746908" y="5094715"/>
+              <a:chExt cx="5819627" cy="4949183"/>
             </a:xfrm>
           </p:grpSpPr>
           <p:sp>
@@ -23260,8 +23612,8 @@
             </p:nvSpPr>
             <p:spPr>
               <a:xfrm rot="16200000">
-                <a:off x="-1558020" y="7480421"/>
-                <a:ext cx="4199356" cy="338554"/>
+                <a:off x="-1204240" y="7409868"/>
+                <a:ext cx="4387981" cy="485685"/>
               </a:xfrm>
               <a:prstGeom prst="rect">
                 <a:avLst/>
@@ -23276,7 +23628,7 @@
               <a:p>
                 <a:pPr algn="ctr"/>
                 <a:r>
-                  <a:rPr lang="en-US" sz="1600" dirty="0"/>
+                  <a:rPr lang="en-US" sz="2000" dirty="0"/>
                   <a:t>Retained reads after 3C filter</a:t>
                 </a:r>
               </a:p>
@@ -23296,7 +23648,7 @@
             </p:nvSpPr>
             <p:spPr>
               <a:xfrm>
-                <a:off x="3897507" y="9592688"/>
+                <a:off x="4303754" y="9598880"/>
                 <a:ext cx="934999" cy="429519"/>
               </a:xfrm>
               <a:prstGeom prst="rect">
@@ -23332,8 +23684,8 @@
             </p:nvSpPr>
             <p:spPr>
               <a:xfrm>
-                <a:off x="5038133" y="9592687"/>
-                <a:ext cx="964792" cy="429519"/>
+                <a:off x="5452086" y="9598880"/>
+                <a:ext cx="964791" cy="429519"/>
               </a:xfrm>
               <a:prstGeom prst="rect">
                 <a:avLst/>
@@ -23368,8 +23720,8 @@
             </p:nvSpPr>
             <p:spPr>
               <a:xfrm>
-                <a:off x="1558890" y="9608186"/>
-                <a:ext cx="828276" cy="338554"/>
+                <a:off x="2019093" y="9614379"/>
+                <a:ext cx="828276" cy="429519"/>
               </a:xfrm>
               <a:prstGeom prst="rect">
                 <a:avLst/>
@@ -23404,8 +23756,8 @@
             </p:nvSpPr>
             <p:spPr>
               <a:xfrm>
-                <a:off x="2684019" y="9592687"/>
-                <a:ext cx="828276" cy="338554"/>
+                <a:off x="3159638" y="9598880"/>
+                <a:ext cx="828276" cy="429519"/>
               </a:xfrm>
               <a:prstGeom prst="rect">
                 <a:avLst/>
@@ -23441,13 +23793,13 @@
               <p:nvPr/>
             </p:nvPicPr>
             <p:blipFill rotWithShape="1">
-              <a:blip r:embed="rId6"/>
+              <a:blip r:embed="rId13"/>
               <a:srcRect l="4508" r="24829" b="17882"/>
               <a:stretch/>
             </p:blipFill>
             <p:spPr>
               <a:xfrm>
-                <a:off x="829715" y="5617259"/>
+                <a:off x="1289918" y="5623452"/>
                 <a:ext cx="5276617" cy="3990927"/>
               </a:xfrm>
               <a:prstGeom prst="rect">
@@ -23470,14 +23822,14 @@
               <p:nvPr/>
             </p:nvPicPr>
             <p:blipFill rotWithShape="1">
-              <a:blip r:embed="rId6"/>
+              <a:blip r:embed="rId13"/>
               <a:srcRect l="79034" t="6990" r="14554" b="77897"/>
               <a:stretch/>
             </p:blipFill>
             <p:spPr>
               <a:xfrm>
-                <a:off x="3832841" y="4939567"/>
-                <a:ext cx="478801" cy="734371"/>
+                <a:off x="5919999" y="5094715"/>
+                <a:ext cx="478801" cy="844869"/>
               </a:xfrm>
               <a:prstGeom prst="rect">
                 <a:avLst/>
@@ -23499,8 +23851,8 @@
           </p:nvSpPr>
           <p:spPr>
             <a:xfrm>
-              <a:off x="4461361" y="573096"/>
-              <a:ext cx="2027953" cy="338554"/>
+              <a:off x="6482367" y="753036"/>
+              <a:ext cx="2027953" cy="468566"/>
             </a:xfrm>
             <a:prstGeom prst="rect">
               <a:avLst/>
@@ -23514,7 +23866,7 @@
             <a:lstStyle/>
             <a:p>
               <a:r>
-                <a:rPr lang="en-US" sz="1600" dirty="0"/>
+                <a:rPr lang="en-US" sz="1800" dirty="0"/>
                 <a:t>Mitochondrial</a:t>
               </a:r>
             </a:p>
@@ -23534,8 +23886,8 @@
           </p:nvSpPr>
           <p:spPr>
             <a:xfrm>
-              <a:off x="4461358" y="40736"/>
-              <a:ext cx="2365515" cy="429519"/>
+              <a:off x="6482366" y="148171"/>
+              <a:ext cx="2365515" cy="468566"/>
             </a:xfrm>
             <a:prstGeom prst="rect">
               <a:avLst/>
@@ -23549,8 +23901,8 @@
             <a:lstStyle/>
             <a:p>
               <a:r>
-                <a:rPr lang="en-US" sz="1600" dirty="0"/>
-                <a:t>Non-mitochondrial</a:t>
+                <a:rPr lang="en-US" sz="1800" dirty="0"/>
+                <a:t>Nuclear</a:t>
               </a:r>
             </a:p>
           </p:txBody>
@@ -23569,8 +23921,8 @@
           </p:nvSpPr>
           <p:spPr>
             <a:xfrm>
-              <a:off x="4461361" y="306917"/>
-              <a:ext cx="2027954" cy="338554"/>
+              <a:off x="6482367" y="446576"/>
+              <a:ext cx="2027955" cy="468566"/>
             </a:xfrm>
             <a:prstGeom prst="rect">
               <a:avLst/>
@@ -23584,48 +23936,19 @@
             <a:lstStyle/>
             <a:p>
               <a:r>
-                <a:rPr lang="en-US" sz="1600" dirty="0"/>
+                <a:rPr lang="en-US" sz="1800" dirty="0"/>
                 <a:t>ERCC</a:t>
               </a:r>
             </a:p>
           </p:txBody>
         </p:sp>
       </p:grpSp>
-      <p:pic>
-        <p:nvPicPr>
-          <p:cNvPr id="80" name="Picture 79">
+      <p:grpSp>
+        <p:nvGrpSpPr>
+          <p:cNvPr id="4" name="Group 3">
             <a:extLst>
               <a:ext uri="{FF2B5EF4-FFF2-40B4-BE49-F238E27FC236}">
-                <a16:creationId xmlns:a16="http://schemas.microsoft.com/office/drawing/2014/main" id="{3E613BAA-5CB0-4C68-BE11-37C9B6C6D6C2}"/>
-              </a:ext>
-            </a:extLst>
-          </p:cNvPr>
-          <p:cNvPicPr>
-            <a:picLocks noChangeAspect="1"/>
-          </p:cNvPicPr>
-          <p:nvPr/>
-        </p:nvPicPr>
-        <p:blipFill rotWithShape="1">
-          <a:blip r:embed="rId7"/>
-          <a:srcRect l="7177" r="22562" b="7758"/>
-          <a:stretch/>
-        </p:blipFill>
-        <p:spPr>
-          <a:xfrm>
-            <a:off x="5830530" y="5948588"/>
-            <a:ext cx="3705399" cy="4402020"/>
-          </a:xfrm>
-          <a:prstGeom prst="rect">
-            <a:avLst/>
-          </a:prstGeom>
-        </p:spPr>
-      </p:pic>
-      <p:grpSp>
-        <p:nvGrpSpPr>
-          <p:cNvPr id="81" name="Group 80">
-            <a:extLst>
-              <a:ext uri="{FF2B5EF4-FFF2-40B4-BE49-F238E27FC236}">
-                <a16:creationId xmlns:a16="http://schemas.microsoft.com/office/drawing/2014/main" id="{70D44693-C41C-4070-89C2-2292036EE862}"/>
+                <a16:creationId xmlns:a16="http://schemas.microsoft.com/office/drawing/2014/main" id="{E151F9EE-1CB3-42A6-8CF7-3999BE721DBA}"/>
               </a:ext>
             </a:extLst>
           </p:cNvPr>
@@ -23634,18 +23957,47 @@
         </p:nvGrpSpPr>
         <p:grpSpPr>
           <a:xfrm>
-            <a:off x="397012" y="5764053"/>
-            <a:ext cx="4605242" cy="4910911"/>
-            <a:chOff x="270259" y="5291707"/>
-            <a:chExt cx="4605242" cy="4910911"/>
+            <a:off x="278657" y="11042751"/>
+            <a:ext cx="10790313" cy="4855845"/>
+            <a:chOff x="42795" y="11427862"/>
+            <a:chExt cx="10790313" cy="4855845"/>
           </a:xfrm>
         </p:grpSpPr>
+        <p:pic>
+          <p:nvPicPr>
+            <p:cNvPr id="80" name="Picture 79">
+              <a:extLst>
+                <a:ext uri="{FF2B5EF4-FFF2-40B4-BE49-F238E27FC236}">
+                  <a16:creationId xmlns:a16="http://schemas.microsoft.com/office/drawing/2014/main" id="{9DD9137F-A928-476A-9136-FE9E1F3591A2}"/>
+                </a:ext>
+              </a:extLst>
+            </p:cNvPr>
+            <p:cNvPicPr>
+              <a:picLocks noChangeAspect="1"/>
+            </p:cNvPicPr>
+            <p:nvPr/>
+          </p:nvPicPr>
+          <p:blipFill rotWithShape="1">
+            <a:blip r:embed="rId14"/>
+            <a:srcRect l="7177" r="22562" b="7758"/>
+            <a:stretch/>
+          </p:blipFill>
+          <p:spPr>
+            <a:xfrm>
+              <a:off x="5693206" y="12362666"/>
+              <a:ext cx="3705399" cy="3518031"/>
+            </a:xfrm>
+            <a:prstGeom prst="rect">
+              <a:avLst/>
+            </a:prstGeom>
+          </p:spPr>
+        </p:pic>
         <p:grpSp>
           <p:nvGrpSpPr>
-            <p:cNvPr id="82" name="Group 81">
+            <p:cNvPr id="81" name="Group 80">
               <a:extLst>
                 <a:ext uri="{FF2B5EF4-FFF2-40B4-BE49-F238E27FC236}">
-                  <a16:creationId xmlns:a16="http://schemas.microsoft.com/office/drawing/2014/main" id="{A1C0AB1E-7F3A-4157-AE1F-4BEA524551F1}"/>
+                  <a16:creationId xmlns:a16="http://schemas.microsoft.com/office/drawing/2014/main" id="{90417E49-D961-4298-B4D2-8C6BFC5CE149}"/>
                 </a:ext>
               </a:extLst>
             </p:cNvPr>
@@ -23654,18 +24006,290 @@
           </p:nvGrpSpPr>
           <p:grpSpPr>
             <a:xfrm>
-              <a:off x="270259" y="5291707"/>
-              <a:ext cx="4605242" cy="4910911"/>
-              <a:chOff x="270259" y="5291707"/>
-              <a:chExt cx="4605242" cy="4910911"/>
+              <a:off x="42795" y="11427862"/>
+              <a:ext cx="4822134" cy="4855845"/>
+              <a:chOff x="53367" y="4288720"/>
+              <a:chExt cx="4822134" cy="6075992"/>
             </a:xfrm>
           </p:grpSpPr>
+          <p:grpSp>
+            <p:nvGrpSpPr>
+              <p:cNvPr id="82" name="Group 81">
+                <a:extLst>
+                  <a:ext uri="{FF2B5EF4-FFF2-40B4-BE49-F238E27FC236}">
+                    <a16:creationId xmlns:a16="http://schemas.microsoft.com/office/drawing/2014/main" id="{3FB1A2F4-E161-4E78-9C6C-FAD676A74D3C}"/>
+                  </a:ext>
+                </a:extLst>
+              </p:cNvPr>
+              <p:cNvGrpSpPr/>
+              <p:nvPr/>
+            </p:nvGrpSpPr>
+            <p:grpSpPr>
+              <a:xfrm>
+                <a:off x="53367" y="4288720"/>
+                <a:ext cx="4822134" cy="6075992"/>
+                <a:chOff x="53367" y="4288720"/>
+                <a:chExt cx="4822134" cy="6075992"/>
+              </a:xfrm>
+            </p:grpSpPr>
+            <p:pic>
+              <p:nvPicPr>
+                <p:cNvPr id="84" name="Picture 83">
+                  <a:extLst>
+                    <a:ext uri="{FF2B5EF4-FFF2-40B4-BE49-F238E27FC236}">
+                      <a16:creationId xmlns:a16="http://schemas.microsoft.com/office/drawing/2014/main" id="{71C80A1F-8584-4504-AC19-03388D3A89E6}"/>
+                    </a:ext>
+                  </a:extLst>
+                </p:cNvPr>
+                <p:cNvPicPr>
+                  <a:picLocks noChangeAspect="1"/>
+                </p:cNvPicPr>
+                <p:nvPr/>
+              </p:nvPicPr>
+              <p:blipFill rotWithShape="1">
+                <a:blip r:embed="rId15"/>
+                <a:srcRect l="10339" r="24289" b="8709"/>
+                <a:stretch/>
+              </p:blipFill>
+              <p:spPr>
+                <a:xfrm>
+                  <a:off x="1396257" y="5486401"/>
+                  <a:ext cx="3479244" cy="4349578"/>
+                </a:xfrm>
+                <a:prstGeom prst="rect">
+                  <a:avLst/>
+                </a:prstGeom>
+              </p:spPr>
+            </p:pic>
+            <p:sp>
+              <p:nvSpPr>
+                <p:cNvPr id="85" name="Google Shape;196;p1">
+                  <a:extLst>
+                    <a:ext uri="{FF2B5EF4-FFF2-40B4-BE49-F238E27FC236}">
+                      <a16:creationId xmlns:a16="http://schemas.microsoft.com/office/drawing/2014/main" id="{E3392D2C-F008-420A-8956-161853359D8C}"/>
+                    </a:ext>
+                  </a:extLst>
+                </p:cNvPr>
+                <p:cNvSpPr txBox="1"/>
+                <p:nvPr/>
+              </p:nvSpPr>
+              <p:spPr>
+                <a:xfrm>
+                  <a:off x="53367" y="4288720"/>
+                  <a:ext cx="606600" cy="602762"/>
+                </a:xfrm>
+                <a:prstGeom prst="rect">
+                  <a:avLst/>
+                </a:prstGeom>
+                <a:noFill/>
+                <a:ln>
+                  <a:noFill/>
+                </a:ln>
+              </p:spPr>
+              <p:txBody>
+                <a:bodyPr spcFirstLastPara="1" wrap="square" lIns="111350" tIns="55650" rIns="111350" bIns="55650" anchor="t" anchorCtr="0">
+                  <a:spAutoFit/>
+                </a:bodyPr>
+                <a:lstStyle/>
+                <a:p>
+                  <a:pPr>
+                    <a:buSzPts val="1700"/>
+                  </a:pPr>
+                  <a:r>
+                    <a:rPr lang="en" sz="2400" b="1" dirty="0"/>
+                    <a:t>F</a:t>
+                  </a:r>
+                  <a:endParaRPr sz="2400" dirty="0"/>
+                </a:p>
+              </p:txBody>
+            </p:sp>
+            <p:sp>
+              <p:nvSpPr>
+                <p:cNvPr id="86" name="TextBox 85">
+                  <a:extLst>
+                    <a:ext uri="{FF2B5EF4-FFF2-40B4-BE49-F238E27FC236}">
+                      <a16:creationId xmlns:a16="http://schemas.microsoft.com/office/drawing/2014/main" id="{931A5329-59C1-4DD0-B39D-3E323BC211B9}"/>
+                    </a:ext>
+                  </a:extLst>
+                </p:cNvPr>
+                <p:cNvSpPr txBox="1"/>
+                <p:nvPr/>
+              </p:nvSpPr>
+              <p:spPr>
+                <a:xfrm>
+                  <a:off x="3088376" y="9860436"/>
+                  <a:ext cx="828276" cy="500647"/>
+                </a:xfrm>
+                <a:prstGeom prst="rect">
+                  <a:avLst/>
+                </a:prstGeom>
+                <a:noFill/>
+              </p:spPr>
+              <p:txBody>
+                <a:bodyPr wrap="square" rtlCol="0">
+                  <a:spAutoFit/>
+                </a:bodyPr>
+                <a:lstStyle/>
+                <a:p>
+                  <a:pPr algn="ctr"/>
+                  <a:r>
+                    <a:rPr lang="en-US" sz="2000" dirty="0"/>
+                    <a:t>MT-C</a:t>
+                  </a:r>
+                </a:p>
+              </p:txBody>
+            </p:sp>
+            <p:sp>
+              <p:nvSpPr>
+                <p:cNvPr id="87" name="TextBox 86">
+                  <a:extLst>
+                    <a:ext uri="{FF2B5EF4-FFF2-40B4-BE49-F238E27FC236}">
+                      <a16:creationId xmlns:a16="http://schemas.microsoft.com/office/drawing/2014/main" id="{DB423AF0-DD62-49FA-89B0-1811C90E2852}"/>
+                    </a:ext>
+                  </a:extLst>
+                </p:cNvPr>
+                <p:cNvSpPr txBox="1"/>
+                <p:nvPr/>
+              </p:nvSpPr>
+              <p:spPr>
+                <a:xfrm>
+                  <a:off x="3952219" y="9860436"/>
+                  <a:ext cx="828276" cy="500647"/>
+                </a:xfrm>
+                <a:prstGeom prst="rect">
+                  <a:avLst/>
+                </a:prstGeom>
+                <a:noFill/>
+              </p:spPr>
+              <p:txBody>
+                <a:bodyPr wrap="square" rtlCol="0">
+                  <a:spAutoFit/>
+                </a:bodyPr>
+                <a:lstStyle/>
+                <a:p>
+                  <a:pPr algn="ctr"/>
+                  <a:r>
+                    <a:rPr lang="en-US" sz="2000" dirty="0"/>
+                    <a:t>MT-D</a:t>
+                  </a:r>
+                </a:p>
+              </p:txBody>
+            </p:sp>
+            <p:sp>
+              <p:nvSpPr>
+                <p:cNvPr id="88" name="TextBox 87">
+                  <a:extLst>
+                    <a:ext uri="{FF2B5EF4-FFF2-40B4-BE49-F238E27FC236}">
+                      <a16:creationId xmlns:a16="http://schemas.microsoft.com/office/drawing/2014/main" id="{472E29B3-A4A0-4B91-8FF3-5B456D21625F}"/>
+                    </a:ext>
+                  </a:extLst>
+                </p:cNvPr>
+                <p:cNvSpPr txBox="1"/>
+                <p:nvPr/>
+              </p:nvSpPr>
+              <p:spPr>
+                <a:xfrm>
+                  <a:off x="1396257" y="9864065"/>
+                  <a:ext cx="828276" cy="500647"/>
+                </a:xfrm>
+                <a:prstGeom prst="rect">
+                  <a:avLst/>
+                </a:prstGeom>
+                <a:noFill/>
+              </p:spPr>
+              <p:txBody>
+                <a:bodyPr wrap="square" rtlCol="0">
+                  <a:spAutoFit/>
+                </a:bodyPr>
+                <a:lstStyle/>
+                <a:p>
+                  <a:pPr algn="ctr"/>
+                  <a:r>
+                    <a:rPr lang="en-US" sz="2000" dirty="0"/>
+                    <a:t>MT-A</a:t>
+                  </a:r>
+                </a:p>
+              </p:txBody>
+            </p:sp>
+            <p:sp>
+              <p:nvSpPr>
+                <p:cNvPr id="89" name="TextBox 88">
+                  <a:extLst>
+                    <a:ext uri="{FF2B5EF4-FFF2-40B4-BE49-F238E27FC236}">
+                      <a16:creationId xmlns:a16="http://schemas.microsoft.com/office/drawing/2014/main" id="{676FF5DE-80AA-4DA0-B5A6-DC4901486CB1}"/>
+                    </a:ext>
+                  </a:extLst>
+                </p:cNvPr>
+                <p:cNvSpPr txBox="1"/>
+                <p:nvPr/>
+              </p:nvSpPr>
+              <p:spPr>
+                <a:xfrm>
+                  <a:off x="2224533" y="9860436"/>
+                  <a:ext cx="828276" cy="500647"/>
+                </a:xfrm>
+                <a:prstGeom prst="rect">
+                  <a:avLst/>
+                </a:prstGeom>
+                <a:noFill/>
+              </p:spPr>
+              <p:txBody>
+                <a:bodyPr wrap="square" rtlCol="0">
+                  <a:spAutoFit/>
+                </a:bodyPr>
+                <a:lstStyle/>
+                <a:p>
+                  <a:pPr algn="ctr"/>
+                  <a:r>
+                    <a:rPr lang="en-US" sz="2000" dirty="0"/>
+                    <a:t>MT-B</a:t>
+                  </a:r>
+                </a:p>
+              </p:txBody>
+            </p:sp>
+            <p:sp>
+              <p:nvSpPr>
+                <p:cNvPr id="90" name="TextBox 89">
+                  <a:extLst>
+                    <a:ext uri="{FF2B5EF4-FFF2-40B4-BE49-F238E27FC236}">
+                      <a16:creationId xmlns:a16="http://schemas.microsoft.com/office/drawing/2014/main" id="{EA54FFA0-7DAE-49F2-B91F-3967E37886EC}"/>
+                    </a:ext>
+                  </a:extLst>
+                </p:cNvPr>
+                <p:cNvSpPr txBox="1"/>
+                <p:nvPr/>
+              </p:nvSpPr>
+              <p:spPr>
+                <a:xfrm rot="16200000">
+                  <a:off x="-1723801" y="7430357"/>
+                  <a:ext cx="4199357" cy="400110"/>
+                </a:xfrm>
+                <a:prstGeom prst="rect">
+                  <a:avLst/>
+                </a:prstGeom>
+                <a:noFill/>
+              </p:spPr>
+              <p:txBody>
+                <a:bodyPr wrap="square" rtlCol="0">
+                  <a:spAutoFit/>
+                </a:bodyPr>
+                <a:lstStyle/>
+                <a:p>
+                  <a:pPr algn="ctr"/>
+                  <a:r>
+                    <a:rPr lang="en-US" sz="2000" dirty="0"/>
+                    <a:t>Proportion of reads</a:t>
+                  </a:r>
+                </a:p>
+              </p:txBody>
+            </p:sp>
+          </p:grpSp>
           <p:pic>
             <p:nvPicPr>
-              <p:cNvPr id="84" name="Picture 83">
+              <p:cNvPr id="83" name="Picture 82">
                 <a:extLst>
                   <a:ext uri="{FF2B5EF4-FFF2-40B4-BE49-F238E27FC236}">
-                    <a16:creationId xmlns:a16="http://schemas.microsoft.com/office/drawing/2014/main" id="{AB4EA417-5AB1-4073-9803-9F86F1EE87DD}"/>
+                    <a16:creationId xmlns:a16="http://schemas.microsoft.com/office/drawing/2014/main" id="{F3ADA229-BFF9-4264-9290-26830A374FB1}"/>
                   </a:ext>
                 </a:extLst>
               </p:cNvPr>
@@ -23675,14 +24299,64 @@
               <p:nvPr/>
             </p:nvPicPr>
             <p:blipFill rotWithShape="1">
-              <a:blip r:embed="rId8"/>
-              <a:srcRect l="10339" r="24289" b="8709"/>
+              <a:blip r:embed="rId15"/>
+              <a:srcRect l="7460" r="88544" b="8709"/>
               <a:stretch/>
             </p:blipFill>
             <p:spPr>
               <a:xfrm>
-                <a:off x="1396257" y="5486401"/>
-                <a:ext cx="3479244" cy="4349578"/>
+                <a:off x="1271698" y="5486598"/>
+                <a:ext cx="265396" cy="4349578"/>
+              </a:xfrm>
+              <a:prstGeom prst="rect">
+                <a:avLst/>
+              </a:prstGeom>
+            </p:spPr>
+          </p:pic>
+        </p:grpSp>
+        <p:grpSp>
+          <p:nvGrpSpPr>
+            <p:cNvPr id="91" name="Group 90">
+              <a:extLst>
+                <a:ext uri="{FF2B5EF4-FFF2-40B4-BE49-F238E27FC236}">
+                  <a16:creationId xmlns:a16="http://schemas.microsoft.com/office/drawing/2014/main" id="{6BDBD3EC-FC37-4677-8277-88B247E28725}"/>
+                </a:ext>
+              </a:extLst>
+            </p:cNvPr>
+            <p:cNvGrpSpPr/>
+            <p:nvPr/>
+          </p:nvGrpSpPr>
+          <p:grpSpPr>
+            <a:xfrm>
+              <a:off x="5771995" y="12264445"/>
+              <a:ext cx="5061113" cy="4017711"/>
+              <a:chOff x="5782567" y="6312900"/>
+              <a:chExt cx="5061113" cy="4017711"/>
+            </a:xfrm>
+          </p:grpSpPr>
+          <p:pic>
+            <p:nvPicPr>
+              <p:cNvPr id="92" name="Picture 91">
+                <a:extLst>
+                  <a:ext uri="{FF2B5EF4-FFF2-40B4-BE49-F238E27FC236}">
+                    <a16:creationId xmlns:a16="http://schemas.microsoft.com/office/drawing/2014/main" id="{05B31DE2-B619-429D-B993-4F1FF0297F7B}"/>
+                  </a:ext>
+                </a:extLst>
+              </p:cNvPr>
+              <p:cNvPicPr>
+                <a:picLocks noChangeAspect="1"/>
+              </p:cNvPicPr>
+              <p:nvPr/>
+            </p:nvPicPr>
+            <p:blipFill rotWithShape="1">
+              <a:blip r:embed="rId15"/>
+              <a:srcRect l="78025" t="-736" r="-693" b="53534"/>
+              <a:stretch/>
+            </p:blipFill>
+            <p:spPr>
+              <a:xfrm>
+                <a:off x="9409177" y="6312900"/>
+                <a:ext cx="1434503" cy="2248929"/>
               </a:xfrm>
               <a:prstGeom prst="rect">
                 <a:avLst/>
@@ -23691,10 +24365,10 @@
           </p:pic>
           <p:sp>
             <p:nvSpPr>
-              <p:cNvPr id="85" name="Google Shape;196;p1">
+              <p:cNvPr id="94" name="TextBox 93">
                 <a:extLst>
                   <a:ext uri="{FF2B5EF4-FFF2-40B4-BE49-F238E27FC236}">
-                    <a16:creationId xmlns:a16="http://schemas.microsoft.com/office/drawing/2014/main" id="{09F321AA-3D69-419C-B463-EEC2119E2AB2}"/>
+                    <a16:creationId xmlns:a16="http://schemas.microsoft.com/office/drawing/2014/main" id="{492F4295-2347-4586-93A5-B0407AA55E12}"/>
                   </a:ext>
                 </a:extLst>
               </p:cNvPr>
@@ -23703,72 +24377,8 @@
             </p:nvSpPr>
             <p:spPr>
               <a:xfrm>
-                <a:off x="270259" y="5291707"/>
-                <a:ext cx="606600" cy="389386"/>
-              </a:xfrm>
-              <a:prstGeom prst="rect">
-                <a:avLst/>
-              </a:prstGeom>
-              <a:noFill/>
-              <a:ln>
-                <a:noFill/>
-              </a:ln>
-            </p:spPr>
-            <p:txBody>
-              <a:bodyPr spcFirstLastPara="1" wrap="square" lIns="111350" tIns="55650" rIns="111350" bIns="55650" anchor="t" anchorCtr="0">
-                <a:spAutoFit/>
-              </a:bodyPr>
-              <a:lstStyle/>
-              <a:p>
-                <a:pPr marL="0" marR="0" lvl="0" indent="0" algn="l" rtl="0">
-                  <a:lnSpc>
-                    <a:spcPct val="100000"/>
-                  </a:lnSpc>
-                  <a:spcBef>
-                    <a:spcPts val="0"/>
-                  </a:spcBef>
-                  <a:spcAft>
-                    <a:spcPts val="0"/>
-                  </a:spcAft>
-                  <a:buClr>
-                    <a:srgbClr val="000000"/>
-                  </a:buClr>
-                  <a:buSzPts val="1700"/>
-                  <a:buFont typeface="Arial"/>
-                  <a:buNone/>
-                </a:pPr>
-                <a:r>
-                  <a:rPr lang="en" sz="1800" b="1" dirty="0"/>
-                  <a:t>F</a:t>
-                </a:r>
-                <a:endParaRPr sz="1800" b="0" i="0" u="none" strike="noStrike" cap="none" dirty="0">
-                  <a:solidFill>
-                    <a:srgbClr val="000000"/>
-                  </a:solidFill>
-                  <a:latin typeface="Arial"/>
-                  <a:ea typeface="Arial"/>
-                  <a:cs typeface="Arial"/>
-                  <a:sym typeface="Arial"/>
-                </a:endParaRPr>
-              </a:p>
-            </p:txBody>
-          </p:sp>
-          <p:sp>
-            <p:nvSpPr>
-              <p:cNvPr id="86" name="TextBox 85">
-                <a:extLst>
-                  <a:ext uri="{FF2B5EF4-FFF2-40B4-BE49-F238E27FC236}">
-                    <a16:creationId xmlns:a16="http://schemas.microsoft.com/office/drawing/2014/main" id="{00FC5E26-5137-4B03-A198-0B14198D3880}"/>
-                  </a:ext>
-                </a:extLst>
-              </p:cNvPr>
-              <p:cNvSpPr txBox="1"/>
-              <p:nvPr/>
-            </p:nvSpPr>
-            <p:spPr>
-              <a:xfrm>
-                <a:off x="3088376" y="9860436"/>
-                <a:ext cx="828276" cy="338554"/>
+                <a:off x="7516639" y="9924361"/>
+                <a:ext cx="828276" cy="400110"/>
               </a:xfrm>
               <a:prstGeom prst="rect">
                 <a:avLst/>
@@ -23783,7 +24393,7 @@
               <a:p>
                 <a:pPr algn="ctr"/>
                 <a:r>
-                  <a:rPr lang="en-US" sz="1600" dirty="0"/>
+                  <a:rPr lang="en-US" sz="2000" dirty="0"/>
                   <a:t>MT-C</a:t>
                 </a:r>
               </a:p>
@@ -23791,10 +24401,10 @@
           </p:sp>
           <p:sp>
             <p:nvSpPr>
-              <p:cNvPr id="87" name="TextBox 86">
+              <p:cNvPr id="95" name="TextBox 94">
                 <a:extLst>
                   <a:ext uri="{FF2B5EF4-FFF2-40B4-BE49-F238E27FC236}">
-                    <a16:creationId xmlns:a16="http://schemas.microsoft.com/office/drawing/2014/main" id="{80BE06B1-D6C7-40D6-BAF3-D62C3A1BF6D5}"/>
+                    <a16:creationId xmlns:a16="http://schemas.microsoft.com/office/drawing/2014/main" id="{E7695071-193B-42D0-87B2-9E8D612A0CEA}"/>
                   </a:ext>
                 </a:extLst>
               </p:cNvPr>
@@ -23803,8 +24413,8 @@
             </p:nvSpPr>
             <p:spPr>
               <a:xfrm>
-                <a:off x="3952219" y="9860436"/>
-                <a:ext cx="828276" cy="338554"/>
+                <a:off x="8394723" y="9924361"/>
+                <a:ext cx="828276" cy="400110"/>
               </a:xfrm>
               <a:prstGeom prst="rect">
                 <a:avLst/>
@@ -23819,7 +24429,7 @@
               <a:p>
                 <a:pPr algn="ctr"/>
                 <a:r>
-                  <a:rPr lang="en-US" sz="1600" dirty="0"/>
+                  <a:rPr lang="en-US" sz="2000" dirty="0"/>
                   <a:t>MT-D</a:t>
                 </a:r>
               </a:p>
@@ -23827,10 +24437,10 @@
           </p:sp>
           <p:sp>
             <p:nvSpPr>
-              <p:cNvPr id="88" name="TextBox 87">
+              <p:cNvPr id="96" name="TextBox 95">
                 <a:extLst>
                   <a:ext uri="{FF2B5EF4-FFF2-40B4-BE49-F238E27FC236}">
-                    <a16:creationId xmlns:a16="http://schemas.microsoft.com/office/drawing/2014/main" id="{B0AFBAC9-B5FA-4B78-94BE-50BFFB868906}"/>
+                    <a16:creationId xmlns:a16="http://schemas.microsoft.com/office/drawing/2014/main" id="{F703ADE6-6C4A-47BC-9333-13BFC981DF5F}"/>
                   </a:ext>
                 </a:extLst>
               </p:cNvPr>
@@ -23839,8 +24449,8 @@
             </p:nvSpPr>
             <p:spPr>
               <a:xfrm>
-                <a:off x="1396257" y="9864064"/>
-                <a:ext cx="828276" cy="338554"/>
+                <a:off x="5782567" y="9930501"/>
+                <a:ext cx="828276" cy="400110"/>
               </a:xfrm>
               <a:prstGeom prst="rect">
                 <a:avLst/>
@@ -23855,7 +24465,7 @@
               <a:p>
                 <a:pPr algn="ctr"/>
                 <a:r>
-                  <a:rPr lang="en-US" sz="1600" dirty="0"/>
+                  <a:rPr lang="en-US" sz="2000" dirty="0"/>
                   <a:t>MT-A</a:t>
                 </a:r>
               </a:p>
@@ -23863,10 +24473,10 @@
           </p:sp>
           <p:sp>
             <p:nvSpPr>
-              <p:cNvPr id="89" name="TextBox 88">
+              <p:cNvPr id="97" name="TextBox 96">
                 <a:extLst>
                   <a:ext uri="{FF2B5EF4-FFF2-40B4-BE49-F238E27FC236}">
-                    <a16:creationId xmlns:a16="http://schemas.microsoft.com/office/drawing/2014/main" id="{CF8CF5F9-AED9-4D6F-A5A6-40CF16B404FB}"/>
+                    <a16:creationId xmlns:a16="http://schemas.microsoft.com/office/drawing/2014/main" id="{19753EC1-EA22-43C5-9329-55C19AD5AE23}"/>
                   </a:ext>
                 </a:extLst>
               </p:cNvPr>
@@ -23875,8 +24485,8 @@
             </p:nvSpPr>
             <p:spPr>
               <a:xfrm>
-                <a:off x="2224533" y="9860436"/>
-                <a:ext cx="828276" cy="338554"/>
+                <a:off x="6646410" y="9924361"/>
+                <a:ext cx="828276" cy="400110"/>
               </a:xfrm>
               <a:prstGeom prst="rect">
                 <a:avLst/>
@@ -23891,134 +24501,19 @@
               <a:p>
                 <a:pPr algn="ctr"/>
                 <a:r>
-                  <a:rPr lang="en-US" sz="1600" dirty="0"/>
+                  <a:rPr lang="en-US" sz="2000" dirty="0"/>
                   <a:t>MT-B</a:t>
                 </a:r>
               </a:p>
             </p:txBody>
           </p:sp>
-          <p:sp>
-            <p:nvSpPr>
-              <p:cNvPr id="90" name="TextBox 89">
-                <a:extLst>
-                  <a:ext uri="{FF2B5EF4-FFF2-40B4-BE49-F238E27FC236}">
-                    <a16:creationId xmlns:a16="http://schemas.microsoft.com/office/drawing/2014/main" id="{27163441-C383-4D9B-BA53-7FE0367B4E71}"/>
-                  </a:ext>
-                </a:extLst>
-              </p:cNvPr>
-              <p:cNvSpPr txBox="1"/>
-              <p:nvPr/>
-            </p:nvSpPr>
-            <p:spPr>
-              <a:xfrm rot="16200000">
-                <a:off x="-1455469" y="7416800"/>
-                <a:ext cx="4199356" cy="338554"/>
-              </a:xfrm>
-              <a:prstGeom prst="rect">
-                <a:avLst/>
-              </a:prstGeom>
-              <a:noFill/>
-            </p:spPr>
-            <p:txBody>
-              <a:bodyPr wrap="square" rtlCol="0">
-                <a:spAutoFit/>
-              </a:bodyPr>
-              <a:lstStyle/>
-              <a:p>
-                <a:pPr algn="ctr"/>
-                <a:r>
-                  <a:rPr lang="en-US" sz="1600" dirty="0"/>
-                  <a:t>Proportion of reads</a:t>
-                </a:r>
-              </a:p>
-            </p:txBody>
-          </p:sp>
         </p:grpSp>
-        <p:pic>
-          <p:nvPicPr>
-            <p:cNvPr id="83" name="Picture 82">
+        <p:sp>
+          <p:nvSpPr>
+            <p:cNvPr id="98" name="TextBox 97">
               <a:extLst>
                 <a:ext uri="{FF2B5EF4-FFF2-40B4-BE49-F238E27FC236}">
-                  <a16:creationId xmlns:a16="http://schemas.microsoft.com/office/drawing/2014/main" id="{E5E7CD37-7093-402E-B4E1-058BA8C1DE98}"/>
-                </a:ext>
-              </a:extLst>
-            </p:cNvPr>
-            <p:cNvPicPr>
-              <a:picLocks noChangeAspect="1"/>
-            </p:cNvPicPr>
-            <p:nvPr/>
-          </p:nvPicPr>
-          <p:blipFill rotWithShape="1">
-            <a:blip r:embed="rId8"/>
-            <a:srcRect r="88544" b="8709"/>
-            <a:stretch/>
-          </p:blipFill>
-          <p:spPr>
-            <a:xfrm>
-              <a:off x="776253" y="5486598"/>
-              <a:ext cx="760841" cy="4349578"/>
-            </a:xfrm>
-            <a:prstGeom prst="rect">
-              <a:avLst/>
-            </a:prstGeom>
-          </p:spPr>
-        </p:pic>
-      </p:grpSp>
-      <p:grpSp>
-        <p:nvGrpSpPr>
-          <p:cNvPr id="91" name="Group 90">
-            <a:extLst>
-              <a:ext uri="{FF2B5EF4-FFF2-40B4-BE49-F238E27FC236}">
-                <a16:creationId xmlns:a16="http://schemas.microsoft.com/office/drawing/2014/main" id="{E07BBF3B-6066-4CF3-903C-0010F983AAC8}"/>
-              </a:ext>
-            </a:extLst>
-          </p:cNvPr>
-          <p:cNvGrpSpPr/>
-          <p:nvPr/>
-        </p:nvGrpSpPr>
-        <p:grpSpPr>
-          <a:xfrm>
-            <a:off x="5345442" y="5884607"/>
-            <a:ext cx="5624990" cy="4786729"/>
-            <a:chOff x="5218689" y="5412261"/>
-            <a:chExt cx="5624990" cy="4786729"/>
-          </a:xfrm>
-        </p:grpSpPr>
-        <p:pic>
-          <p:nvPicPr>
-            <p:cNvPr id="92" name="Picture 91">
-              <a:extLst>
-                <a:ext uri="{FF2B5EF4-FFF2-40B4-BE49-F238E27FC236}">
-                  <a16:creationId xmlns:a16="http://schemas.microsoft.com/office/drawing/2014/main" id="{C96FEB08-5C8B-4504-B791-D9A5CA47FEFC}"/>
-                </a:ext>
-              </a:extLst>
-            </p:cNvPr>
-            <p:cNvPicPr>
-              <a:picLocks noChangeAspect="1"/>
-            </p:cNvPicPr>
-            <p:nvPr/>
-          </p:nvPicPr>
-          <p:blipFill rotWithShape="1">
-            <a:blip r:embed="rId8"/>
-            <a:srcRect l="78025" t="-736" r="-693" b="53534"/>
-            <a:stretch/>
-          </p:blipFill>
-          <p:spPr>
-            <a:xfrm>
-              <a:off x="9409176" y="5412261"/>
-              <a:ext cx="1434503" cy="2248929"/>
-            </a:xfrm>
-            <a:prstGeom prst="rect">
-              <a:avLst/>
-            </a:prstGeom>
-          </p:spPr>
-        </p:pic>
-        <p:sp>
-          <p:nvSpPr>
-            <p:cNvPr id="93" name="TextBox 92">
-              <a:extLst>
-                <a:ext uri="{FF2B5EF4-FFF2-40B4-BE49-F238E27FC236}">
-                  <a16:creationId xmlns:a16="http://schemas.microsoft.com/office/drawing/2014/main" id="{85B69EC3-65B8-4F30-A406-AF9D5F30942F}"/>
+                  <a16:creationId xmlns:a16="http://schemas.microsoft.com/office/drawing/2014/main" id="{6DDB91D1-F16F-4FDD-B7CB-42921BBB6A40}"/>
                 </a:ext>
               </a:extLst>
             </p:cNvPr>
@@ -24026,9 +24521,9 @@
             <p:nvPr/>
           </p:nvSpPr>
           <p:spPr>
-            <a:xfrm rot="16200000">
-              <a:off x="3288288" y="7416800"/>
-              <a:ext cx="4199356" cy="338554"/>
+            <a:xfrm>
+              <a:off x="914756" y="11783622"/>
+              <a:ext cx="4199356" cy="707886"/>
             </a:xfrm>
             <a:prstGeom prst="rect">
               <a:avLst/>
@@ -24043,18 +24538,25 @@
             <a:p>
               <a:pPr algn="ctr"/>
               <a:r>
-                <a:rPr lang="en-US" sz="1600" dirty="0"/>
-                <a:t>Proportion of reads containing p-m5C</a:t>
+                <a:rPr lang="en-US" sz="2000" dirty="0"/>
+                <a:t>Reads mapped to </a:t>
+              </a:r>
+            </a:p>
+            <a:p>
+              <a:pPr algn="ctr"/>
+              <a:r>
+                <a:rPr lang="en-US" sz="2000" dirty="0"/>
+                <a:t>mitochondrial  chromosome</a:t>
               </a:r>
             </a:p>
           </p:txBody>
         </p:sp>
         <p:sp>
           <p:nvSpPr>
-            <p:cNvPr id="94" name="TextBox 93">
+            <p:cNvPr id="99" name="TextBox 98">
               <a:extLst>
                 <a:ext uri="{FF2B5EF4-FFF2-40B4-BE49-F238E27FC236}">
-                  <a16:creationId xmlns:a16="http://schemas.microsoft.com/office/drawing/2014/main" id="{EFE5A04E-9C4B-407B-9B64-44B5495E5144}"/>
+                  <a16:creationId xmlns:a16="http://schemas.microsoft.com/office/drawing/2014/main" id="{4BA1BEF5-B37C-442B-91CF-E7F9EA8A3626}"/>
                 </a:ext>
               </a:extLst>
             </p:cNvPr>
@@ -24063,8 +24565,8 @@
           </p:nvSpPr>
           <p:spPr>
             <a:xfrm>
-              <a:off x="7534030" y="9856808"/>
-              <a:ext cx="828276" cy="338554"/>
+              <a:off x="5369557" y="11747046"/>
+              <a:ext cx="4199356" cy="707886"/>
             </a:xfrm>
             <a:prstGeom prst="rect">
               <a:avLst/>
@@ -24079,127 +24581,613 @@
             <a:p>
               <a:pPr algn="ctr"/>
               <a:r>
-                <a:rPr lang="en-US" sz="1600" dirty="0"/>
-                <a:t>MT-C</a:t>
+                <a:rPr lang="en-US" sz="2000" dirty="0"/>
+                <a:t>Reads mapped to </a:t>
+              </a:r>
+            </a:p>
+            <a:p>
+              <a:pPr algn="ctr"/>
+              <a:r>
+                <a:rPr lang="en-US" sz="2000" dirty="0"/>
+                <a:t>nuclear chromosomes</a:t>
               </a:r>
             </a:p>
           </p:txBody>
         </p:sp>
-        <p:sp>
-          <p:nvSpPr>
-            <p:cNvPr id="95" name="TextBox 94">
+        <p:graphicFrame>
+          <p:nvGraphicFramePr>
+            <p:cNvPr id="104" name="Google Shape;131;p4">
               <a:extLst>
                 <a:ext uri="{FF2B5EF4-FFF2-40B4-BE49-F238E27FC236}">
-                  <a16:creationId xmlns:a16="http://schemas.microsoft.com/office/drawing/2014/main" id="{A0F25EC6-9BE5-4402-84FA-2650FB04E5EC}"/>
+                  <a16:creationId xmlns:a16="http://schemas.microsoft.com/office/drawing/2014/main" id="{94A7E2FC-0E51-422F-BE04-B5E6E65C2543}"/>
                 </a:ext>
               </a:extLst>
             </p:cNvPr>
-            <p:cNvSpPr txBox="1"/>
-            <p:nvPr/>
-          </p:nvSpPr>
-          <p:spPr>
-            <a:xfrm>
-              <a:off x="8397873" y="9856808"/>
-              <a:ext cx="828276" cy="338554"/>
-            </a:xfrm>
-            <a:prstGeom prst="rect">
-              <a:avLst/>
-            </a:prstGeom>
-            <a:noFill/>
-          </p:spPr>
-          <p:txBody>
-            <a:bodyPr wrap="square" rtlCol="0">
-              <a:spAutoFit/>
-            </a:bodyPr>
-            <a:lstStyle/>
-            <a:p>
-              <a:pPr algn="ctr"/>
-              <a:r>
-                <a:rPr lang="en-US" sz="1600" dirty="0"/>
-                <a:t>MT-D</a:t>
-              </a:r>
-            </a:p>
-          </p:txBody>
-        </p:sp>
-        <p:sp>
-          <p:nvSpPr>
-            <p:cNvPr id="96" name="TextBox 95">
-              <a:extLst>
-                <a:ext uri="{FF2B5EF4-FFF2-40B4-BE49-F238E27FC236}">
-                  <a16:creationId xmlns:a16="http://schemas.microsoft.com/office/drawing/2014/main" id="{296498A4-899A-453F-B531-69DDB7F3E298}"/>
-                </a:ext>
-              </a:extLst>
-            </p:cNvPr>
-            <p:cNvSpPr txBox="1"/>
-            <p:nvPr/>
-          </p:nvSpPr>
-          <p:spPr>
-            <a:xfrm>
-              <a:off x="5841911" y="9860436"/>
-              <a:ext cx="828276" cy="338554"/>
-            </a:xfrm>
-            <a:prstGeom prst="rect">
-              <a:avLst/>
-            </a:prstGeom>
-            <a:noFill/>
-          </p:spPr>
-          <p:txBody>
-            <a:bodyPr wrap="square" rtlCol="0">
-              <a:spAutoFit/>
-            </a:bodyPr>
-            <a:lstStyle/>
-            <a:p>
-              <a:pPr algn="ctr"/>
-              <a:r>
-                <a:rPr lang="en-US" sz="1600" dirty="0"/>
-                <a:t>MT-A</a:t>
-              </a:r>
-            </a:p>
-          </p:txBody>
-        </p:sp>
-        <p:sp>
-          <p:nvSpPr>
-            <p:cNvPr id="97" name="TextBox 96">
-              <a:extLst>
-                <a:ext uri="{FF2B5EF4-FFF2-40B4-BE49-F238E27FC236}">
-                  <a16:creationId xmlns:a16="http://schemas.microsoft.com/office/drawing/2014/main" id="{7F84A771-B153-4412-A8B7-9C5DE05C2B30}"/>
-                </a:ext>
-              </a:extLst>
-            </p:cNvPr>
-            <p:cNvSpPr txBox="1"/>
-            <p:nvPr/>
-          </p:nvSpPr>
-          <p:spPr>
-            <a:xfrm>
-              <a:off x="6670187" y="9856808"/>
-              <a:ext cx="828276" cy="338554"/>
-            </a:xfrm>
-            <a:prstGeom prst="rect">
-              <a:avLst/>
-            </a:prstGeom>
-            <a:noFill/>
-          </p:spPr>
-          <p:txBody>
-            <a:bodyPr wrap="square" rtlCol="0">
-              <a:spAutoFit/>
-            </a:bodyPr>
-            <a:lstStyle/>
-            <a:p>
-              <a:pPr algn="ctr"/>
-              <a:r>
-                <a:rPr lang="en-US" sz="1600" dirty="0"/>
-                <a:t>MT-B</a:t>
-              </a:r>
-            </a:p>
-          </p:txBody>
-        </p:sp>
+            <p:cNvGraphicFramePr/>
+            <p:nvPr>
+              <p:extLst>
+                <p:ext uri="{D42A27DB-BD31-4B8C-83A1-F6EECF244321}">
+                  <p14:modId xmlns:p14="http://schemas.microsoft.com/office/powerpoint/2010/main" val="2480101436"/>
+                </p:ext>
+              </p:extLst>
+            </p:nvPr>
+          </p:nvGraphicFramePr>
+          <p:xfrm>
+            <a:off x="793485" y="12311774"/>
+            <a:ext cx="541038" cy="3747324"/>
+          </p:xfrm>
+          <a:graphic>
+            <a:graphicData uri="http://schemas.openxmlformats.org/drawingml/2006/table">
+              <a:tbl>
+                <a:tblPr>
+                  <a:noFill/>
+                </a:tblPr>
+                <a:tblGrid>
+                  <a:gridCol w="541038">
+                    <a:extLst>
+                      <a:ext uri="{9D8B030D-6E8A-4147-A177-3AD203B41FA5}">
+                        <a16:colId xmlns:a16="http://schemas.microsoft.com/office/drawing/2014/main" val="20000"/>
+                      </a:ext>
+                    </a:extLst>
+                  </a:gridCol>
+                </a:tblGrid>
+                <a:tr h="624554">
+                  <a:tc>
+                    <a:txBody>
+                      <a:bodyPr/>
+                      <a:lstStyle/>
+                      <a:p>
+                        <a:pPr marL="0" marR="0" lvl="0" indent="0" algn="ctr" rtl="0">
+                          <a:lnSpc>
+                            <a:spcPct val="100000"/>
+                          </a:lnSpc>
+                          <a:spcBef>
+                            <a:spcPts val="0"/>
+                          </a:spcBef>
+                          <a:spcAft>
+                            <a:spcPts val="0"/>
+                          </a:spcAft>
+                          <a:buClr>
+                            <a:srgbClr val="000000"/>
+                          </a:buClr>
+                          <a:buSzPts val="2400"/>
+                          <a:buFont typeface="Arial"/>
+                          <a:buNone/>
+                        </a:pPr>
+                        <a:r>
+                          <a:rPr lang="en" sz="1800" b="0" u="none" strike="noStrike" cap="none">
+                            <a:solidFill>
+                              <a:schemeClr val="dk1"/>
+                            </a:solidFill>
+                          </a:rPr>
+                          <a:t>1.0</a:t>
+                        </a:r>
+                        <a:endParaRPr sz="1800" b="0" u="none" strike="noStrike" cap="none" baseline="30000">
+                          <a:solidFill>
+                            <a:schemeClr val="dk1"/>
+                          </a:solidFill>
+                        </a:endParaRPr>
+                      </a:p>
+                    </a:txBody>
+                    <a:tcPr marL="80019" marR="80019" marT="40009" marB="40009" anchor="ctr">
+                      <a:lnL w="9525" cap="flat" cmpd="sng">
+                        <a:solidFill>
+                          <a:srgbClr val="000000">
+                            <a:alpha val="0"/>
+                          </a:srgbClr>
+                        </a:solidFill>
+                        <a:prstDash val="solid"/>
+                        <a:round/>
+                        <a:headEnd type="none" w="sm" len="sm"/>
+                        <a:tailEnd type="none" w="sm" len="sm"/>
+                      </a:lnL>
+                      <a:lnR w="9525" cap="flat" cmpd="sng">
+                        <a:solidFill>
+                          <a:srgbClr val="000000">
+                            <a:alpha val="0"/>
+                          </a:srgbClr>
+                        </a:solidFill>
+                        <a:prstDash val="solid"/>
+                        <a:round/>
+                        <a:headEnd type="none" w="sm" len="sm"/>
+                        <a:tailEnd type="none" w="sm" len="sm"/>
+                      </a:lnR>
+                      <a:lnT w="9525" cap="flat" cmpd="sng">
+                        <a:solidFill>
+                          <a:srgbClr val="000000">
+                            <a:alpha val="0"/>
+                          </a:srgbClr>
+                        </a:solidFill>
+                        <a:prstDash val="solid"/>
+                        <a:round/>
+                        <a:headEnd type="none" w="sm" len="sm"/>
+                        <a:tailEnd type="none" w="sm" len="sm"/>
+                      </a:lnT>
+                      <a:lnB w="9525" cap="flat" cmpd="sng">
+                        <a:solidFill>
+                          <a:srgbClr val="000000">
+                            <a:alpha val="0"/>
+                          </a:srgbClr>
+                        </a:solidFill>
+                        <a:prstDash val="solid"/>
+                        <a:round/>
+                        <a:headEnd type="none" w="sm" len="sm"/>
+                        <a:tailEnd type="none" w="sm" len="sm"/>
+                      </a:lnB>
+                    </a:tcPr>
+                  </a:tc>
+                  <a:extLst>
+                    <a:ext uri="{0D108BD9-81ED-4DB2-BD59-A6C34878D82A}">
+                      <a16:rowId xmlns:a16="http://schemas.microsoft.com/office/drawing/2014/main" val="10000"/>
+                    </a:ext>
+                  </a:extLst>
+                </a:tr>
+                <a:tr h="624554">
+                  <a:tc>
+                    <a:txBody>
+                      <a:bodyPr/>
+                      <a:lstStyle/>
+                      <a:p>
+                        <a:pPr marL="0" marR="0" lvl="0" indent="0" algn="ctr" rtl="0">
+                          <a:lnSpc>
+                            <a:spcPct val="100000"/>
+                          </a:lnSpc>
+                          <a:spcBef>
+                            <a:spcPts val="0"/>
+                          </a:spcBef>
+                          <a:spcAft>
+                            <a:spcPts val="0"/>
+                          </a:spcAft>
+                          <a:buClr>
+                            <a:srgbClr val="000000"/>
+                          </a:buClr>
+                          <a:buSzPts val="2400"/>
+                          <a:buFont typeface="Arial"/>
+                          <a:buNone/>
+                        </a:pPr>
+                        <a:r>
+                          <a:rPr lang="en" sz="1800" b="0" u="none" strike="noStrike" cap="none">
+                            <a:solidFill>
+                              <a:schemeClr val="dk1"/>
+                            </a:solidFill>
+                          </a:rPr>
+                          <a:t>0.8</a:t>
+                        </a:r>
+                        <a:endParaRPr sz="1800" b="0" u="none" strike="noStrike" cap="none" baseline="30000">
+                          <a:solidFill>
+                            <a:schemeClr val="dk1"/>
+                          </a:solidFill>
+                        </a:endParaRPr>
+                      </a:p>
+                    </a:txBody>
+                    <a:tcPr marL="80019" marR="80019" marT="40009" marB="40009" anchor="ctr">
+                      <a:lnL w="9525" cap="flat" cmpd="sng">
+                        <a:solidFill>
+                          <a:srgbClr val="000000">
+                            <a:alpha val="0"/>
+                          </a:srgbClr>
+                        </a:solidFill>
+                        <a:prstDash val="solid"/>
+                        <a:round/>
+                        <a:headEnd type="none" w="sm" len="sm"/>
+                        <a:tailEnd type="none" w="sm" len="sm"/>
+                      </a:lnL>
+                      <a:lnR w="9525" cap="flat" cmpd="sng">
+                        <a:solidFill>
+                          <a:srgbClr val="000000">
+                            <a:alpha val="0"/>
+                          </a:srgbClr>
+                        </a:solidFill>
+                        <a:prstDash val="solid"/>
+                        <a:round/>
+                        <a:headEnd type="none" w="sm" len="sm"/>
+                        <a:tailEnd type="none" w="sm" len="sm"/>
+                      </a:lnR>
+                      <a:lnT w="9525" cap="flat" cmpd="sng">
+                        <a:solidFill>
+                          <a:srgbClr val="000000">
+                            <a:alpha val="0"/>
+                          </a:srgbClr>
+                        </a:solidFill>
+                        <a:prstDash val="solid"/>
+                        <a:round/>
+                        <a:headEnd type="none" w="sm" len="sm"/>
+                        <a:tailEnd type="none" w="sm" len="sm"/>
+                      </a:lnT>
+                      <a:lnB w="9525" cap="flat" cmpd="sng">
+                        <a:solidFill>
+                          <a:srgbClr val="000000">
+                            <a:alpha val="0"/>
+                          </a:srgbClr>
+                        </a:solidFill>
+                        <a:prstDash val="solid"/>
+                        <a:round/>
+                        <a:headEnd type="none" w="sm" len="sm"/>
+                        <a:tailEnd type="none" w="sm" len="sm"/>
+                      </a:lnB>
+                    </a:tcPr>
+                  </a:tc>
+                  <a:extLst>
+                    <a:ext uri="{0D108BD9-81ED-4DB2-BD59-A6C34878D82A}">
+                      <a16:rowId xmlns:a16="http://schemas.microsoft.com/office/drawing/2014/main" val="10001"/>
+                    </a:ext>
+                  </a:extLst>
+                </a:tr>
+                <a:tr h="624554">
+                  <a:tc>
+                    <a:txBody>
+                      <a:bodyPr/>
+                      <a:lstStyle/>
+                      <a:p>
+                        <a:pPr marL="0" marR="0" lvl="0" indent="0" algn="ctr" rtl="0">
+                          <a:lnSpc>
+                            <a:spcPct val="100000"/>
+                          </a:lnSpc>
+                          <a:spcBef>
+                            <a:spcPts val="0"/>
+                          </a:spcBef>
+                          <a:spcAft>
+                            <a:spcPts val="0"/>
+                          </a:spcAft>
+                          <a:buClr>
+                            <a:srgbClr val="000000"/>
+                          </a:buClr>
+                          <a:buSzPts val="2400"/>
+                          <a:buFont typeface="Arial"/>
+                          <a:buNone/>
+                        </a:pPr>
+                        <a:r>
+                          <a:rPr lang="en" sz="1800" u="none" strike="noStrike" cap="none">
+                            <a:solidFill>
+                              <a:schemeClr val="dk1"/>
+                            </a:solidFill>
+                          </a:rPr>
+                          <a:t>0.6</a:t>
+                        </a:r>
+                        <a:endParaRPr sz="1800" u="none" strike="noStrike" cap="none">
+                          <a:solidFill>
+                            <a:schemeClr val="dk1"/>
+                          </a:solidFill>
+                        </a:endParaRPr>
+                      </a:p>
+                    </a:txBody>
+                    <a:tcPr marL="80019" marR="80019" marT="40009" marB="40009" anchor="ctr">
+                      <a:lnL w="9525" cap="flat" cmpd="sng">
+                        <a:solidFill>
+                          <a:srgbClr val="000000">
+                            <a:alpha val="0"/>
+                          </a:srgbClr>
+                        </a:solidFill>
+                        <a:prstDash val="solid"/>
+                        <a:round/>
+                        <a:headEnd type="none" w="sm" len="sm"/>
+                        <a:tailEnd type="none" w="sm" len="sm"/>
+                      </a:lnL>
+                      <a:lnR w="9525" cap="flat" cmpd="sng">
+                        <a:solidFill>
+                          <a:srgbClr val="000000">
+                            <a:alpha val="0"/>
+                          </a:srgbClr>
+                        </a:solidFill>
+                        <a:prstDash val="solid"/>
+                        <a:round/>
+                        <a:headEnd type="none" w="sm" len="sm"/>
+                        <a:tailEnd type="none" w="sm" len="sm"/>
+                      </a:lnR>
+                      <a:lnT w="9525" cap="flat" cmpd="sng">
+                        <a:solidFill>
+                          <a:srgbClr val="000000">
+                            <a:alpha val="0"/>
+                          </a:srgbClr>
+                        </a:solidFill>
+                        <a:prstDash val="solid"/>
+                        <a:round/>
+                        <a:headEnd type="none" w="sm" len="sm"/>
+                        <a:tailEnd type="none" w="sm" len="sm"/>
+                      </a:lnT>
+                      <a:lnB w="9525" cap="flat" cmpd="sng">
+                        <a:solidFill>
+                          <a:srgbClr val="000000">
+                            <a:alpha val="0"/>
+                          </a:srgbClr>
+                        </a:solidFill>
+                        <a:prstDash val="solid"/>
+                        <a:round/>
+                        <a:headEnd type="none" w="sm" len="sm"/>
+                        <a:tailEnd type="none" w="sm" len="sm"/>
+                      </a:lnB>
+                    </a:tcPr>
+                  </a:tc>
+                  <a:extLst>
+                    <a:ext uri="{0D108BD9-81ED-4DB2-BD59-A6C34878D82A}">
+                      <a16:rowId xmlns:a16="http://schemas.microsoft.com/office/drawing/2014/main" val="10002"/>
+                    </a:ext>
+                  </a:extLst>
+                </a:tr>
+                <a:tr h="624554">
+                  <a:tc>
+                    <a:txBody>
+                      <a:bodyPr/>
+                      <a:lstStyle/>
+                      <a:p>
+                        <a:pPr marL="0" marR="0" lvl="0" indent="0" algn="ctr" rtl="0">
+                          <a:lnSpc>
+                            <a:spcPct val="100000"/>
+                          </a:lnSpc>
+                          <a:spcBef>
+                            <a:spcPts val="0"/>
+                          </a:spcBef>
+                          <a:spcAft>
+                            <a:spcPts val="0"/>
+                          </a:spcAft>
+                          <a:buClr>
+                            <a:srgbClr val="000000"/>
+                          </a:buClr>
+                          <a:buSzPts val="2400"/>
+                          <a:buFont typeface="Arial"/>
+                          <a:buNone/>
+                        </a:pPr>
+                        <a:r>
+                          <a:rPr lang="en" sz="1800" u="none" strike="noStrike" cap="none" dirty="0">
+                            <a:solidFill>
+                              <a:schemeClr val="dk1"/>
+                            </a:solidFill>
+                          </a:rPr>
+                          <a:t>0.4</a:t>
+                        </a:r>
+                        <a:endParaRPr sz="1800" u="none" strike="noStrike" cap="none" dirty="0">
+                          <a:solidFill>
+                            <a:schemeClr val="dk1"/>
+                          </a:solidFill>
+                        </a:endParaRPr>
+                      </a:p>
+                    </a:txBody>
+                    <a:tcPr marL="80019" marR="80019" marT="40009" marB="40009" anchor="ctr">
+                      <a:lnL w="9525" cap="flat" cmpd="sng">
+                        <a:solidFill>
+                          <a:srgbClr val="000000">
+                            <a:alpha val="0"/>
+                          </a:srgbClr>
+                        </a:solidFill>
+                        <a:prstDash val="solid"/>
+                        <a:round/>
+                        <a:headEnd type="none" w="sm" len="sm"/>
+                        <a:tailEnd type="none" w="sm" len="sm"/>
+                      </a:lnL>
+                      <a:lnR w="9525" cap="flat" cmpd="sng">
+                        <a:solidFill>
+                          <a:srgbClr val="000000">
+                            <a:alpha val="0"/>
+                          </a:srgbClr>
+                        </a:solidFill>
+                        <a:prstDash val="solid"/>
+                        <a:round/>
+                        <a:headEnd type="none" w="sm" len="sm"/>
+                        <a:tailEnd type="none" w="sm" len="sm"/>
+                      </a:lnR>
+                      <a:lnT w="9525" cap="flat" cmpd="sng">
+                        <a:solidFill>
+                          <a:srgbClr val="000000">
+                            <a:alpha val="0"/>
+                          </a:srgbClr>
+                        </a:solidFill>
+                        <a:prstDash val="solid"/>
+                        <a:round/>
+                        <a:headEnd type="none" w="sm" len="sm"/>
+                        <a:tailEnd type="none" w="sm" len="sm"/>
+                      </a:lnT>
+                      <a:lnB w="9525" cap="flat" cmpd="sng">
+                        <a:solidFill>
+                          <a:srgbClr val="000000">
+                            <a:alpha val="0"/>
+                          </a:srgbClr>
+                        </a:solidFill>
+                        <a:prstDash val="solid"/>
+                        <a:round/>
+                        <a:headEnd type="none" w="sm" len="sm"/>
+                        <a:tailEnd type="none" w="sm" len="sm"/>
+                      </a:lnB>
+                    </a:tcPr>
+                  </a:tc>
+                  <a:extLst>
+                    <a:ext uri="{0D108BD9-81ED-4DB2-BD59-A6C34878D82A}">
+                      <a16:rowId xmlns:a16="http://schemas.microsoft.com/office/drawing/2014/main" val="10003"/>
+                    </a:ext>
+                  </a:extLst>
+                </a:tr>
+                <a:tr h="624554">
+                  <a:tc>
+                    <a:txBody>
+                      <a:bodyPr/>
+                      <a:lstStyle/>
+                      <a:p>
+                        <a:pPr marL="0" marR="0" lvl="0" indent="0" algn="ctr" rtl="0">
+                          <a:lnSpc>
+                            <a:spcPct val="100000"/>
+                          </a:lnSpc>
+                          <a:spcBef>
+                            <a:spcPts val="0"/>
+                          </a:spcBef>
+                          <a:spcAft>
+                            <a:spcPts val="0"/>
+                          </a:spcAft>
+                          <a:buClr>
+                            <a:srgbClr val="000000"/>
+                          </a:buClr>
+                          <a:buSzPts val="2400"/>
+                          <a:buFont typeface="Arial"/>
+                          <a:buNone/>
+                        </a:pPr>
+                        <a:r>
+                          <a:rPr lang="en" sz="1800" u="none" strike="noStrike" cap="none">
+                            <a:solidFill>
+                              <a:schemeClr val="dk1"/>
+                            </a:solidFill>
+                          </a:rPr>
+                          <a:t>0.2</a:t>
+                        </a:r>
+                        <a:endParaRPr sz="1800" u="none" strike="noStrike" cap="none">
+                          <a:solidFill>
+                            <a:schemeClr val="dk1"/>
+                          </a:solidFill>
+                        </a:endParaRPr>
+                      </a:p>
+                    </a:txBody>
+                    <a:tcPr marL="80019" marR="80019" marT="40009" marB="40009" anchor="ctr">
+                      <a:lnL w="9525" cap="flat" cmpd="sng">
+                        <a:solidFill>
+                          <a:srgbClr val="000000">
+                            <a:alpha val="0"/>
+                          </a:srgbClr>
+                        </a:solidFill>
+                        <a:prstDash val="solid"/>
+                        <a:round/>
+                        <a:headEnd type="none" w="sm" len="sm"/>
+                        <a:tailEnd type="none" w="sm" len="sm"/>
+                      </a:lnL>
+                      <a:lnR w="9525" cap="flat" cmpd="sng">
+                        <a:solidFill>
+                          <a:srgbClr val="000000">
+                            <a:alpha val="0"/>
+                          </a:srgbClr>
+                        </a:solidFill>
+                        <a:prstDash val="solid"/>
+                        <a:round/>
+                        <a:headEnd type="none" w="sm" len="sm"/>
+                        <a:tailEnd type="none" w="sm" len="sm"/>
+                      </a:lnR>
+                      <a:lnT w="9525" cap="flat" cmpd="sng">
+                        <a:solidFill>
+                          <a:srgbClr val="000000">
+                            <a:alpha val="0"/>
+                          </a:srgbClr>
+                        </a:solidFill>
+                        <a:prstDash val="solid"/>
+                        <a:round/>
+                        <a:headEnd type="none" w="sm" len="sm"/>
+                        <a:tailEnd type="none" w="sm" len="sm"/>
+                      </a:lnT>
+                      <a:lnB w="9525" cap="flat" cmpd="sng">
+                        <a:solidFill>
+                          <a:srgbClr val="000000">
+                            <a:alpha val="0"/>
+                          </a:srgbClr>
+                        </a:solidFill>
+                        <a:prstDash val="solid"/>
+                        <a:round/>
+                        <a:headEnd type="none" w="sm" len="sm"/>
+                        <a:tailEnd type="none" w="sm" len="sm"/>
+                      </a:lnB>
+                    </a:tcPr>
+                  </a:tc>
+                  <a:extLst>
+                    <a:ext uri="{0D108BD9-81ED-4DB2-BD59-A6C34878D82A}">
+                      <a16:rowId xmlns:a16="http://schemas.microsoft.com/office/drawing/2014/main" val="10004"/>
+                    </a:ext>
+                  </a:extLst>
+                </a:tr>
+                <a:tr h="624554">
+                  <a:tc>
+                    <a:txBody>
+                      <a:bodyPr/>
+                      <a:lstStyle/>
+                      <a:p>
+                        <a:pPr marL="0" marR="0" lvl="0" indent="0" algn="ctr" rtl="0">
+                          <a:lnSpc>
+                            <a:spcPct val="100000"/>
+                          </a:lnSpc>
+                          <a:spcBef>
+                            <a:spcPts val="0"/>
+                          </a:spcBef>
+                          <a:spcAft>
+                            <a:spcPts val="0"/>
+                          </a:spcAft>
+                          <a:buClr>
+                            <a:srgbClr val="000000"/>
+                          </a:buClr>
+                          <a:buSzPts val="2400"/>
+                          <a:buFont typeface="Arial"/>
+                          <a:buNone/>
+                        </a:pPr>
+                        <a:r>
+                          <a:rPr lang="en" sz="1800" u="none" strike="noStrike" cap="none" dirty="0">
+                            <a:solidFill>
+                              <a:schemeClr val="dk1"/>
+                            </a:solidFill>
+                          </a:rPr>
+                          <a:t>0.0</a:t>
+                        </a:r>
+                        <a:endParaRPr sz="1800" u="none" strike="noStrike" cap="none" dirty="0">
+                          <a:solidFill>
+                            <a:schemeClr val="dk1"/>
+                          </a:solidFill>
+                        </a:endParaRPr>
+                      </a:p>
+                    </a:txBody>
+                    <a:tcPr marL="80019" marR="80019" marT="40009" marB="40009" anchor="ctr">
+                      <a:lnL w="9525" cap="flat" cmpd="sng">
+                        <a:solidFill>
+                          <a:srgbClr val="000000">
+                            <a:alpha val="0"/>
+                          </a:srgbClr>
+                        </a:solidFill>
+                        <a:prstDash val="solid"/>
+                        <a:round/>
+                        <a:headEnd type="none" w="sm" len="sm"/>
+                        <a:tailEnd type="none" w="sm" len="sm"/>
+                      </a:lnL>
+                      <a:lnR w="9525" cap="flat" cmpd="sng">
+                        <a:solidFill>
+                          <a:srgbClr val="000000">
+                            <a:alpha val="0"/>
+                          </a:srgbClr>
+                        </a:solidFill>
+                        <a:prstDash val="solid"/>
+                        <a:round/>
+                        <a:headEnd type="none" w="sm" len="sm"/>
+                        <a:tailEnd type="none" w="sm" len="sm"/>
+                      </a:lnR>
+                      <a:lnT w="9525" cap="flat" cmpd="sng">
+                        <a:solidFill>
+                          <a:srgbClr val="000000">
+                            <a:alpha val="0"/>
+                          </a:srgbClr>
+                        </a:solidFill>
+                        <a:prstDash val="solid"/>
+                        <a:round/>
+                        <a:headEnd type="none" w="sm" len="sm"/>
+                        <a:tailEnd type="none" w="sm" len="sm"/>
+                      </a:lnT>
+                      <a:lnB w="9525" cap="flat" cmpd="sng">
+                        <a:solidFill>
+                          <a:srgbClr val="000000">
+                            <a:alpha val="0"/>
+                          </a:srgbClr>
+                        </a:solidFill>
+                        <a:prstDash val="solid"/>
+                        <a:round/>
+                        <a:headEnd type="none" w="sm" len="sm"/>
+                        <a:tailEnd type="none" w="sm" len="sm"/>
+                      </a:lnB>
+                    </a:tcPr>
+                  </a:tc>
+                  <a:extLst>
+                    <a:ext uri="{0D108BD9-81ED-4DB2-BD59-A6C34878D82A}">
+                      <a16:rowId xmlns:a16="http://schemas.microsoft.com/office/drawing/2014/main" val="10005"/>
+                    </a:ext>
+                  </a:extLst>
+                </a:tr>
+              </a:tbl>
+            </a:graphicData>
+          </a:graphic>
+        </p:graphicFrame>
       </p:grpSp>
       <p:sp>
         <p:nvSpPr>
-          <p:cNvPr id="98" name="TextBox 97">
+          <p:cNvPr id="102" name="TextBox 101">
             <a:extLst>
               <a:ext uri="{FF2B5EF4-FFF2-40B4-BE49-F238E27FC236}">
-                <a16:creationId xmlns:a16="http://schemas.microsoft.com/office/drawing/2014/main" id="{15D1436D-D917-45F7-B16F-AB8AA7657F6B}"/>
+                <a16:creationId xmlns:a16="http://schemas.microsoft.com/office/drawing/2014/main" id="{B7FED47F-7E7B-43C3-ABEB-9BD5B6883409}"/>
               </a:ext>
             </a:extLst>
           </p:cNvPr>
@@ -24207,9 +25195,9 @@
           <p:nvPr/>
         </p:nvSpPr>
         <p:spPr>
-          <a:xfrm>
-            <a:off x="1082713" y="5731598"/>
-            <a:ext cx="4199356" cy="338554"/>
+          <a:xfrm rot="16200000">
+            <a:off x="-982471" y="4161270"/>
+            <a:ext cx="3356065" cy="707886"/>
           </a:xfrm>
           <a:prstGeom prst="rect">
             <a:avLst/>
@@ -24224,18 +25212,25 @@
           <a:p>
             <a:pPr algn="ctr"/>
             <a:r>
-              <a:rPr lang="en-US" sz="1600" dirty="0"/>
-              <a:t>Mitochondrial mapped reads</a:t>
+              <a:rPr lang="en-US" sz="2000" dirty="0"/>
+              <a:t>Fold Enrichment</a:t>
+            </a:r>
+          </a:p>
+          <a:p>
+            <a:pPr algn="ctr"/>
+            <a:r>
+              <a:rPr lang="en-US" sz="2000" dirty="0"/>
+              <a:t>(mt-Nd1)</a:t>
             </a:r>
           </a:p>
         </p:txBody>
       </p:sp>
       <p:sp>
         <p:nvSpPr>
-          <p:cNvPr id="99" name="TextBox 98">
+          <p:cNvPr id="103" name="Google Shape;182;p1">
             <a:extLst>
               <a:ext uri="{FF2B5EF4-FFF2-40B4-BE49-F238E27FC236}">
-                <a16:creationId xmlns:a16="http://schemas.microsoft.com/office/drawing/2014/main" id="{FDBE3A51-05EC-4B80-BB1B-01286BF8F1B0}"/>
+                <a16:creationId xmlns:a16="http://schemas.microsoft.com/office/drawing/2014/main" id="{F37CF050-4EBF-4F5A-9CF6-62700D8B6383}"/>
               </a:ext>
             </a:extLst>
           </p:cNvPr>
@@ -24244,8 +25239,58 @@
         </p:nvSpPr>
         <p:spPr>
           <a:xfrm>
-            <a:off x="5537514" y="5731598"/>
-            <a:ext cx="4199356" cy="338554"/>
+            <a:off x="9239197" y="11697608"/>
+            <a:ext cx="1948726" cy="418835"/>
+          </a:xfrm>
+          <a:prstGeom prst="rect">
+            <a:avLst/>
+          </a:prstGeom>
+          <a:noFill/>
+          <a:ln>
+            <a:noFill/>
+          </a:ln>
+        </p:spPr>
+        <p:txBody>
+          <a:bodyPr spcFirstLastPara="1" wrap="square" lIns="70232" tIns="70232" rIns="70232" bIns="70232" anchor="t" anchorCtr="0">
+            <a:spAutoFit/>
+          </a:bodyPr>
+          <a:lstStyle/>
+          <a:p>
+            <a:pPr algn="ctr">
+              <a:buSzPts val="1500"/>
+            </a:pPr>
+            <a:r>
+              <a:rPr lang="en" sz="1800" dirty="0"/>
+              <a:t>p-m</a:t>
+            </a:r>
+            <a:r>
+              <a:rPr lang="en" sz="1800" baseline="30000" dirty="0"/>
+              <a:t>5</a:t>
+            </a:r>
+            <a:r>
+              <a:rPr lang="en" sz="1800" dirty="0"/>
+              <a:t>C sites</a:t>
+            </a:r>
+            <a:endParaRPr sz="1800" dirty="0"/>
+          </a:p>
+        </p:txBody>
+      </p:sp>
+      <p:sp>
+        <p:nvSpPr>
+          <p:cNvPr id="105" name="TextBox 104">
+            <a:extLst>
+              <a:ext uri="{FF2B5EF4-FFF2-40B4-BE49-F238E27FC236}">
+                <a16:creationId xmlns:a16="http://schemas.microsoft.com/office/drawing/2014/main" id="{F16B9F3E-8F8A-44E3-BF4C-82CD2E94A532}"/>
+              </a:ext>
+            </a:extLst>
+          </p:cNvPr>
+          <p:cNvSpPr txBox="1"/>
+          <p:nvPr/>
+        </p:nvSpPr>
+        <p:spPr>
+          <a:xfrm>
+            <a:off x="167636" y="16128625"/>
+            <a:ext cx="10660770" cy="2246769"/>
           </a:xfrm>
           <a:prstGeom prst="rect">
             <a:avLst/>
@@ -24253,50 +25298,254 @@
           <a:noFill/>
         </p:spPr>
         <p:txBody>
-          <a:bodyPr wrap="square" rtlCol="0">
+          <a:bodyPr wrap="square">
             <a:spAutoFit/>
           </a:bodyPr>
           <a:lstStyle/>
           <a:p>
-            <a:pPr algn="ctr"/>
+            <a:pPr marL="0" marR="0">
+              <a:spcBef>
+                <a:spcPts val="1000"/>
+              </a:spcBef>
+              <a:spcAft>
+                <a:spcPts val="0"/>
+              </a:spcAft>
+            </a:pPr>
             <a:r>
-              <a:rPr lang="en-US" sz="1600" dirty="0"/>
-              <a:t>Non-mitochondrial mapped reads</a:t>
+              <a:rPr lang="en-US" b="1" dirty="0">
+                <a:solidFill>
+                  <a:schemeClr val="tx1"/>
+                </a:solidFill>
+                <a:effectLst/>
+                <a:latin typeface="Times New Roman" panose="02020603050405020304" pitchFamily="18" charset="0"/>
+                <a:ea typeface="Times New Roman" panose="02020603050405020304" pitchFamily="18" charset="0"/>
+              </a:rPr>
+              <a:t>Figure 5. Interrogation of bisulfite preparation conditions used in mitochondrial libraries (A) </a:t>
+            </a:r>
+            <a:r>
+              <a:rPr lang="en-US" dirty="0">
+                <a:solidFill>
+                  <a:schemeClr val="tx1"/>
+                </a:solidFill>
+                <a:effectLst/>
+                <a:latin typeface="Times New Roman" panose="02020603050405020304" pitchFamily="18" charset="0"/>
+                <a:ea typeface="Times New Roman" panose="02020603050405020304" pitchFamily="18" charset="0"/>
+              </a:rPr>
+              <a:t>Western blot of mouse NSC cell fractions representing cytosol and mitochondrial structures. GAPDH was used as a marker for cytosol, while COX IV was used as a marker for the mitochondria. </a:t>
+            </a:r>
+            <a:r>
+              <a:rPr lang="en-US" b="1" dirty="0">
+                <a:solidFill>
+                  <a:schemeClr val="tx1"/>
+                </a:solidFill>
+                <a:effectLst/>
+                <a:latin typeface="Times New Roman" panose="02020603050405020304" pitchFamily="18" charset="0"/>
+                <a:ea typeface="Times New Roman" panose="02020603050405020304" pitchFamily="18" charset="0"/>
+              </a:rPr>
+              <a:t>(B) </a:t>
+            </a:r>
+            <a:r>
+              <a:rPr lang="en-US" dirty="0">
+                <a:solidFill>
+                  <a:schemeClr val="tx1"/>
+                </a:solidFill>
+                <a:effectLst/>
+                <a:latin typeface="Times New Roman" panose="02020603050405020304" pitchFamily="18" charset="0"/>
+                <a:ea typeface="Times New Roman" panose="02020603050405020304" pitchFamily="18" charset="0"/>
+              </a:rPr>
+              <a:t>qPCR assay of mt-Nd1 in mitochondrial fractions. Bar indicates mean and S.E.M of biological replicates. </a:t>
+            </a:r>
+            <a:r>
+              <a:rPr lang="en-US" b="1" dirty="0">
+                <a:solidFill>
+                  <a:schemeClr val="tx1"/>
+                </a:solidFill>
+                <a:effectLst/>
+                <a:latin typeface="Times New Roman" panose="02020603050405020304" pitchFamily="18" charset="0"/>
+                <a:ea typeface="Times New Roman" panose="02020603050405020304" pitchFamily="18" charset="0"/>
+              </a:rPr>
+              <a:t>(C) </a:t>
+            </a:r>
+            <a:r>
+              <a:rPr lang="en-US" dirty="0">
+                <a:solidFill>
+                  <a:schemeClr val="tx1"/>
+                </a:solidFill>
+                <a:effectLst/>
+                <a:latin typeface="Times New Roman" panose="02020603050405020304" pitchFamily="18" charset="0"/>
+                <a:ea typeface="Times New Roman" panose="02020603050405020304" pitchFamily="18" charset="0"/>
+              </a:rPr>
+              <a:t>Read pile-up visualization of a representative Huang and Mitochondrial RNA library using the UCSC genome browser. Peaks are scaled according to max peak height for each library. </a:t>
+            </a:r>
+            <a:r>
+              <a:rPr lang="en-US" dirty="0" err="1">
+                <a:solidFill>
+                  <a:schemeClr val="tx1"/>
+                </a:solidFill>
+                <a:effectLst/>
+                <a:latin typeface="Times New Roman" panose="02020603050405020304" pitchFamily="18" charset="0"/>
+                <a:ea typeface="Times New Roman" panose="02020603050405020304" pitchFamily="18" charset="0"/>
+              </a:rPr>
+              <a:t>Gencode</a:t>
+            </a:r>
+            <a:r>
+              <a:rPr lang="en-US" dirty="0">
+                <a:solidFill>
+                  <a:schemeClr val="tx1"/>
+                </a:solidFill>
+                <a:effectLst/>
+                <a:latin typeface="Times New Roman" panose="02020603050405020304" pitchFamily="18" charset="0"/>
+                <a:ea typeface="Times New Roman" panose="02020603050405020304" pitchFamily="18" charset="0"/>
+              </a:rPr>
+              <a:t> gene annotations are displayed below. </a:t>
+            </a:r>
+            <a:r>
+              <a:rPr lang="en-US" b="1" dirty="0">
+                <a:solidFill>
+                  <a:schemeClr val="tx1"/>
+                </a:solidFill>
+                <a:effectLst/>
+                <a:latin typeface="Times New Roman" panose="02020603050405020304" pitchFamily="18" charset="0"/>
+                <a:ea typeface="Times New Roman" panose="02020603050405020304" pitchFamily="18" charset="0"/>
+              </a:rPr>
+              <a:t>(D) </a:t>
+            </a:r>
+            <a:r>
+              <a:rPr lang="en-US" dirty="0">
+                <a:solidFill>
+                  <a:schemeClr val="tx1"/>
+                </a:solidFill>
+                <a:effectLst/>
+                <a:latin typeface="Times New Roman" panose="02020603050405020304" pitchFamily="18" charset="0"/>
+                <a:ea typeface="Times New Roman" panose="02020603050405020304" pitchFamily="18" charset="0"/>
+              </a:rPr>
+              <a:t>Proportion of reads mapped to the mitochondrial chromosome using meRanGh (genome mapping) and meRanT (transcriptome mapping) for all RNA BS-seq and RNA-seq libraries. Replicates are merged, error bars represent standard deviation. </a:t>
+            </a:r>
+            <a:r>
+              <a:rPr lang="en-US" b="1" dirty="0">
+                <a:solidFill>
+                  <a:schemeClr val="tx1"/>
+                </a:solidFill>
+                <a:effectLst/>
+                <a:latin typeface="Times New Roman" panose="02020603050405020304" pitchFamily="18" charset="0"/>
+                <a:ea typeface="Times New Roman" panose="02020603050405020304" pitchFamily="18" charset="0"/>
+              </a:rPr>
+              <a:t>(E) </a:t>
+            </a:r>
+            <a:r>
+              <a:rPr lang="en-US" dirty="0">
+                <a:solidFill>
+                  <a:schemeClr val="tx1"/>
+                </a:solidFill>
+                <a:effectLst/>
+                <a:latin typeface="Times New Roman" panose="02020603050405020304" pitchFamily="18" charset="0"/>
+                <a:ea typeface="Times New Roman" panose="02020603050405020304" pitchFamily="18" charset="0"/>
+              </a:rPr>
+              <a:t>Mapped reads retained after a read C-cutoff of 3 for mitochondrial libraries. Non-mitochondrial (blue), ERCC (green), and mitochondrial mapped reads (red) are distinguished by color. </a:t>
+            </a:r>
+            <a:r>
+              <a:rPr lang="en-US" b="1" dirty="0">
+                <a:solidFill>
+                  <a:schemeClr val="tx1"/>
+                </a:solidFill>
+                <a:effectLst/>
+                <a:latin typeface="Times New Roman" panose="02020603050405020304" pitchFamily="18" charset="0"/>
+                <a:ea typeface="Times New Roman" panose="02020603050405020304" pitchFamily="18" charset="0"/>
+              </a:rPr>
+              <a:t>(F) </a:t>
+            </a:r>
+            <a:r>
+              <a:rPr lang="en-US" dirty="0">
+                <a:solidFill>
+                  <a:schemeClr val="tx1"/>
+                </a:solidFill>
+                <a:effectLst/>
+                <a:latin typeface="Times New Roman" panose="02020603050405020304" pitchFamily="18" charset="0"/>
+                <a:ea typeface="Times New Roman" panose="02020603050405020304" pitchFamily="18" charset="0"/>
+              </a:rPr>
+              <a:t>Number of p-m</a:t>
+            </a:r>
+            <a:r>
+              <a:rPr lang="en-US" baseline="30000" dirty="0">
+                <a:solidFill>
+                  <a:schemeClr val="tx1"/>
+                </a:solidFill>
+                <a:effectLst/>
+                <a:latin typeface="Times New Roman" panose="02020603050405020304" pitchFamily="18" charset="0"/>
+                <a:ea typeface="Times New Roman" panose="02020603050405020304" pitchFamily="18" charset="0"/>
+              </a:rPr>
+              <a:t>5</a:t>
+            </a:r>
+            <a:r>
+              <a:rPr lang="en-US" dirty="0">
+                <a:solidFill>
+                  <a:schemeClr val="tx1"/>
+                </a:solidFill>
+                <a:effectLst/>
+                <a:latin typeface="Times New Roman" panose="02020603050405020304" pitchFamily="18" charset="0"/>
+                <a:ea typeface="Times New Roman" panose="02020603050405020304" pitchFamily="18" charset="0"/>
+              </a:rPr>
+              <a:t>C sites contained in each read, binned by p-m</a:t>
+            </a:r>
+            <a:r>
+              <a:rPr lang="en-US" baseline="30000" dirty="0">
+                <a:solidFill>
+                  <a:schemeClr val="tx1"/>
+                </a:solidFill>
+                <a:effectLst/>
+                <a:latin typeface="Times New Roman" panose="02020603050405020304" pitchFamily="18" charset="0"/>
+                <a:ea typeface="Times New Roman" panose="02020603050405020304" pitchFamily="18" charset="0"/>
+              </a:rPr>
+              <a:t>5</a:t>
+            </a:r>
+            <a:r>
+              <a:rPr lang="en-US" dirty="0">
+                <a:solidFill>
+                  <a:schemeClr val="tx1"/>
+                </a:solidFill>
+                <a:effectLst/>
+                <a:latin typeface="Times New Roman" panose="02020603050405020304" pitchFamily="18" charset="0"/>
+                <a:ea typeface="Times New Roman" panose="02020603050405020304" pitchFamily="18" charset="0"/>
+              </a:rPr>
+              <a:t>C content. Reads are separated by mapping to the mitochondrial chromosome (left) and all other canonical chromosomes (not including control sequences) (right).</a:t>
             </a:r>
           </a:p>
         </p:txBody>
       </p:sp>
+      <p:pic>
+        <p:nvPicPr>
+          <p:cNvPr id="106" name="Google Shape;174;p1">
+            <a:extLst>
+              <a:ext uri="{FF2B5EF4-FFF2-40B4-BE49-F238E27FC236}">
+                <a16:creationId xmlns:a16="http://schemas.microsoft.com/office/drawing/2014/main" id="{7F50D451-9692-48B6-9C72-CCE7D30767FA}"/>
+              </a:ext>
+            </a:extLst>
+          </p:cNvPr>
+          <p:cNvPicPr preferRelativeResize="0"/>
+          <p:nvPr/>
+        </p:nvPicPr>
+        <p:blipFill rotWithShape="1">
+          <a:blip r:embed="rId10">
+            <a:alphaModFix/>
+          </a:blip>
+          <a:srcRect l="90243" r="-1" b="23336"/>
+          <a:stretch/>
+        </p:blipFill>
+        <p:spPr>
+          <a:xfrm>
+            <a:off x="3792891" y="8602599"/>
+            <a:ext cx="482382" cy="1434756"/>
+          </a:xfrm>
+          <a:prstGeom prst="rect">
+            <a:avLst/>
+          </a:prstGeom>
+          <a:noFill/>
+          <a:ln>
+            <a:noFill/>
+          </a:ln>
+        </p:spPr>
+      </p:pic>
     </p:spTree>
-  </p:cSld>
-  <p:clrMapOvr>
-    <a:masterClrMapping/>
-  </p:clrMapOvr>
-</p:sld>
-</file>
-
-<file path=ppt/slides/slide2.xml><?xml version="1.0" encoding="utf-8"?>
-<p:sld xmlns:a="http://schemas.openxmlformats.org/drawingml/2006/main" xmlns:r="http://schemas.openxmlformats.org/officeDocument/2006/relationships" xmlns:p="http://schemas.openxmlformats.org/presentationml/2006/main">
-  <p:cSld>
-    <p:spTree>
-      <p:nvGrpSpPr>
-        <p:cNvPr id="1" name=""/>
-        <p:cNvGrpSpPr/>
-        <p:nvPr/>
-      </p:nvGrpSpPr>
-      <p:grpSpPr>
-        <a:xfrm>
-          <a:off x="0" y="0"/>
-          <a:ext cx="0" cy="0"/>
-          <a:chOff x="0" y="0"/>
-          <a:chExt cx="0" cy="0"/>
-        </a:xfrm>
-      </p:grpSpPr>
-    </p:spTree>
-    <p:extLst>
-      <p:ext uri="{BB962C8B-B14F-4D97-AF65-F5344CB8AC3E}">
-        <p14:creationId xmlns:p14="http://schemas.microsoft.com/office/powerpoint/2010/main" val="1374409510"/>
-      </p:ext>
-    </p:extLst>
   </p:cSld>
   <p:clrMapOvr>
     <a:masterClrMapping/>
